--- a/Australia.pptx
+++ b/Australia.pptx
@@ -1,31 +1,31 @@
 
 <file path=ppt/presentation.xml><?xml version="1.0" encoding="utf-8"?>
-<p:presentation xmlns:a="http://schemas.openxmlformats.org/drawingml/2006/main" xmlns:r="http://schemas.openxmlformats.org/officeDocument/2006/relationships" xmlns:mc="http://schemas.openxmlformats.org/markup-compatibility/2006" xmlns:mv="urn:schemas-microsoft-com:mac:vml" xmlns:p="http://schemas.openxmlformats.org/presentationml/2006/main" xmlns:c="http://schemas.openxmlformats.org/drawingml/2006/chart" xmlns:dgm="http://schemas.openxmlformats.org/drawingml/2006/diagram" xmlns:o="urn:schemas-microsoft-com:office:office" xmlns:v="urn:schemas-microsoft-com:vml" xmlns:pvml="urn:schemas-microsoft-com:office:powerpoint" xmlns:com="http://schemas.openxmlformats.org/drawingml/2006/compatibility" xmlns:p14="http://schemas.microsoft.com/office/powerpoint/2010/main" xmlns:p15="http://schemas.microsoft.com/office/powerpoint/2012/main" xmlns:ahyp="http://schemas.microsoft.com/office/drawing/2018/hyperlinkcolor" autoCompressPictures="0" strictFirstAndLastChars="0" saveSubsetFonts="1">
+<p:presentation xmlns:a="http://schemas.openxmlformats.org/drawingml/2006/main" xmlns:r="http://schemas.openxmlformats.org/officeDocument/2006/relationships" xmlns:p="http://schemas.openxmlformats.org/presentationml/2006/main" strictFirstAndLastChars="0" saveSubsetFonts="1" autoCompressPictures="0">
   <p:sldMasterIdLst>
-    <p:sldMasterId id="2147483659" r:id="rId4"/>
+    <p:sldMasterId id="2147483659" r:id="rId1"/>
   </p:sldMasterIdLst>
   <p:notesMasterIdLst>
-    <p:notesMasterId r:id="rId5"/>
+    <p:notesMasterId r:id="rId15"/>
   </p:notesMasterIdLst>
   <p:sldIdLst>
-    <p:sldId id="256" r:id="rId6"/>
-    <p:sldId id="257" r:id="rId7"/>
-    <p:sldId id="258" r:id="rId8"/>
-    <p:sldId id="259" r:id="rId9"/>
-    <p:sldId id="260" r:id="rId10"/>
-    <p:sldId id="261" r:id="rId11"/>
-    <p:sldId id="262" r:id="rId12"/>
-    <p:sldId id="263" r:id="rId13"/>
-    <p:sldId id="264" r:id="rId14"/>
-    <p:sldId id="265" r:id="rId15"/>
-    <p:sldId id="266" r:id="rId16"/>
-    <p:sldId id="267" r:id="rId17"/>
-    <p:sldId id="268" r:id="rId18"/>
+    <p:sldId id="256" r:id="rId2"/>
+    <p:sldId id="257" r:id="rId3"/>
+    <p:sldId id="258" r:id="rId4"/>
+    <p:sldId id="259" r:id="rId5"/>
+    <p:sldId id="260" r:id="rId6"/>
+    <p:sldId id="261" r:id="rId7"/>
+    <p:sldId id="262" r:id="rId8"/>
+    <p:sldId id="263" r:id="rId9"/>
+    <p:sldId id="264" r:id="rId10"/>
+    <p:sldId id="265" r:id="rId11"/>
+    <p:sldId id="266" r:id="rId12"/>
+    <p:sldId id="267" r:id="rId13"/>
+    <p:sldId id="268" r:id="rId14"/>
   </p:sldIdLst>
-  <p:sldSz cy="5143500" cx="9144000"/>
+  <p:sldSz cx="9144000" cy="5143500" type="screen16x9"/>
   <p:notesSz cx="6858000" cy="9144000"/>
   <p:defaultTextStyle>
-    <a:defPPr lvl="0" marR="0" rtl="0" algn="l">
+    <a:defPPr marR="0" lvl="0" algn="l" rtl="0">
       <a:lnSpc>
         <a:spcPct val="100000"/>
       </a:lnSpc>
@@ -36,7 +36,7 @@
         <a:spcPts val="0"/>
       </a:spcAft>
     </a:defPPr>
-    <a:lvl1pPr lvl="0" marR="0" rtl="0" algn="l">
+    <a:lvl1pPr marR="0" lvl="0" algn="l" rtl="0">
       <a:lnSpc>
         <a:spcPct val="100000"/>
       </a:lnSpc>
@@ -50,7 +50,7 @@
         <a:srgbClr val="000000"/>
       </a:buClr>
       <a:buFont typeface="Arial"/>
-      <a:defRPr b="0" i="0" sz="1400" u="none" cap="none" strike="noStrike">
+      <a:defRPr sz="1400" b="0" i="0" u="none" strike="noStrike" cap="none">
         <a:solidFill>
           <a:srgbClr val="000000"/>
         </a:solidFill>
@@ -60,7 +60,7 @@
         <a:sym typeface="Arial"/>
       </a:defRPr>
     </a:lvl1pPr>
-    <a:lvl2pPr lvl="1" marR="0" rtl="0" algn="l">
+    <a:lvl2pPr marR="0" lvl="1" algn="l" rtl="0">
       <a:lnSpc>
         <a:spcPct val="100000"/>
       </a:lnSpc>
@@ -74,7 +74,7 @@
         <a:srgbClr val="000000"/>
       </a:buClr>
       <a:buFont typeface="Arial"/>
-      <a:defRPr b="0" i="0" sz="1400" u="none" cap="none" strike="noStrike">
+      <a:defRPr sz="1400" b="0" i="0" u="none" strike="noStrike" cap="none">
         <a:solidFill>
           <a:srgbClr val="000000"/>
         </a:solidFill>
@@ -84,7 +84,7 @@
         <a:sym typeface="Arial"/>
       </a:defRPr>
     </a:lvl2pPr>
-    <a:lvl3pPr lvl="2" marR="0" rtl="0" algn="l">
+    <a:lvl3pPr marR="0" lvl="2" algn="l" rtl="0">
       <a:lnSpc>
         <a:spcPct val="100000"/>
       </a:lnSpc>
@@ -98,7 +98,7 @@
         <a:srgbClr val="000000"/>
       </a:buClr>
       <a:buFont typeface="Arial"/>
-      <a:defRPr b="0" i="0" sz="1400" u="none" cap="none" strike="noStrike">
+      <a:defRPr sz="1400" b="0" i="0" u="none" strike="noStrike" cap="none">
         <a:solidFill>
           <a:srgbClr val="000000"/>
         </a:solidFill>
@@ -108,7 +108,7 @@
         <a:sym typeface="Arial"/>
       </a:defRPr>
     </a:lvl3pPr>
-    <a:lvl4pPr lvl="3" marR="0" rtl="0" algn="l">
+    <a:lvl4pPr marR="0" lvl="3" algn="l" rtl="0">
       <a:lnSpc>
         <a:spcPct val="100000"/>
       </a:lnSpc>
@@ -122,7 +122,7 @@
         <a:srgbClr val="000000"/>
       </a:buClr>
       <a:buFont typeface="Arial"/>
-      <a:defRPr b="0" i="0" sz="1400" u="none" cap="none" strike="noStrike">
+      <a:defRPr sz="1400" b="0" i="0" u="none" strike="noStrike" cap="none">
         <a:solidFill>
           <a:srgbClr val="000000"/>
         </a:solidFill>
@@ -132,7 +132,7 @@
         <a:sym typeface="Arial"/>
       </a:defRPr>
     </a:lvl4pPr>
-    <a:lvl5pPr lvl="4" marR="0" rtl="0" algn="l">
+    <a:lvl5pPr marR="0" lvl="4" algn="l" rtl="0">
       <a:lnSpc>
         <a:spcPct val="100000"/>
       </a:lnSpc>
@@ -146,7 +146,7 @@
         <a:srgbClr val="000000"/>
       </a:buClr>
       <a:buFont typeface="Arial"/>
-      <a:defRPr b="0" i="0" sz="1400" u="none" cap="none" strike="noStrike">
+      <a:defRPr sz="1400" b="0" i="0" u="none" strike="noStrike" cap="none">
         <a:solidFill>
           <a:srgbClr val="000000"/>
         </a:solidFill>
@@ -156,7 +156,7 @@
         <a:sym typeface="Arial"/>
       </a:defRPr>
     </a:lvl5pPr>
-    <a:lvl6pPr lvl="5" marR="0" rtl="0" algn="l">
+    <a:lvl6pPr marR="0" lvl="5" algn="l" rtl="0">
       <a:lnSpc>
         <a:spcPct val="100000"/>
       </a:lnSpc>
@@ -170,7 +170,7 @@
         <a:srgbClr val="000000"/>
       </a:buClr>
       <a:buFont typeface="Arial"/>
-      <a:defRPr b="0" i="0" sz="1400" u="none" cap="none" strike="noStrike">
+      <a:defRPr sz="1400" b="0" i="0" u="none" strike="noStrike" cap="none">
         <a:solidFill>
           <a:srgbClr val="000000"/>
         </a:solidFill>
@@ -180,7 +180,7 @@
         <a:sym typeface="Arial"/>
       </a:defRPr>
     </a:lvl6pPr>
-    <a:lvl7pPr lvl="6" marR="0" rtl="0" algn="l">
+    <a:lvl7pPr marR="0" lvl="6" algn="l" rtl="0">
       <a:lnSpc>
         <a:spcPct val="100000"/>
       </a:lnSpc>
@@ -194,7 +194,7 @@
         <a:srgbClr val="000000"/>
       </a:buClr>
       <a:buFont typeface="Arial"/>
-      <a:defRPr b="0" i="0" sz="1400" u="none" cap="none" strike="noStrike">
+      <a:defRPr sz="1400" b="0" i="0" u="none" strike="noStrike" cap="none">
         <a:solidFill>
           <a:srgbClr val="000000"/>
         </a:solidFill>
@@ -204,7 +204,7 @@
         <a:sym typeface="Arial"/>
       </a:defRPr>
     </a:lvl7pPr>
-    <a:lvl8pPr lvl="7" marR="0" rtl="0" algn="l">
+    <a:lvl8pPr marR="0" lvl="7" algn="l" rtl="0">
       <a:lnSpc>
         <a:spcPct val="100000"/>
       </a:lnSpc>
@@ -218,7 +218,7 @@
         <a:srgbClr val="000000"/>
       </a:buClr>
       <a:buFont typeface="Arial"/>
-      <a:defRPr b="0" i="0" sz="1400" u="none" cap="none" strike="noStrike">
+      <a:defRPr sz="1400" b="0" i="0" u="none" strike="noStrike" cap="none">
         <a:solidFill>
           <a:srgbClr val="000000"/>
         </a:solidFill>
@@ -228,7 +228,7 @@
         <a:sym typeface="Arial"/>
       </a:defRPr>
     </a:lvl8pPr>
-    <a:lvl9pPr lvl="8" marR="0" rtl="0" algn="l">
+    <a:lvl9pPr marR="0" lvl="8" algn="l" rtl="0">
       <a:lnSpc>
         <a:spcPct val="100000"/>
       </a:lnSpc>
@@ -242,7 +242,7 @@
         <a:srgbClr val="000000"/>
       </a:buClr>
       <a:buFont typeface="Arial"/>
-      <a:defRPr b="0" i="0" sz="1400" u="none" cap="none" strike="noStrike">
+      <a:defRPr sz="1400" b="0" i="0" u="none" strike="noStrike" cap="none">
         <a:solidFill>
           <a:srgbClr val="000000"/>
         </a:solidFill>
@@ -255,7 +255,7 @@
   </p:defaultTextStyle>
   <p:extLst>
     <p:ext uri="{EFAFB233-063F-42B5-8137-9DF3F51BA10A}">
-      <p15:sldGuideLst>
+      <p15:sldGuideLst xmlns:p15="http://schemas.microsoft.com/office/powerpoint/2012/main">
         <p15:guide id="1" orient="horz" pos="1620">
           <p15:clr>
             <a:srgbClr val="747775"/>
@@ -273,11 +273,16 @@
 </file>
 
 <file path=ppt/notesMasters/notesMaster1.xml><?xml version="1.0" encoding="utf-8"?>
-<p:notesMaster xmlns:a="http://schemas.openxmlformats.org/drawingml/2006/main" xmlns:r="http://schemas.openxmlformats.org/officeDocument/2006/relationships" xmlns:mc="http://schemas.openxmlformats.org/markup-compatibility/2006" xmlns:mv="urn:schemas-microsoft-com:mac:vml" xmlns:p="http://schemas.openxmlformats.org/presentationml/2006/main" xmlns:c="http://schemas.openxmlformats.org/drawingml/2006/chart" xmlns:dgm="http://schemas.openxmlformats.org/drawingml/2006/diagram" xmlns:o="urn:schemas-microsoft-com:office:office" xmlns:v="urn:schemas-microsoft-com:vml" xmlns:pvml="urn:schemas-microsoft-com:office:powerpoint" xmlns:com="http://schemas.openxmlformats.org/drawingml/2006/compatibility" xmlns:p14="http://schemas.microsoft.com/office/powerpoint/2010/main" xmlns:p15="http://schemas.microsoft.com/office/powerpoint/2012/main" xmlns:ahyp="http://schemas.microsoft.com/office/drawing/2018/hyperlinkcolor">
+<p:notesMaster xmlns:a="http://schemas.openxmlformats.org/drawingml/2006/main" xmlns:r="http://schemas.openxmlformats.org/officeDocument/2006/relationships" xmlns:p="http://schemas.openxmlformats.org/presentationml/2006/main">
   <p:cSld>
+    <p:bg>
+      <p:bgRef idx="1001">
+        <a:schemeClr val="bg1"/>
+      </p:bgRef>
+    </p:bg>
     <p:spTree>
       <p:nvGrpSpPr>
-        <p:cNvPr id="2" name="Shape 2"/>
+        <p:cNvPr id="1" name="Shape 2"/>
         <p:cNvGrpSpPr/>
         <p:nvPr/>
       </p:nvGrpSpPr>
@@ -292,9 +297,11 @@
       <p:sp>
         <p:nvSpPr>
           <p:cNvPr id="3" name="Google Shape;3;n"/>
-          <p:cNvSpPr/>
+          <p:cNvSpPr>
+            <a:spLocks noGrp="1" noRot="1" noChangeAspect="1"/>
+          </p:cNvSpPr>
           <p:nvPr>
-            <p:ph idx="2" type="sldImg"/>
+            <p:ph type="sldImg" idx="2"/>
           </p:nvPr>
         </p:nvSpPr>
         <p:spPr>
@@ -303,9 +310,13 @@
             <a:ext cx="6096075" cy="3429000"/>
           </a:xfrm>
           <a:custGeom>
-            <a:rect b="b" l="l" r="r" t="t"/>
+            <a:avLst/>
+            <a:gdLst/>
+            <a:ahLst/>
+            <a:cxnLst/>
+            <a:rect l="l" t="t" r="r" b="b"/>
             <a:pathLst>
-              <a:path extrusionOk="0" h="120000" w="120000">
+              <a:path w="120000" h="120000" extrusionOk="0">
                 <a:moveTo>
                   <a:pt x="0" y="0"/>
                 </a:moveTo>
@@ -323,23 +334,25 @@
             </a:pathLst>
           </a:custGeom>
           <a:noFill/>
-          <a:ln cap="flat" cmpd="sng" w="9525">
+          <a:ln w="9525" cap="flat" cmpd="sng">
             <a:solidFill>
               <a:srgbClr val="000000"/>
             </a:solidFill>
             <a:prstDash val="solid"/>
             <a:round/>
-            <a:headEnd len="sm" w="sm" type="none"/>
-            <a:tailEnd len="sm" w="sm" type="none"/>
+            <a:headEnd type="none" w="sm" len="sm"/>
+            <a:tailEnd type="none" w="sm" len="sm"/>
           </a:ln>
         </p:spPr>
       </p:sp>
       <p:sp>
         <p:nvSpPr>
           <p:cNvPr id="4" name="Google Shape;4;n"/>
-          <p:cNvSpPr txBox="1"/>
+          <p:cNvSpPr txBox="1">
+            <a:spLocks noGrp="1"/>
+          </p:cNvSpPr>
           <p:nvPr>
-            <p:ph idx="1" type="body"/>
+            <p:ph type="body" idx="1"/>
           </p:nvPr>
         </p:nvSpPr>
         <p:spPr>
@@ -356,11 +369,11 @@
           </a:ln>
         </p:spPr>
         <p:txBody>
-          <a:bodyPr anchorCtr="0" anchor="t" bIns="91425" lIns="91425" spcFirstLastPara="1" rIns="91425" wrap="square" tIns="91425">
+          <a:bodyPr spcFirstLastPara="1" wrap="square" lIns="91425" tIns="91425" rIns="91425" bIns="91425" anchor="t" anchorCtr="0">
             <a:noAutofit/>
           </a:bodyPr>
           <a:lstStyle>
-            <a:lvl1pPr indent="-298450" lvl="0" marL="457200">
+            <a:lvl1pPr marL="457200" lvl="0" indent="-298450">
               <a:spcBef>
                 <a:spcPts val="0"/>
               </a:spcBef>
@@ -371,7 +384,7 @@
               <a:buChar char="●"/>
               <a:defRPr sz="1100"/>
             </a:lvl1pPr>
-            <a:lvl2pPr indent="-298450" lvl="1" marL="914400">
+            <a:lvl2pPr marL="914400" lvl="1" indent="-298450">
               <a:spcBef>
                 <a:spcPts val="0"/>
               </a:spcBef>
@@ -382,7 +395,7 @@
               <a:buChar char="○"/>
               <a:defRPr sz="1100"/>
             </a:lvl2pPr>
-            <a:lvl3pPr indent="-298450" lvl="2" marL="1371600">
+            <a:lvl3pPr marL="1371600" lvl="2" indent="-298450">
               <a:spcBef>
                 <a:spcPts val="0"/>
               </a:spcBef>
@@ -393,7 +406,7 @@
               <a:buChar char="■"/>
               <a:defRPr sz="1100"/>
             </a:lvl3pPr>
-            <a:lvl4pPr indent="-298450" lvl="3" marL="1828800">
+            <a:lvl4pPr marL="1828800" lvl="3" indent="-298450">
               <a:spcBef>
                 <a:spcPts val="0"/>
               </a:spcBef>
@@ -404,7 +417,7 @@
               <a:buChar char="●"/>
               <a:defRPr sz="1100"/>
             </a:lvl4pPr>
-            <a:lvl5pPr indent="-298450" lvl="4" marL="2286000">
+            <a:lvl5pPr marL="2286000" lvl="4" indent="-298450">
               <a:spcBef>
                 <a:spcPts val="0"/>
               </a:spcBef>
@@ -415,7 +428,7 @@
               <a:buChar char="○"/>
               <a:defRPr sz="1100"/>
             </a:lvl5pPr>
-            <a:lvl6pPr indent="-298450" lvl="5" marL="2743200">
+            <a:lvl6pPr marL="2743200" lvl="5" indent="-298450">
               <a:spcBef>
                 <a:spcPts val="0"/>
               </a:spcBef>
@@ -426,7 +439,7 @@
               <a:buChar char="■"/>
               <a:defRPr sz="1100"/>
             </a:lvl6pPr>
-            <a:lvl7pPr indent="-298450" lvl="6" marL="3200400">
+            <a:lvl7pPr marL="3200400" lvl="6" indent="-298450">
               <a:spcBef>
                 <a:spcPts val="0"/>
               </a:spcBef>
@@ -437,7 +450,7 @@
               <a:buChar char="●"/>
               <a:defRPr sz="1100"/>
             </a:lvl7pPr>
-            <a:lvl8pPr indent="-298450" lvl="7" marL="3657600">
+            <a:lvl8pPr marL="3657600" lvl="7" indent="-298450">
               <a:spcBef>
                 <a:spcPts val="0"/>
               </a:spcBef>
@@ -448,7 +461,7 @@
               <a:buChar char="○"/>
               <a:defRPr sz="1100"/>
             </a:lvl8pPr>
-            <a:lvl9pPr indent="-298450" lvl="8" marL="4114800">
+            <a:lvl9pPr marL="4114800" lvl="8" indent="-298450">
               <a:spcBef>
                 <a:spcPts val="0"/>
               </a:spcBef>
@@ -460,14 +473,16 @@
               <a:defRPr sz="1100"/>
             </a:lvl9pPr>
           </a:lstStyle>
-          <a:p/>
+          <a:p>
+            <a:endParaRPr/>
+          </a:p>
         </p:txBody>
       </p:sp>
     </p:spTree>
   </p:cSld>
-  <p:clrMap accent1="accent1" accent2="accent2" accent3="accent3" accent4="accent4" accent5="accent5" accent6="accent6" bg1="lt1" bg2="dk2" tx1="dk1" tx2="lt2" folHlink="folHlink" hlink="hlink"/>
+  <p:clrMap bg1="lt1" tx1="dk1" bg2="dk2" tx2="lt2" accent1="accent1" accent2="accent2" accent3="accent3" accent4="accent4" accent5="accent5" accent6="accent6" hlink="hlink" folHlink="folHlink"/>
   <p:notesStyle>
-    <a:defPPr lvl="0" marR="0" rtl="0" algn="l">
+    <a:defPPr marR="0" lvl="0" algn="l" rtl="0">
       <a:lnSpc>
         <a:spcPct val="100000"/>
       </a:lnSpc>
@@ -478,7 +493,7 @@
         <a:spcPts val="0"/>
       </a:spcAft>
     </a:defPPr>
-    <a:lvl1pPr lvl="0" marR="0" rtl="0" algn="l">
+    <a:lvl1pPr marR="0" lvl="0" algn="l" rtl="0">
       <a:lnSpc>
         <a:spcPct val="100000"/>
       </a:lnSpc>
@@ -492,7 +507,7 @@
         <a:srgbClr val="000000"/>
       </a:buClr>
       <a:buFont typeface="Arial"/>
-      <a:defRPr b="0" i="0" sz="1400" u="none" cap="none" strike="noStrike">
+      <a:defRPr sz="1400" b="0" i="0" u="none" strike="noStrike" cap="none">
         <a:solidFill>
           <a:srgbClr val="000000"/>
         </a:solidFill>
@@ -502,7 +517,7 @@
         <a:sym typeface="Arial"/>
       </a:defRPr>
     </a:lvl1pPr>
-    <a:lvl2pPr lvl="1" marR="0" rtl="0" algn="l">
+    <a:lvl2pPr marR="0" lvl="1" algn="l" rtl="0">
       <a:lnSpc>
         <a:spcPct val="100000"/>
       </a:lnSpc>
@@ -516,7 +531,7 @@
         <a:srgbClr val="000000"/>
       </a:buClr>
       <a:buFont typeface="Arial"/>
-      <a:defRPr b="0" i="0" sz="1400" u="none" cap="none" strike="noStrike">
+      <a:defRPr sz="1400" b="0" i="0" u="none" strike="noStrike" cap="none">
         <a:solidFill>
           <a:srgbClr val="000000"/>
         </a:solidFill>
@@ -526,7 +541,7 @@
         <a:sym typeface="Arial"/>
       </a:defRPr>
     </a:lvl2pPr>
-    <a:lvl3pPr lvl="2" marR="0" rtl="0" algn="l">
+    <a:lvl3pPr marR="0" lvl="2" algn="l" rtl="0">
       <a:lnSpc>
         <a:spcPct val="100000"/>
       </a:lnSpc>
@@ -540,7 +555,7 @@
         <a:srgbClr val="000000"/>
       </a:buClr>
       <a:buFont typeface="Arial"/>
-      <a:defRPr b="0" i="0" sz="1400" u="none" cap="none" strike="noStrike">
+      <a:defRPr sz="1400" b="0" i="0" u="none" strike="noStrike" cap="none">
         <a:solidFill>
           <a:srgbClr val="000000"/>
         </a:solidFill>
@@ -550,7 +565,7 @@
         <a:sym typeface="Arial"/>
       </a:defRPr>
     </a:lvl3pPr>
-    <a:lvl4pPr lvl="3" marR="0" rtl="0" algn="l">
+    <a:lvl4pPr marR="0" lvl="3" algn="l" rtl="0">
       <a:lnSpc>
         <a:spcPct val="100000"/>
       </a:lnSpc>
@@ -564,7 +579,7 @@
         <a:srgbClr val="000000"/>
       </a:buClr>
       <a:buFont typeface="Arial"/>
-      <a:defRPr b="0" i="0" sz="1400" u="none" cap="none" strike="noStrike">
+      <a:defRPr sz="1400" b="0" i="0" u="none" strike="noStrike" cap="none">
         <a:solidFill>
           <a:srgbClr val="000000"/>
         </a:solidFill>
@@ -574,7 +589,7 @@
         <a:sym typeface="Arial"/>
       </a:defRPr>
     </a:lvl4pPr>
-    <a:lvl5pPr lvl="4" marR="0" rtl="0" algn="l">
+    <a:lvl5pPr marR="0" lvl="4" algn="l" rtl="0">
       <a:lnSpc>
         <a:spcPct val="100000"/>
       </a:lnSpc>
@@ -588,7 +603,7 @@
         <a:srgbClr val="000000"/>
       </a:buClr>
       <a:buFont typeface="Arial"/>
-      <a:defRPr b="0" i="0" sz="1400" u="none" cap="none" strike="noStrike">
+      <a:defRPr sz="1400" b="0" i="0" u="none" strike="noStrike" cap="none">
         <a:solidFill>
           <a:srgbClr val="000000"/>
         </a:solidFill>
@@ -598,7 +613,7 @@
         <a:sym typeface="Arial"/>
       </a:defRPr>
     </a:lvl5pPr>
-    <a:lvl6pPr lvl="5" marR="0" rtl="0" algn="l">
+    <a:lvl6pPr marR="0" lvl="5" algn="l" rtl="0">
       <a:lnSpc>
         <a:spcPct val="100000"/>
       </a:lnSpc>
@@ -612,7 +627,7 @@
         <a:srgbClr val="000000"/>
       </a:buClr>
       <a:buFont typeface="Arial"/>
-      <a:defRPr b="0" i="0" sz="1400" u="none" cap="none" strike="noStrike">
+      <a:defRPr sz="1400" b="0" i="0" u="none" strike="noStrike" cap="none">
         <a:solidFill>
           <a:srgbClr val="000000"/>
         </a:solidFill>
@@ -622,7 +637,7 @@
         <a:sym typeface="Arial"/>
       </a:defRPr>
     </a:lvl6pPr>
-    <a:lvl7pPr lvl="6" marR="0" rtl="0" algn="l">
+    <a:lvl7pPr marR="0" lvl="6" algn="l" rtl="0">
       <a:lnSpc>
         <a:spcPct val="100000"/>
       </a:lnSpc>
@@ -636,7 +651,7 @@
         <a:srgbClr val="000000"/>
       </a:buClr>
       <a:buFont typeface="Arial"/>
-      <a:defRPr b="0" i="0" sz="1400" u="none" cap="none" strike="noStrike">
+      <a:defRPr sz="1400" b="0" i="0" u="none" strike="noStrike" cap="none">
         <a:solidFill>
           <a:srgbClr val="000000"/>
         </a:solidFill>
@@ -646,7 +661,7 @@
         <a:sym typeface="Arial"/>
       </a:defRPr>
     </a:lvl7pPr>
-    <a:lvl8pPr lvl="7" marR="0" rtl="0" algn="l">
+    <a:lvl8pPr marR="0" lvl="7" algn="l" rtl="0">
       <a:lnSpc>
         <a:spcPct val="100000"/>
       </a:lnSpc>
@@ -660,7 +675,7 @@
         <a:srgbClr val="000000"/>
       </a:buClr>
       <a:buFont typeface="Arial"/>
-      <a:defRPr b="0" i="0" sz="1400" u="none" cap="none" strike="noStrike">
+      <a:defRPr sz="1400" b="0" i="0" u="none" strike="noStrike" cap="none">
         <a:solidFill>
           <a:srgbClr val="000000"/>
         </a:solidFill>
@@ -670,7 +685,7 @@
         <a:sym typeface="Arial"/>
       </a:defRPr>
     </a:lvl8pPr>
-    <a:lvl9pPr lvl="8" marR="0" rtl="0" algn="l">
+    <a:lvl9pPr marR="0" lvl="8" algn="l" rtl="0">
       <a:lnSpc>
         <a:spcPct val="100000"/>
       </a:lnSpc>
@@ -684,7 +699,7 @@
         <a:srgbClr val="000000"/>
       </a:buClr>
       <a:buFont typeface="Arial"/>
-      <a:defRPr b="0" i="0" sz="1400" u="none" cap="none" strike="noStrike">
+      <a:defRPr sz="1400" b="0" i="0" u="none" strike="noStrike" cap="none">
         <a:solidFill>
           <a:srgbClr val="000000"/>
         </a:solidFill>
@@ -699,11 +714,11 @@
 </file>
 
 <file path=ppt/notesSlides/notesSlide1.xml><?xml version="1.0" encoding="utf-8"?>
-<p:notes xmlns:a="http://schemas.openxmlformats.org/drawingml/2006/main" xmlns:r="http://schemas.openxmlformats.org/officeDocument/2006/relationships" xmlns:mc="http://schemas.openxmlformats.org/markup-compatibility/2006" xmlns:mv="urn:schemas-microsoft-com:mac:vml" xmlns:p="http://schemas.openxmlformats.org/presentationml/2006/main" xmlns:c="http://schemas.openxmlformats.org/drawingml/2006/chart" xmlns:dgm="http://schemas.openxmlformats.org/drawingml/2006/diagram" xmlns:o="urn:schemas-microsoft-com:office:office" xmlns:v="urn:schemas-microsoft-com:vml" xmlns:pvml="urn:schemas-microsoft-com:office:powerpoint" xmlns:com="http://schemas.openxmlformats.org/drawingml/2006/compatibility" xmlns:p14="http://schemas.microsoft.com/office/powerpoint/2010/main" xmlns:p15="http://schemas.microsoft.com/office/powerpoint/2012/main" xmlns:ahyp="http://schemas.microsoft.com/office/drawing/2018/hyperlinkcolor" showMasterPhAnim="0" showMasterSp="0">
+<p:notes xmlns:a="http://schemas.openxmlformats.org/drawingml/2006/main" xmlns:r="http://schemas.openxmlformats.org/officeDocument/2006/relationships" xmlns:p="http://schemas.openxmlformats.org/presentationml/2006/main" showMasterSp="0" showMasterPhAnim="0">
   <p:cSld>
     <p:spTree>
       <p:nvGrpSpPr>
-        <p:cNvPr id="50" name="Shape 50"/>
+        <p:cNvPr id="1" name="Shape 50"/>
         <p:cNvGrpSpPr/>
         <p:nvPr/>
       </p:nvGrpSpPr>
@@ -718,9 +733,11 @@
       <p:sp>
         <p:nvSpPr>
           <p:cNvPr id="51" name="Google Shape;51;p:notes"/>
-          <p:cNvSpPr/>
+          <p:cNvSpPr>
+            <a:spLocks noGrp="1" noRot="1" noChangeAspect="1"/>
+          </p:cNvSpPr>
           <p:nvPr>
-            <p:ph idx="2" type="sldImg"/>
+            <p:ph type="sldImg" idx="2"/>
           </p:nvPr>
         </p:nvSpPr>
         <p:spPr>
@@ -729,9 +746,13 @@
             <a:ext cx="6096075" cy="3429000"/>
           </a:xfrm>
           <a:custGeom>
-            <a:rect b="b" l="l" r="r" t="t"/>
+            <a:avLst/>
+            <a:gdLst/>
+            <a:ahLst/>
+            <a:cxnLst/>
+            <a:rect l="l" t="t" r="r" b="b"/>
             <a:pathLst>
-              <a:path extrusionOk="0" h="120000" w="120000">
+              <a:path w="120000" h="120000" extrusionOk="0">
                 <a:moveTo>
                   <a:pt x="0" y="0"/>
                 </a:moveTo>
@@ -753,9 +774,11 @@
       <p:sp>
         <p:nvSpPr>
           <p:cNvPr id="52" name="Google Shape;52;p:notes"/>
-          <p:cNvSpPr txBox="1"/>
+          <p:cNvSpPr txBox="1">
+            <a:spLocks noGrp="1"/>
+          </p:cNvSpPr>
           <p:nvPr>
-            <p:ph idx="1" type="body"/>
+            <p:ph type="body" idx="1"/>
           </p:nvPr>
         </p:nvSpPr>
         <p:spPr>
@@ -768,12 +791,12 @@
           </a:prstGeom>
         </p:spPr>
         <p:txBody>
-          <a:bodyPr anchorCtr="0" anchor="t" bIns="91425" lIns="91425" spcFirstLastPara="1" rIns="91425" wrap="square" tIns="91425">
+          <a:bodyPr spcFirstLastPara="1" wrap="square" lIns="91425" tIns="91425" rIns="91425" bIns="91425" anchor="t" anchorCtr="0">
             <a:noAutofit/>
           </a:bodyPr>
           <a:lstStyle/>
           <a:p>
-            <a:pPr indent="0" lvl="0" marL="0" rtl="0" algn="l">
+            <a:pPr marL="0" lvl="0" indent="0" algn="l" rtl="0">
               <a:spcBef>
                 <a:spcPts val="0"/>
               </a:spcBef>
@@ -782,9 +805,6 @@
               </a:spcAft>
               <a:buNone/>
             </a:pPr>
-            <a:r>
-              <a:t/>
-            </a:r>
             <a:endParaRPr/>
           </a:p>
         </p:txBody>
@@ -798,11 +818,11 @@
 </file>
 
 <file path=ppt/notesSlides/notesSlide10.xml><?xml version="1.0" encoding="utf-8"?>
-<p:notes xmlns:a="http://schemas.openxmlformats.org/drawingml/2006/main" xmlns:r="http://schemas.openxmlformats.org/officeDocument/2006/relationships" xmlns:mc="http://schemas.openxmlformats.org/markup-compatibility/2006" xmlns:mv="urn:schemas-microsoft-com:mac:vml" xmlns:p="http://schemas.openxmlformats.org/presentationml/2006/main" xmlns:c="http://schemas.openxmlformats.org/drawingml/2006/chart" xmlns:dgm="http://schemas.openxmlformats.org/drawingml/2006/diagram" xmlns:o="urn:schemas-microsoft-com:office:office" xmlns:v="urn:schemas-microsoft-com:vml" xmlns:pvml="urn:schemas-microsoft-com:office:powerpoint" xmlns:com="http://schemas.openxmlformats.org/drawingml/2006/compatibility" xmlns:p14="http://schemas.microsoft.com/office/powerpoint/2010/main" xmlns:p15="http://schemas.microsoft.com/office/powerpoint/2012/main" xmlns:ahyp="http://schemas.microsoft.com/office/drawing/2018/hyperlinkcolor" showMasterPhAnim="0" showMasterSp="0">
+<p:notes xmlns:a="http://schemas.openxmlformats.org/drawingml/2006/main" xmlns:r="http://schemas.openxmlformats.org/officeDocument/2006/relationships" xmlns:p="http://schemas.openxmlformats.org/presentationml/2006/main" showMasterSp="0" showMasterPhAnim="0">
   <p:cSld>
     <p:spTree>
       <p:nvGrpSpPr>
-        <p:cNvPr id="119" name="Shape 119"/>
+        <p:cNvPr id="1" name="Shape 119"/>
         <p:cNvGrpSpPr/>
         <p:nvPr/>
       </p:nvGrpSpPr>
@@ -817,9 +837,11 @@
       <p:sp>
         <p:nvSpPr>
           <p:cNvPr id="120" name="Google Shape;120;g2d190162a6e_0_10:notes"/>
-          <p:cNvSpPr/>
+          <p:cNvSpPr>
+            <a:spLocks noGrp="1" noRot="1" noChangeAspect="1"/>
+          </p:cNvSpPr>
           <p:nvPr>
-            <p:ph idx="2" type="sldImg"/>
+            <p:ph type="sldImg" idx="2"/>
           </p:nvPr>
         </p:nvSpPr>
         <p:spPr>
@@ -828,9 +850,13 @@
             <a:ext cx="6096000" cy="3429000"/>
           </a:xfrm>
           <a:custGeom>
-            <a:rect b="b" l="l" r="r" t="t"/>
+            <a:avLst/>
+            <a:gdLst/>
+            <a:ahLst/>
+            <a:cxnLst/>
+            <a:rect l="l" t="t" r="r" b="b"/>
             <a:pathLst>
-              <a:path extrusionOk="0" h="120000" w="120000">
+              <a:path w="120000" h="120000" extrusionOk="0">
                 <a:moveTo>
                   <a:pt x="0" y="0"/>
                 </a:moveTo>
@@ -852,9 +878,11 @@
       <p:sp>
         <p:nvSpPr>
           <p:cNvPr id="121" name="Google Shape;121;g2d190162a6e_0_10:notes"/>
-          <p:cNvSpPr txBox="1"/>
+          <p:cNvSpPr txBox="1">
+            <a:spLocks noGrp="1"/>
+          </p:cNvSpPr>
           <p:nvPr>
-            <p:ph idx="1" type="body"/>
+            <p:ph type="body" idx="1"/>
           </p:nvPr>
         </p:nvSpPr>
         <p:spPr>
@@ -867,12 +895,12 @@
           </a:prstGeom>
         </p:spPr>
         <p:txBody>
-          <a:bodyPr anchorCtr="0" anchor="t" bIns="91425" lIns="91425" spcFirstLastPara="1" rIns="91425" wrap="square" tIns="91425">
+          <a:bodyPr spcFirstLastPara="1" wrap="square" lIns="91425" tIns="91425" rIns="91425" bIns="91425" anchor="t" anchorCtr="0">
             <a:noAutofit/>
           </a:bodyPr>
           <a:lstStyle/>
           <a:p>
-            <a:pPr indent="0" lvl="0" marL="0" rtl="0" algn="l">
+            <a:pPr marL="0" lvl="0" indent="0" algn="l" rtl="0">
               <a:spcBef>
                 <a:spcPts val="0"/>
               </a:spcBef>
@@ -881,9 +909,6 @@
               </a:spcAft>
               <a:buNone/>
             </a:pPr>
-            <a:r>
-              <a:t/>
-            </a:r>
             <a:endParaRPr/>
           </a:p>
         </p:txBody>
@@ -897,11 +922,11 @@
 </file>
 
 <file path=ppt/notesSlides/notesSlide11.xml><?xml version="1.0" encoding="utf-8"?>
-<p:notes xmlns:a="http://schemas.openxmlformats.org/drawingml/2006/main" xmlns:r="http://schemas.openxmlformats.org/officeDocument/2006/relationships" xmlns:mc="http://schemas.openxmlformats.org/markup-compatibility/2006" xmlns:mv="urn:schemas-microsoft-com:mac:vml" xmlns:p="http://schemas.openxmlformats.org/presentationml/2006/main" xmlns:c="http://schemas.openxmlformats.org/drawingml/2006/chart" xmlns:dgm="http://schemas.openxmlformats.org/drawingml/2006/diagram" xmlns:o="urn:schemas-microsoft-com:office:office" xmlns:v="urn:schemas-microsoft-com:vml" xmlns:pvml="urn:schemas-microsoft-com:office:powerpoint" xmlns:com="http://schemas.openxmlformats.org/drawingml/2006/compatibility" xmlns:p14="http://schemas.microsoft.com/office/powerpoint/2010/main" xmlns:p15="http://schemas.microsoft.com/office/powerpoint/2012/main" xmlns:ahyp="http://schemas.microsoft.com/office/drawing/2018/hyperlinkcolor" showMasterPhAnim="0" showMasterSp="0">
+<p:notes xmlns:a="http://schemas.openxmlformats.org/drawingml/2006/main" xmlns:r="http://schemas.openxmlformats.org/officeDocument/2006/relationships" xmlns:p="http://schemas.openxmlformats.org/presentationml/2006/main" showMasterSp="0" showMasterPhAnim="0">
   <p:cSld>
     <p:spTree>
       <p:nvGrpSpPr>
-        <p:cNvPr id="125" name="Shape 125"/>
+        <p:cNvPr id="1" name="Shape 125"/>
         <p:cNvGrpSpPr/>
         <p:nvPr/>
       </p:nvGrpSpPr>
@@ -916,9 +941,11 @@
       <p:sp>
         <p:nvSpPr>
           <p:cNvPr id="126" name="Google Shape;126;g2d190162a6e_0_21:notes"/>
-          <p:cNvSpPr/>
+          <p:cNvSpPr>
+            <a:spLocks noGrp="1" noRot="1" noChangeAspect="1"/>
+          </p:cNvSpPr>
           <p:nvPr>
-            <p:ph idx="2" type="sldImg"/>
+            <p:ph type="sldImg" idx="2"/>
           </p:nvPr>
         </p:nvSpPr>
         <p:spPr>
@@ -927,9 +954,13 @@
             <a:ext cx="6096000" cy="3429000"/>
           </a:xfrm>
           <a:custGeom>
-            <a:rect b="b" l="l" r="r" t="t"/>
+            <a:avLst/>
+            <a:gdLst/>
+            <a:ahLst/>
+            <a:cxnLst/>
+            <a:rect l="l" t="t" r="r" b="b"/>
             <a:pathLst>
-              <a:path extrusionOk="0" h="120000" w="120000">
+              <a:path w="120000" h="120000" extrusionOk="0">
                 <a:moveTo>
                   <a:pt x="0" y="0"/>
                 </a:moveTo>
@@ -951,9 +982,11 @@
       <p:sp>
         <p:nvSpPr>
           <p:cNvPr id="127" name="Google Shape;127;g2d190162a6e_0_21:notes"/>
-          <p:cNvSpPr txBox="1"/>
+          <p:cNvSpPr txBox="1">
+            <a:spLocks noGrp="1"/>
+          </p:cNvSpPr>
           <p:nvPr>
-            <p:ph idx="1" type="body"/>
+            <p:ph type="body" idx="1"/>
           </p:nvPr>
         </p:nvSpPr>
         <p:spPr>
@@ -966,12 +999,12 @@
           </a:prstGeom>
         </p:spPr>
         <p:txBody>
-          <a:bodyPr anchorCtr="0" anchor="t" bIns="91425" lIns="91425" spcFirstLastPara="1" rIns="91425" wrap="square" tIns="91425">
+          <a:bodyPr spcFirstLastPara="1" wrap="square" lIns="91425" tIns="91425" rIns="91425" bIns="91425" anchor="t" anchorCtr="0">
             <a:noAutofit/>
           </a:bodyPr>
           <a:lstStyle/>
           <a:p>
-            <a:pPr indent="0" lvl="0" marL="0" rtl="0" algn="l">
+            <a:pPr marL="0" lvl="0" indent="0" algn="l" rtl="0">
               <a:spcBef>
                 <a:spcPts val="0"/>
               </a:spcBef>
@@ -980,9 +1013,6 @@
               </a:spcAft>
               <a:buNone/>
             </a:pPr>
-            <a:r>
-              <a:t/>
-            </a:r>
             <a:endParaRPr/>
           </a:p>
         </p:txBody>
@@ -996,11 +1026,11 @@
 </file>
 
 <file path=ppt/notesSlides/notesSlide12.xml><?xml version="1.0" encoding="utf-8"?>
-<p:notes xmlns:a="http://schemas.openxmlformats.org/drawingml/2006/main" xmlns:r="http://schemas.openxmlformats.org/officeDocument/2006/relationships" xmlns:mc="http://schemas.openxmlformats.org/markup-compatibility/2006" xmlns:mv="urn:schemas-microsoft-com:mac:vml" xmlns:p="http://schemas.openxmlformats.org/presentationml/2006/main" xmlns:c="http://schemas.openxmlformats.org/drawingml/2006/chart" xmlns:dgm="http://schemas.openxmlformats.org/drawingml/2006/diagram" xmlns:o="urn:schemas-microsoft-com:office:office" xmlns:v="urn:schemas-microsoft-com:vml" xmlns:pvml="urn:schemas-microsoft-com:office:powerpoint" xmlns:com="http://schemas.openxmlformats.org/drawingml/2006/compatibility" xmlns:p14="http://schemas.microsoft.com/office/powerpoint/2010/main" xmlns:p15="http://schemas.microsoft.com/office/powerpoint/2012/main" xmlns:ahyp="http://schemas.microsoft.com/office/drawing/2018/hyperlinkcolor" showMasterPhAnim="0" showMasterSp="0">
+<p:notes xmlns:a="http://schemas.openxmlformats.org/drawingml/2006/main" xmlns:r="http://schemas.openxmlformats.org/officeDocument/2006/relationships" xmlns:p="http://schemas.openxmlformats.org/presentationml/2006/main" showMasterSp="0" showMasterPhAnim="0">
   <p:cSld>
     <p:spTree>
       <p:nvGrpSpPr>
-        <p:cNvPr id="133" name="Shape 133"/>
+        <p:cNvPr id="1" name="Shape 133"/>
         <p:cNvGrpSpPr/>
         <p:nvPr/>
       </p:nvGrpSpPr>
@@ -1015,9 +1045,11 @@
       <p:sp>
         <p:nvSpPr>
           <p:cNvPr id="134" name="Google Shape;134;g2d190162a6e_0_28:notes"/>
-          <p:cNvSpPr/>
+          <p:cNvSpPr>
+            <a:spLocks noGrp="1" noRot="1" noChangeAspect="1"/>
+          </p:cNvSpPr>
           <p:nvPr>
-            <p:ph idx="2" type="sldImg"/>
+            <p:ph type="sldImg" idx="2"/>
           </p:nvPr>
         </p:nvSpPr>
         <p:spPr>
@@ -1026,9 +1058,13 @@
             <a:ext cx="6096000" cy="3429000"/>
           </a:xfrm>
           <a:custGeom>
-            <a:rect b="b" l="l" r="r" t="t"/>
+            <a:avLst/>
+            <a:gdLst/>
+            <a:ahLst/>
+            <a:cxnLst/>
+            <a:rect l="l" t="t" r="r" b="b"/>
             <a:pathLst>
-              <a:path extrusionOk="0" h="120000" w="120000">
+              <a:path w="120000" h="120000" extrusionOk="0">
                 <a:moveTo>
                   <a:pt x="0" y="0"/>
                 </a:moveTo>
@@ -1050,9 +1086,11 @@
       <p:sp>
         <p:nvSpPr>
           <p:cNvPr id="135" name="Google Shape;135;g2d190162a6e_0_28:notes"/>
-          <p:cNvSpPr txBox="1"/>
+          <p:cNvSpPr txBox="1">
+            <a:spLocks noGrp="1"/>
+          </p:cNvSpPr>
           <p:nvPr>
-            <p:ph idx="1" type="body"/>
+            <p:ph type="body" idx="1"/>
           </p:nvPr>
         </p:nvSpPr>
         <p:spPr>
@@ -1065,12 +1103,12 @@
           </a:prstGeom>
         </p:spPr>
         <p:txBody>
-          <a:bodyPr anchorCtr="0" anchor="t" bIns="91425" lIns="91425" spcFirstLastPara="1" rIns="91425" wrap="square" tIns="91425">
+          <a:bodyPr spcFirstLastPara="1" wrap="square" lIns="91425" tIns="91425" rIns="91425" bIns="91425" anchor="t" anchorCtr="0">
             <a:noAutofit/>
           </a:bodyPr>
           <a:lstStyle/>
           <a:p>
-            <a:pPr indent="0" lvl="0" marL="0" rtl="0" algn="l">
+            <a:pPr marL="0" lvl="0" indent="0" algn="l" rtl="0">
               <a:spcBef>
                 <a:spcPts val="0"/>
               </a:spcBef>
@@ -1079,9 +1117,6 @@
               </a:spcAft>
               <a:buNone/>
             </a:pPr>
-            <a:r>
-              <a:t/>
-            </a:r>
             <a:endParaRPr/>
           </a:p>
         </p:txBody>
@@ -1095,11 +1130,11 @@
 </file>
 
 <file path=ppt/notesSlides/notesSlide13.xml><?xml version="1.0" encoding="utf-8"?>
-<p:notes xmlns:a="http://schemas.openxmlformats.org/drawingml/2006/main" xmlns:r="http://schemas.openxmlformats.org/officeDocument/2006/relationships" xmlns:mc="http://schemas.openxmlformats.org/markup-compatibility/2006" xmlns:mv="urn:schemas-microsoft-com:mac:vml" xmlns:p="http://schemas.openxmlformats.org/presentationml/2006/main" xmlns:c="http://schemas.openxmlformats.org/drawingml/2006/chart" xmlns:dgm="http://schemas.openxmlformats.org/drawingml/2006/diagram" xmlns:o="urn:schemas-microsoft-com:office:office" xmlns:v="urn:schemas-microsoft-com:vml" xmlns:pvml="urn:schemas-microsoft-com:office:powerpoint" xmlns:com="http://schemas.openxmlformats.org/drawingml/2006/compatibility" xmlns:p14="http://schemas.microsoft.com/office/powerpoint/2010/main" xmlns:p15="http://schemas.microsoft.com/office/powerpoint/2012/main" xmlns:ahyp="http://schemas.microsoft.com/office/drawing/2018/hyperlinkcolor" showMasterPhAnim="0" showMasterSp="0">
+<p:notes xmlns:a="http://schemas.openxmlformats.org/drawingml/2006/main" xmlns:r="http://schemas.openxmlformats.org/officeDocument/2006/relationships" xmlns:p="http://schemas.openxmlformats.org/presentationml/2006/main" showMasterSp="0" showMasterPhAnim="0">
   <p:cSld>
     <p:spTree>
       <p:nvGrpSpPr>
-        <p:cNvPr id="139" name="Shape 139"/>
+        <p:cNvPr id="1" name="Shape 139"/>
         <p:cNvGrpSpPr/>
         <p:nvPr/>
       </p:nvGrpSpPr>
@@ -1114,9 +1149,11 @@
       <p:sp>
         <p:nvSpPr>
           <p:cNvPr id="140" name="Google Shape;140;g2d1849d09ec_0_17:notes"/>
-          <p:cNvSpPr/>
+          <p:cNvSpPr>
+            <a:spLocks noGrp="1" noRot="1" noChangeAspect="1"/>
+          </p:cNvSpPr>
           <p:nvPr>
-            <p:ph idx="2" type="sldImg"/>
+            <p:ph type="sldImg" idx="2"/>
           </p:nvPr>
         </p:nvSpPr>
         <p:spPr>
@@ -1125,9 +1162,13 @@
             <a:ext cx="6096000" cy="3429000"/>
           </a:xfrm>
           <a:custGeom>
-            <a:rect b="b" l="l" r="r" t="t"/>
+            <a:avLst/>
+            <a:gdLst/>
+            <a:ahLst/>
+            <a:cxnLst/>
+            <a:rect l="l" t="t" r="r" b="b"/>
             <a:pathLst>
-              <a:path extrusionOk="0" h="120000" w="120000">
+              <a:path w="120000" h="120000" extrusionOk="0">
                 <a:moveTo>
                   <a:pt x="0" y="0"/>
                 </a:moveTo>
@@ -1149,9 +1190,11 @@
       <p:sp>
         <p:nvSpPr>
           <p:cNvPr id="141" name="Google Shape;141;g2d1849d09ec_0_17:notes"/>
-          <p:cNvSpPr txBox="1"/>
+          <p:cNvSpPr txBox="1">
+            <a:spLocks noGrp="1"/>
+          </p:cNvSpPr>
           <p:nvPr>
-            <p:ph idx="1" type="body"/>
+            <p:ph type="body" idx="1"/>
           </p:nvPr>
         </p:nvSpPr>
         <p:spPr>
@@ -1164,12 +1207,12 @@
           </a:prstGeom>
         </p:spPr>
         <p:txBody>
-          <a:bodyPr anchorCtr="0" anchor="t" bIns="91425" lIns="91425" spcFirstLastPara="1" rIns="91425" wrap="square" tIns="91425">
+          <a:bodyPr spcFirstLastPara="1" wrap="square" lIns="91425" tIns="91425" rIns="91425" bIns="91425" anchor="t" anchorCtr="0">
             <a:noAutofit/>
           </a:bodyPr>
           <a:lstStyle/>
           <a:p>
-            <a:pPr indent="0" lvl="0" marL="0" rtl="0" algn="l">
+            <a:pPr marL="0" lvl="0" indent="0" algn="l" rtl="0">
               <a:spcBef>
                 <a:spcPts val="0"/>
               </a:spcBef>
@@ -1178,9 +1221,6 @@
               </a:spcAft>
               <a:buNone/>
             </a:pPr>
-            <a:r>
-              <a:t/>
-            </a:r>
             <a:endParaRPr/>
           </a:p>
         </p:txBody>
@@ -1194,11 +1234,11 @@
 </file>
 
 <file path=ppt/notesSlides/notesSlide2.xml><?xml version="1.0" encoding="utf-8"?>
-<p:notes xmlns:a="http://schemas.openxmlformats.org/drawingml/2006/main" xmlns:r="http://schemas.openxmlformats.org/officeDocument/2006/relationships" xmlns:mc="http://schemas.openxmlformats.org/markup-compatibility/2006" xmlns:mv="urn:schemas-microsoft-com:mac:vml" xmlns:p="http://schemas.openxmlformats.org/presentationml/2006/main" xmlns:c="http://schemas.openxmlformats.org/drawingml/2006/chart" xmlns:dgm="http://schemas.openxmlformats.org/drawingml/2006/diagram" xmlns:o="urn:schemas-microsoft-com:office:office" xmlns:v="urn:schemas-microsoft-com:vml" xmlns:pvml="urn:schemas-microsoft-com:office:powerpoint" xmlns:com="http://schemas.openxmlformats.org/drawingml/2006/compatibility" xmlns:p14="http://schemas.microsoft.com/office/powerpoint/2010/main" xmlns:p15="http://schemas.microsoft.com/office/powerpoint/2012/main" xmlns:ahyp="http://schemas.microsoft.com/office/drawing/2018/hyperlinkcolor" showMasterPhAnim="0" showMasterSp="0">
+<p:notes xmlns:a="http://schemas.openxmlformats.org/drawingml/2006/main" xmlns:r="http://schemas.openxmlformats.org/officeDocument/2006/relationships" xmlns:p="http://schemas.openxmlformats.org/presentationml/2006/main" showMasterSp="0" showMasterPhAnim="0">
   <p:cSld>
     <p:spTree>
       <p:nvGrpSpPr>
-        <p:cNvPr id="58" name="Shape 58"/>
+        <p:cNvPr id="1" name="Shape 58"/>
         <p:cNvGrpSpPr/>
         <p:nvPr/>
       </p:nvGrpSpPr>
@@ -1213,20 +1253,26 @@
       <p:sp>
         <p:nvSpPr>
           <p:cNvPr id="59" name="Google Shape;59;g2d1849d09ec_0_2:notes"/>
-          <p:cNvSpPr/>
+          <p:cNvSpPr>
+            <a:spLocks noGrp="1" noRot="1" noChangeAspect="1"/>
+          </p:cNvSpPr>
           <p:nvPr>
-            <p:ph idx="2" type="sldImg"/>
+            <p:ph type="sldImg" idx="2"/>
           </p:nvPr>
         </p:nvSpPr>
         <p:spPr>
           <a:xfrm>
-            <a:off x="381300" y="685800"/>
+            <a:off x="381000" y="685800"/>
             <a:ext cx="6096000" cy="3429000"/>
           </a:xfrm>
           <a:custGeom>
-            <a:rect b="b" l="l" r="r" t="t"/>
+            <a:avLst/>
+            <a:gdLst/>
+            <a:ahLst/>
+            <a:cxnLst/>
+            <a:rect l="l" t="t" r="r" b="b"/>
             <a:pathLst>
-              <a:path extrusionOk="0" h="120000" w="120000">
+              <a:path w="120000" h="120000" extrusionOk="0">
                 <a:moveTo>
                   <a:pt x="0" y="0"/>
                 </a:moveTo>
@@ -1248,9 +1294,11 @@
       <p:sp>
         <p:nvSpPr>
           <p:cNvPr id="60" name="Google Shape;60;g2d1849d09ec_0_2:notes"/>
-          <p:cNvSpPr txBox="1"/>
+          <p:cNvSpPr txBox="1">
+            <a:spLocks noGrp="1"/>
+          </p:cNvSpPr>
           <p:nvPr>
-            <p:ph idx="1" type="body"/>
+            <p:ph type="body" idx="1"/>
           </p:nvPr>
         </p:nvSpPr>
         <p:spPr>
@@ -1263,12 +1311,12 @@
           </a:prstGeom>
         </p:spPr>
         <p:txBody>
-          <a:bodyPr anchorCtr="0" anchor="t" bIns="91425" lIns="91425" spcFirstLastPara="1" rIns="91425" wrap="square" tIns="91425">
+          <a:bodyPr spcFirstLastPara="1" wrap="square" lIns="91425" tIns="91425" rIns="91425" bIns="91425" anchor="t" anchorCtr="0">
             <a:noAutofit/>
           </a:bodyPr>
           <a:lstStyle/>
           <a:p>
-            <a:pPr indent="0" lvl="0" marL="0" rtl="0" algn="l">
+            <a:pPr marL="0" lvl="0" indent="0" algn="l" rtl="0">
               <a:spcBef>
                 <a:spcPts val="0"/>
               </a:spcBef>
@@ -1277,9 +1325,6 @@
               </a:spcAft>
               <a:buNone/>
             </a:pPr>
-            <a:r>
-              <a:t/>
-            </a:r>
             <a:endParaRPr/>
           </a:p>
         </p:txBody>
@@ -1293,11 +1338,11 @@
 </file>
 
 <file path=ppt/notesSlides/notesSlide3.xml><?xml version="1.0" encoding="utf-8"?>
-<p:notes xmlns:a="http://schemas.openxmlformats.org/drawingml/2006/main" xmlns:r="http://schemas.openxmlformats.org/officeDocument/2006/relationships" xmlns:mc="http://schemas.openxmlformats.org/markup-compatibility/2006" xmlns:mv="urn:schemas-microsoft-com:mac:vml" xmlns:p="http://schemas.openxmlformats.org/presentationml/2006/main" xmlns:c="http://schemas.openxmlformats.org/drawingml/2006/chart" xmlns:dgm="http://schemas.openxmlformats.org/drawingml/2006/diagram" xmlns:o="urn:schemas-microsoft-com:office:office" xmlns:v="urn:schemas-microsoft-com:vml" xmlns:pvml="urn:schemas-microsoft-com:office:powerpoint" xmlns:com="http://schemas.openxmlformats.org/drawingml/2006/compatibility" xmlns:p14="http://schemas.microsoft.com/office/powerpoint/2010/main" xmlns:p15="http://schemas.microsoft.com/office/powerpoint/2012/main" xmlns:ahyp="http://schemas.microsoft.com/office/drawing/2018/hyperlinkcolor" showMasterPhAnim="0" showMasterSp="0">
+<p:notes xmlns:a="http://schemas.openxmlformats.org/drawingml/2006/main" xmlns:r="http://schemas.openxmlformats.org/officeDocument/2006/relationships" xmlns:p="http://schemas.openxmlformats.org/presentationml/2006/main" showMasterSp="0" showMasterPhAnim="0">
   <p:cSld>
     <p:spTree>
       <p:nvGrpSpPr>
-        <p:cNvPr id="64" name="Shape 64"/>
+        <p:cNvPr id="1" name="Shape 64"/>
         <p:cNvGrpSpPr/>
         <p:nvPr/>
       </p:nvGrpSpPr>
@@ -1312,9 +1357,11 @@
       <p:sp>
         <p:nvSpPr>
           <p:cNvPr id="65" name="Google Shape;65;g2d1849d0e2d_0_1:notes"/>
-          <p:cNvSpPr/>
+          <p:cNvSpPr>
+            <a:spLocks noGrp="1" noRot="1" noChangeAspect="1"/>
+          </p:cNvSpPr>
           <p:nvPr>
-            <p:ph idx="2" type="sldImg"/>
+            <p:ph type="sldImg" idx="2"/>
           </p:nvPr>
         </p:nvSpPr>
         <p:spPr>
@@ -1323,9 +1370,13 @@
             <a:ext cx="6096000" cy="3429000"/>
           </a:xfrm>
           <a:custGeom>
-            <a:rect b="b" l="l" r="r" t="t"/>
+            <a:avLst/>
+            <a:gdLst/>
+            <a:ahLst/>
+            <a:cxnLst/>
+            <a:rect l="l" t="t" r="r" b="b"/>
             <a:pathLst>
-              <a:path extrusionOk="0" h="120000" w="120000">
+              <a:path w="120000" h="120000" extrusionOk="0">
                 <a:moveTo>
                   <a:pt x="0" y="0"/>
                 </a:moveTo>
@@ -1347,9 +1398,11 @@
       <p:sp>
         <p:nvSpPr>
           <p:cNvPr id="66" name="Google Shape;66;g2d1849d0e2d_0_1:notes"/>
-          <p:cNvSpPr txBox="1"/>
+          <p:cNvSpPr txBox="1">
+            <a:spLocks noGrp="1"/>
+          </p:cNvSpPr>
           <p:nvPr>
-            <p:ph idx="1" type="body"/>
+            <p:ph type="body" idx="1"/>
           </p:nvPr>
         </p:nvSpPr>
         <p:spPr>
@@ -1362,12 +1415,12 @@
           </a:prstGeom>
         </p:spPr>
         <p:txBody>
-          <a:bodyPr anchorCtr="0" anchor="t" bIns="91425" lIns="91425" spcFirstLastPara="1" rIns="91425" wrap="square" tIns="91425">
+          <a:bodyPr spcFirstLastPara="1" wrap="square" lIns="91425" tIns="91425" rIns="91425" bIns="91425" anchor="t" anchorCtr="0">
             <a:noAutofit/>
           </a:bodyPr>
           <a:lstStyle/>
           <a:p>
-            <a:pPr indent="0" lvl="0" marL="0" rtl="0" algn="l">
+            <a:pPr marL="0" lvl="0" indent="0" algn="l" rtl="0">
               <a:spcBef>
                 <a:spcPts val="0"/>
               </a:spcBef>
@@ -1376,9 +1429,6 @@
               </a:spcAft>
               <a:buNone/>
             </a:pPr>
-            <a:r>
-              <a:t/>
-            </a:r>
             <a:endParaRPr/>
           </a:p>
         </p:txBody>
@@ -1392,11 +1442,11 @@
 </file>
 
 <file path=ppt/notesSlides/notesSlide4.xml><?xml version="1.0" encoding="utf-8"?>
-<p:notes xmlns:a="http://schemas.openxmlformats.org/drawingml/2006/main" xmlns:r="http://schemas.openxmlformats.org/officeDocument/2006/relationships" xmlns:mc="http://schemas.openxmlformats.org/markup-compatibility/2006" xmlns:mv="urn:schemas-microsoft-com:mac:vml" xmlns:p="http://schemas.openxmlformats.org/presentationml/2006/main" xmlns:c="http://schemas.openxmlformats.org/drawingml/2006/chart" xmlns:dgm="http://schemas.openxmlformats.org/drawingml/2006/diagram" xmlns:o="urn:schemas-microsoft-com:office:office" xmlns:v="urn:schemas-microsoft-com:vml" xmlns:pvml="urn:schemas-microsoft-com:office:powerpoint" xmlns:com="http://schemas.openxmlformats.org/drawingml/2006/compatibility" xmlns:p14="http://schemas.microsoft.com/office/powerpoint/2010/main" xmlns:p15="http://schemas.microsoft.com/office/powerpoint/2012/main" xmlns:ahyp="http://schemas.microsoft.com/office/drawing/2018/hyperlinkcolor" showMasterPhAnim="0" showMasterSp="0">
+<p:notes xmlns:a="http://schemas.openxmlformats.org/drawingml/2006/main" xmlns:r="http://schemas.openxmlformats.org/officeDocument/2006/relationships" xmlns:p="http://schemas.openxmlformats.org/presentationml/2006/main" showMasterSp="0" showMasterPhAnim="0">
   <p:cSld>
     <p:spTree>
       <p:nvGrpSpPr>
-        <p:cNvPr id="71" name="Shape 71"/>
+        <p:cNvPr id="1" name="Shape 71"/>
         <p:cNvGrpSpPr/>
         <p:nvPr/>
       </p:nvGrpSpPr>
@@ -1411,9 +1461,11 @@
       <p:sp>
         <p:nvSpPr>
           <p:cNvPr id="72" name="Google Shape;72;g2d1849d0e2d_0_9:notes"/>
-          <p:cNvSpPr/>
+          <p:cNvSpPr>
+            <a:spLocks noGrp="1" noRot="1" noChangeAspect="1"/>
+          </p:cNvSpPr>
           <p:nvPr>
-            <p:ph idx="2" type="sldImg"/>
+            <p:ph type="sldImg" idx="2"/>
           </p:nvPr>
         </p:nvSpPr>
         <p:spPr>
@@ -1422,9 +1474,13 @@
             <a:ext cx="6096000" cy="3429000"/>
           </a:xfrm>
           <a:custGeom>
-            <a:rect b="b" l="l" r="r" t="t"/>
+            <a:avLst/>
+            <a:gdLst/>
+            <a:ahLst/>
+            <a:cxnLst/>
+            <a:rect l="l" t="t" r="r" b="b"/>
             <a:pathLst>
-              <a:path extrusionOk="0" h="120000" w="120000">
+              <a:path w="120000" h="120000" extrusionOk="0">
                 <a:moveTo>
                   <a:pt x="0" y="0"/>
                 </a:moveTo>
@@ -1446,9 +1502,11 @@
       <p:sp>
         <p:nvSpPr>
           <p:cNvPr id="73" name="Google Shape;73;g2d1849d0e2d_0_9:notes"/>
-          <p:cNvSpPr txBox="1"/>
+          <p:cNvSpPr txBox="1">
+            <a:spLocks noGrp="1"/>
+          </p:cNvSpPr>
           <p:nvPr>
-            <p:ph idx="1" type="body"/>
+            <p:ph type="body" idx="1"/>
           </p:nvPr>
         </p:nvSpPr>
         <p:spPr>
@@ -1461,12 +1519,12 @@
           </a:prstGeom>
         </p:spPr>
         <p:txBody>
-          <a:bodyPr anchorCtr="0" anchor="t" bIns="91425" lIns="91425" spcFirstLastPara="1" rIns="91425" wrap="square" tIns="91425">
+          <a:bodyPr spcFirstLastPara="1" wrap="square" lIns="91425" tIns="91425" rIns="91425" bIns="91425" anchor="t" anchorCtr="0">
             <a:noAutofit/>
           </a:bodyPr>
           <a:lstStyle/>
           <a:p>
-            <a:pPr indent="0" lvl="0" marL="0" rtl="0" algn="l">
+            <a:pPr marL="0" lvl="0" indent="0" algn="l" rtl="0">
               <a:spcBef>
                 <a:spcPts val="0"/>
               </a:spcBef>
@@ -1475,9 +1533,6 @@
               </a:spcAft>
               <a:buNone/>
             </a:pPr>
-            <a:r>
-              <a:t/>
-            </a:r>
             <a:endParaRPr/>
           </a:p>
         </p:txBody>
@@ -1491,11 +1546,11 @@
 </file>
 
 <file path=ppt/notesSlides/notesSlide5.xml><?xml version="1.0" encoding="utf-8"?>
-<p:notes xmlns:a="http://schemas.openxmlformats.org/drawingml/2006/main" xmlns:r="http://schemas.openxmlformats.org/officeDocument/2006/relationships" xmlns:mc="http://schemas.openxmlformats.org/markup-compatibility/2006" xmlns:mv="urn:schemas-microsoft-com:mac:vml" xmlns:p="http://schemas.openxmlformats.org/presentationml/2006/main" xmlns:c="http://schemas.openxmlformats.org/drawingml/2006/chart" xmlns:dgm="http://schemas.openxmlformats.org/drawingml/2006/diagram" xmlns:o="urn:schemas-microsoft-com:office:office" xmlns:v="urn:schemas-microsoft-com:vml" xmlns:pvml="urn:schemas-microsoft-com:office:powerpoint" xmlns:com="http://schemas.openxmlformats.org/drawingml/2006/compatibility" xmlns:p14="http://schemas.microsoft.com/office/powerpoint/2010/main" xmlns:p15="http://schemas.microsoft.com/office/powerpoint/2012/main" xmlns:ahyp="http://schemas.microsoft.com/office/drawing/2018/hyperlinkcolor" showMasterPhAnim="0" showMasterSp="0">
+<p:notes xmlns:a="http://schemas.openxmlformats.org/drawingml/2006/main" xmlns:r="http://schemas.openxmlformats.org/officeDocument/2006/relationships" xmlns:p="http://schemas.openxmlformats.org/presentationml/2006/main" showMasterSp="0" showMasterPhAnim="0">
   <p:cSld>
     <p:spTree>
       <p:nvGrpSpPr>
-        <p:cNvPr id="78" name="Shape 78"/>
+        <p:cNvPr id="1" name="Shape 78"/>
         <p:cNvGrpSpPr/>
         <p:nvPr/>
       </p:nvGrpSpPr>
@@ -1510,9 +1565,11 @@
       <p:sp>
         <p:nvSpPr>
           <p:cNvPr id="79" name="Google Shape;79;g2d1849d0e2d_0_14:notes"/>
-          <p:cNvSpPr/>
+          <p:cNvSpPr>
+            <a:spLocks noGrp="1" noRot="1" noChangeAspect="1"/>
+          </p:cNvSpPr>
           <p:nvPr>
-            <p:ph idx="2" type="sldImg"/>
+            <p:ph type="sldImg" idx="2"/>
           </p:nvPr>
         </p:nvSpPr>
         <p:spPr>
@@ -1521,9 +1578,13 @@
             <a:ext cx="6096000" cy="3429000"/>
           </a:xfrm>
           <a:custGeom>
-            <a:rect b="b" l="l" r="r" t="t"/>
+            <a:avLst/>
+            <a:gdLst/>
+            <a:ahLst/>
+            <a:cxnLst/>
+            <a:rect l="l" t="t" r="r" b="b"/>
             <a:pathLst>
-              <a:path extrusionOk="0" h="120000" w="120000">
+              <a:path w="120000" h="120000" extrusionOk="0">
                 <a:moveTo>
                   <a:pt x="0" y="0"/>
                 </a:moveTo>
@@ -1545,9 +1606,11 @@
       <p:sp>
         <p:nvSpPr>
           <p:cNvPr id="80" name="Google Shape;80;g2d1849d0e2d_0_14:notes"/>
-          <p:cNvSpPr txBox="1"/>
+          <p:cNvSpPr txBox="1">
+            <a:spLocks noGrp="1"/>
+          </p:cNvSpPr>
           <p:nvPr>
-            <p:ph idx="1" type="body"/>
+            <p:ph type="body" idx="1"/>
           </p:nvPr>
         </p:nvSpPr>
         <p:spPr>
@@ -1560,12 +1623,12 @@
           </a:prstGeom>
         </p:spPr>
         <p:txBody>
-          <a:bodyPr anchorCtr="0" anchor="t" bIns="91425" lIns="91425" spcFirstLastPara="1" rIns="91425" wrap="square" tIns="91425">
+          <a:bodyPr spcFirstLastPara="1" wrap="square" lIns="91425" tIns="91425" rIns="91425" bIns="91425" anchor="t" anchorCtr="0">
             <a:noAutofit/>
           </a:bodyPr>
           <a:lstStyle/>
           <a:p>
-            <a:pPr indent="0" lvl="0" marL="0" rtl="0" algn="l">
+            <a:pPr marL="0" lvl="0" indent="0" algn="l" rtl="0">
               <a:spcBef>
                 <a:spcPts val="0"/>
               </a:spcBef>
@@ -1574,9 +1637,6 @@
               </a:spcAft>
               <a:buNone/>
             </a:pPr>
-            <a:r>
-              <a:t/>
-            </a:r>
             <a:endParaRPr/>
           </a:p>
         </p:txBody>
@@ -1590,11 +1650,11 @@
 </file>
 
 <file path=ppt/notesSlides/notesSlide6.xml><?xml version="1.0" encoding="utf-8"?>
-<p:notes xmlns:a="http://schemas.openxmlformats.org/drawingml/2006/main" xmlns:r="http://schemas.openxmlformats.org/officeDocument/2006/relationships" xmlns:mc="http://schemas.openxmlformats.org/markup-compatibility/2006" xmlns:mv="urn:schemas-microsoft-com:mac:vml" xmlns:p="http://schemas.openxmlformats.org/presentationml/2006/main" xmlns:c="http://schemas.openxmlformats.org/drawingml/2006/chart" xmlns:dgm="http://schemas.openxmlformats.org/drawingml/2006/diagram" xmlns:o="urn:schemas-microsoft-com:office:office" xmlns:v="urn:schemas-microsoft-com:vml" xmlns:pvml="urn:schemas-microsoft-com:office:powerpoint" xmlns:com="http://schemas.openxmlformats.org/drawingml/2006/compatibility" xmlns:p14="http://schemas.microsoft.com/office/powerpoint/2010/main" xmlns:p15="http://schemas.microsoft.com/office/powerpoint/2012/main" xmlns:ahyp="http://schemas.microsoft.com/office/drawing/2018/hyperlinkcolor" showMasterPhAnim="0" showMasterSp="0">
+<p:notes xmlns:a="http://schemas.openxmlformats.org/drawingml/2006/main" xmlns:r="http://schemas.openxmlformats.org/officeDocument/2006/relationships" xmlns:p="http://schemas.openxmlformats.org/presentationml/2006/main" showMasterSp="0" showMasterPhAnim="0">
   <p:cSld>
     <p:spTree>
       <p:nvGrpSpPr>
-        <p:cNvPr id="85" name="Shape 85"/>
+        <p:cNvPr id="1" name="Shape 85"/>
         <p:cNvGrpSpPr/>
         <p:nvPr/>
       </p:nvGrpSpPr>
@@ -1609,9 +1669,11 @@
       <p:sp>
         <p:nvSpPr>
           <p:cNvPr id="86" name="Google Shape;86;g2d1849d0e2d_0_24:notes"/>
-          <p:cNvSpPr/>
+          <p:cNvSpPr>
+            <a:spLocks noGrp="1" noRot="1" noChangeAspect="1"/>
+          </p:cNvSpPr>
           <p:nvPr>
-            <p:ph idx="2" type="sldImg"/>
+            <p:ph type="sldImg" idx="2"/>
           </p:nvPr>
         </p:nvSpPr>
         <p:spPr>
@@ -1620,9 +1682,13 @@
             <a:ext cx="6096000" cy="3429000"/>
           </a:xfrm>
           <a:custGeom>
-            <a:rect b="b" l="l" r="r" t="t"/>
+            <a:avLst/>
+            <a:gdLst/>
+            <a:ahLst/>
+            <a:cxnLst/>
+            <a:rect l="l" t="t" r="r" b="b"/>
             <a:pathLst>
-              <a:path extrusionOk="0" h="120000" w="120000">
+              <a:path w="120000" h="120000" extrusionOk="0">
                 <a:moveTo>
                   <a:pt x="0" y="0"/>
                 </a:moveTo>
@@ -1644,9 +1710,11 @@
       <p:sp>
         <p:nvSpPr>
           <p:cNvPr id="87" name="Google Shape;87;g2d1849d0e2d_0_24:notes"/>
-          <p:cNvSpPr txBox="1"/>
+          <p:cNvSpPr txBox="1">
+            <a:spLocks noGrp="1"/>
+          </p:cNvSpPr>
           <p:nvPr>
-            <p:ph idx="1" type="body"/>
+            <p:ph type="body" idx="1"/>
           </p:nvPr>
         </p:nvSpPr>
         <p:spPr>
@@ -1659,12 +1727,12 @@
           </a:prstGeom>
         </p:spPr>
         <p:txBody>
-          <a:bodyPr anchorCtr="0" anchor="t" bIns="91425" lIns="91425" spcFirstLastPara="1" rIns="91425" wrap="square" tIns="91425">
+          <a:bodyPr spcFirstLastPara="1" wrap="square" lIns="91425" tIns="91425" rIns="91425" bIns="91425" anchor="t" anchorCtr="0">
             <a:noAutofit/>
           </a:bodyPr>
           <a:lstStyle/>
           <a:p>
-            <a:pPr indent="0" lvl="0" marL="0" rtl="0" algn="l">
+            <a:pPr marL="0" lvl="0" indent="0" algn="l" rtl="0">
               <a:spcBef>
                 <a:spcPts val="0"/>
               </a:spcBef>
@@ -1673,9 +1741,6 @@
               </a:spcAft>
               <a:buNone/>
             </a:pPr>
-            <a:r>
-              <a:t/>
-            </a:r>
             <a:endParaRPr/>
           </a:p>
         </p:txBody>
@@ -1689,11 +1754,11 @@
 </file>
 
 <file path=ppt/notesSlides/notesSlide7.xml><?xml version="1.0" encoding="utf-8"?>
-<p:notes xmlns:a="http://schemas.openxmlformats.org/drawingml/2006/main" xmlns:r="http://schemas.openxmlformats.org/officeDocument/2006/relationships" xmlns:mc="http://schemas.openxmlformats.org/markup-compatibility/2006" xmlns:mv="urn:schemas-microsoft-com:mac:vml" xmlns:p="http://schemas.openxmlformats.org/presentationml/2006/main" xmlns:c="http://schemas.openxmlformats.org/drawingml/2006/chart" xmlns:dgm="http://schemas.openxmlformats.org/drawingml/2006/diagram" xmlns:o="urn:schemas-microsoft-com:office:office" xmlns:v="urn:schemas-microsoft-com:vml" xmlns:pvml="urn:schemas-microsoft-com:office:powerpoint" xmlns:com="http://schemas.openxmlformats.org/drawingml/2006/compatibility" xmlns:p14="http://schemas.microsoft.com/office/powerpoint/2010/main" xmlns:p15="http://schemas.microsoft.com/office/powerpoint/2012/main" xmlns:ahyp="http://schemas.microsoft.com/office/drawing/2018/hyperlinkcolor" showMasterPhAnim="0" showMasterSp="0">
+<p:notes xmlns:a="http://schemas.openxmlformats.org/drawingml/2006/main" xmlns:r="http://schemas.openxmlformats.org/officeDocument/2006/relationships" xmlns:p="http://schemas.openxmlformats.org/presentationml/2006/main" showMasterSp="0" showMasterPhAnim="0">
   <p:cSld>
     <p:spTree>
       <p:nvGrpSpPr>
-        <p:cNvPr id="93" name="Shape 93"/>
+        <p:cNvPr id="1" name="Shape 93"/>
         <p:cNvGrpSpPr/>
         <p:nvPr/>
       </p:nvGrpSpPr>
@@ -1708,9 +1773,11 @@
       <p:sp>
         <p:nvSpPr>
           <p:cNvPr id="94" name="Google Shape;94;g2d1849d0e2d_0_32:notes"/>
-          <p:cNvSpPr/>
+          <p:cNvSpPr>
+            <a:spLocks noGrp="1" noRot="1" noChangeAspect="1"/>
+          </p:cNvSpPr>
           <p:nvPr>
-            <p:ph idx="2" type="sldImg"/>
+            <p:ph type="sldImg" idx="2"/>
           </p:nvPr>
         </p:nvSpPr>
         <p:spPr>
@@ -1719,9 +1786,13 @@
             <a:ext cx="6096000" cy="3429000"/>
           </a:xfrm>
           <a:custGeom>
-            <a:rect b="b" l="l" r="r" t="t"/>
+            <a:avLst/>
+            <a:gdLst/>
+            <a:ahLst/>
+            <a:cxnLst/>
+            <a:rect l="l" t="t" r="r" b="b"/>
             <a:pathLst>
-              <a:path extrusionOk="0" h="120000" w="120000">
+              <a:path w="120000" h="120000" extrusionOk="0">
                 <a:moveTo>
                   <a:pt x="0" y="0"/>
                 </a:moveTo>
@@ -1743,9 +1814,11 @@
       <p:sp>
         <p:nvSpPr>
           <p:cNvPr id="95" name="Google Shape;95;g2d1849d0e2d_0_32:notes"/>
-          <p:cNvSpPr txBox="1"/>
+          <p:cNvSpPr txBox="1">
+            <a:spLocks noGrp="1"/>
+          </p:cNvSpPr>
           <p:nvPr>
-            <p:ph idx="1" type="body"/>
+            <p:ph type="body" idx="1"/>
           </p:nvPr>
         </p:nvSpPr>
         <p:spPr>
@@ -1758,12 +1831,12 @@
           </a:prstGeom>
         </p:spPr>
         <p:txBody>
-          <a:bodyPr anchorCtr="0" anchor="t" bIns="91425" lIns="91425" spcFirstLastPara="1" rIns="91425" wrap="square" tIns="91425">
+          <a:bodyPr spcFirstLastPara="1" wrap="square" lIns="91425" tIns="91425" rIns="91425" bIns="91425" anchor="t" anchorCtr="0">
             <a:noAutofit/>
           </a:bodyPr>
           <a:lstStyle/>
           <a:p>
-            <a:pPr indent="0" lvl="0" marL="0" rtl="0" algn="l">
+            <a:pPr marL="0" lvl="0" indent="0" algn="l" rtl="0">
               <a:spcBef>
                 <a:spcPts val="0"/>
               </a:spcBef>
@@ -1772,9 +1845,6 @@
               </a:spcAft>
               <a:buNone/>
             </a:pPr>
-            <a:r>
-              <a:t/>
-            </a:r>
             <a:endParaRPr/>
           </a:p>
         </p:txBody>
@@ -1788,11 +1858,11 @@
 </file>
 
 <file path=ppt/notesSlides/notesSlide8.xml><?xml version="1.0" encoding="utf-8"?>
-<p:notes xmlns:a="http://schemas.openxmlformats.org/drawingml/2006/main" xmlns:r="http://schemas.openxmlformats.org/officeDocument/2006/relationships" xmlns:mc="http://schemas.openxmlformats.org/markup-compatibility/2006" xmlns:mv="urn:schemas-microsoft-com:mac:vml" xmlns:p="http://schemas.openxmlformats.org/presentationml/2006/main" xmlns:c="http://schemas.openxmlformats.org/drawingml/2006/chart" xmlns:dgm="http://schemas.openxmlformats.org/drawingml/2006/diagram" xmlns:o="urn:schemas-microsoft-com:office:office" xmlns:v="urn:schemas-microsoft-com:vml" xmlns:pvml="urn:schemas-microsoft-com:office:powerpoint" xmlns:com="http://schemas.openxmlformats.org/drawingml/2006/compatibility" xmlns:p14="http://schemas.microsoft.com/office/powerpoint/2010/main" xmlns:p15="http://schemas.microsoft.com/office/powerpoint/2012/main" xmlns:ahyp="http://schemas.microsoft.com/office/drawing/2018/hyperlinkcolor" showMasterPhAnim="0" showMasterSp="0">
+<p:notes xmlns:a="http://schemas.openxmlformats.org/drawingml/2006/main" xmlns:r="http://schemas.openxmlformats.org/officeDocument/2006/relationships" xmlns:p="http://schemas.openxmlformats.org/presentationml/2006/main" showMasterSp="0" showMasterPhAnim="0">
   <p:cSld>
     <p:spTree>
       <p:nvGrpSpPr>
-        <p:cNvPr id="104" name="Shape 104"/>
+        <p:cNvPr id="1" name="Shape 104"/>
         <p:cNvGrpSpPr/>
         <p:nvPr/>
       </p:nvGrpSpPr>
@@ -1807,9 +1877,11 @@
       <p:sp>
         <p:nvSpPr>
           <p:cNvPr id="105" name="Google Shape;105;g2d1849d0e2d_0_38:notes"/>
-          <p:cNvSpPr/>
+          <p:cNvSpPr>
+            <a:spLocks noGrp="1" noRot="1" noChangeAspect="1"/>
+          </p:cNvSpPr>
           <p:nvPr>
-            <p:ph idx="2" type="sldImg"/>
+            <p:ph type="sldImg" idx="2"/>
           </p:nvPr>
         </p:nvSpPr>
         <p:spPr>
@@ -1818,9 +1890,13 @@
             <a:ext cx="6096000" cy="3429000"/>
           </a:xfrm>
           <a:custGeom>
-            <a:rect b="b" l="l" r="r" t="t"/>
+            <a:avLst/>
+            <a:gdLst/>
+            <a:ahLst/>
+            <a:cxnLst/>
+            <a:rect l="l" t="t" r="r" b="b"/>
             <a:pathLst>
-              <a:path extrusionOk="0" h="120000" w="120000">
+              <a:path w="120000" h="120000" extrusionOk="0">
                 <a:moveTo>
                   <a:pt x="0" y="0"/>
                 </a:moveTo>
@@ -1842,9 +1918,11 @@
       <p:sp>
         <p:nvSpPr>
           <p:cNvPr id="106" name="Google Shape;106;g2d1849d0e2d_0_38:notes"/>
-          <p:cNvSpPr txBox="1"/>
+          <p:cNvSpPr txBox="1">
+            <a:spLocks noGrp="1"/>
+          </p:cNvSpPr>
           <p:nvPr>
-            <p:ph idx="1" type="body"/>
+            <p:ph type="body" idx="1"/>
           </p:nvPr>
         </p:nvSpPr>
         <p:spPr>
@@ -1857,12 +1935,12 @@
           </a:prstGeom>
         </p:spPr>
         <p:txBody>
-          <a:bodyPr anchorCtr="0" anchor="t" bIns="91425" lIns="91425" spcFirstLastPara="1" rIns="91425" wrap="square" tIns="91425">
+          <a:bodyPr spcFirstLastPara="1" wrap="square" lIns="91425" tIns="91425" rIns="91425" bIns="91425" anchor="t" anchorCtr="0">
             <a:noAutofit/>
           </a:bodyPr>
           <a:lstStyle/>
           <a:p>
-            <a:pPr indent="0" lvl="0" marL="0" rtl="0" algn="l">
+            <a:pPr marL="0" lvl="0" indent="0" algn="l" rtl="0">
               <a:spcBef>
                 <a:spcPts val="0"/>
               </a:spcBef>
@@ -1871,9 +1949,6 @@
               </a:spcAft>
               <a:buNone/>
             </a:pPr>
-            <a:r>
-              <a:t/>
-            </a:r>
             <a:endParaRPr/>
           </a:p>
         </p:txBody>
@@ -1887,11 +1962,11 @@
 </file>
 
 <file path=ppt/notesSlides/notesSlide9.xml><?xml version="1.0" encoding="utf-8"?>
-<p:notes xmlns:a="http://schemas.openxmlformats.org/drawingml/2006/main" xmlns:r="http://schemas.openxmlformats.org/officeDocument/2006/relationships" xmlns:mc="http://schemas.openxmlformats.org/markup-compatibility/2006" xmlns:mv="urn:schemas-microsoft-com:mac:vml" xmlns:p="http://schemas.openxmlformats.org/presentationml/2006/main" xmlns:c="http://schemas.openxmlformats.org/drawingml/2006/chart" xmlns:dgm="http://schemas.openxmlformats.org/drawingml/2006/diagram" xmlns:o="urn:schemas-microsoft-com:office:office" xmlns:v="urn:schemas-microsoft-com:vml" xmlns:pvml="urn:schemas-microsoft-com:office:powerpoint" xmlns:com="http://schemas.openxmlformats.org/drawingml/2006/compatibility" xmlns:p14="http://schemas.microsoft.com/office/powerpoint/2010/main" xmlns:p15="http://schemas.microsoft.com/office/powerpoint/2012/main" xmlns:ahyp="http://schemas.microsoft.com/office/drawing/2018/hyperlinkcolor" showMasterPhAnim="0" showMasterSp="0">
+<p:notes xmlns:a="http://schemas.openxmlformats.org/drawingml/2006/main" xmlns:r="http://schemas.openxmlformats.org/officeDocument/2006/relationships" xmlns:p="http://schemas.openxmlformats.org/presentationml/2006/main" showMasterSp="0" showMasterPhAnim="0">
   <p:cSld>
     <p:spTree>
       <p:nvGrpSpPr>
-        <p:cNvPr id="111" name="Shape 111"/>
+        <p:cNvPr id="1" name="Shape 111"/>
         <p:cNvGrpSpPr/>
         <p:nvPr/>
       </p:nvGrpSpPr>
@@ -1906,9 +1981,11 @@
       <p:sp>
         <p:nvSpPr>
           <p:cNvPr id="112" name="Google Shape;112;g2d190162a6e_0_3:notes"/>
-          <p:cNvSpPr/>
+          <p:cNvSpPr>
+            <a:spLocks noGrp="1" noRot="1" noChangeAspect="1"/>
+          </p:cNvSpPr>
           <p:nvPr>
-            <p:ph idx="2" type="sldImg"/>
+            <p:ph type="sldImg" idx="2"/>
           </p:nvPr>
         </p:nvSpPr>
         <p:spPr>
@@ -1917,9 +1994,13 @@
             <a:ext cx="6096000" cy="3429000"/>
           </a:xfrm>
           <a:custGeom>
-            <a:rect b="b" l="l" r="r" t="t"/>
+            <a:avLst/>
+            <a:gdLst/>
+            <a:ahLst/>
+            <a:cxnLst/>
+            <a:rect l="l" t="t" r="r" b="b"/>
             <a:pathLst>
-              <a:path extrusionOk="0" h="120000" w="120000">
+              <a:path w="120000" h="120000" extrusionOk="0">
                 <a:moveTo>
                   <a:pt x="0" y="0"/>
                 </a:moveTo>
@@ -1941,9 +2022,11 @@
       <p:sp>
         <p:nvSpPr>
           <p:cNvPr id="113" name="Google Shape;113;g2d190162a6e_0_3:notes"/>
-          <p:cNvSpPr txBox="1"/>
+          <p:cNvSpPr txBox="1">
+            <a:spLocks noGrp="1"/>
+          </p:cNvSpPr>
           <p:nvPr>
-            <p:ph idx="1" type="body"/>
+            <p:ph type="body" idx="1"/>
           </p:nvPr>
         </p:nvSpPr>
         <p:spPr>
@@ -1956,12 +2039,12 @@
           </a:prstGeom>
         </p:spPr>
         <p:txBody>
-          <a:bodyPr anchorCtr="0" anchor="t" bIns="91425" lIns="91425" spcFirstLastPara="1" rIns="91425" wrap="square" tIns="91425">
+          <a:bodyPr spcFirstLastPara="1" wrap="square" lIns="91425" tIns="91425" rIns="91425" bIns="91425" anchor="t" anchorCtr="0">
             <a:noAutofit/>
           </a:bodyPr>
           <a:lstStyle/>
           <a:p>
-            <a:pPr indent="0" lvl="0" marL="0" rtl="0" algn="l">
+            <a:pPr marL="0" lvl="0" indent="0" algn="l" rtl="0">
               <a:spcBef>
                 <a:spcPts val="0"/>
               </a:spcBef>
@@ -1970,9 +2053,6 @@
               </a:spcAft>
               <a:buNone/>
             </a:pPr>
-            <a:r>
-              <a:t/>
-            </a:r>
             <a:endParaRPr/>
           </a:p>
         </p:txBody>
@@ -1986,11 +2066,11 @@
 </file>
 
 <file path=ppt/slideLayouts/slideLayout1.xml><?xml version="1.0" encoding="utf-8"?>
-<p:sldLayout xmlns:a="http://schemas.openxmlformats.org/drawingml/2006/main" xmlns:r="http://schemas.openxmlformats.org/officeDocument/2006/relationships" xmlns:mc="http://schemas.openxmlformats.org/markup-compatibility/2006" xmlns:mv="urn:schemas-microsoft-com:mac:vml" xmlns:p="http://schemas.openxmlformats.org/presentationml/2006/main" xmlns:c="http://schemas.openxmlformats.org/drawingml/2006/chart" xmlns:dgm="http://schemas.openxmlformats.org/drawingml/2006/diagram" xmlns:o="urn:schemas-microsoft-com:office:office" xmlns:v="urn:schemas-microsoft-com:vml" xmlns:pvml="urn:schemas-microsoft-com:office:powerpoint" xmlns:com="http://schemas.openxmlformats.org/drawingml/2006/compatibility" xmlns:p14="http://schemas.microsoft.com/office/powerpoint/2010/main" xmlns:p15="http://schemas.microsoft.com/office/powerpoint/2012/main" xmlns:ahyp="http://schemas.microsoft.com/office/drawing/2018/hyperlinkcolor" matchingName="Title slide" type="title">
+<p:sldLayout xmlns:a="http://schemas.openxmlformats.org/drawingml/2006/main" xmlns:r="http://schemas.openxmlformats.org/officeDocument/2006/relationships" xmlns:p="http://schemas.openxmlformats.org/presentationml/2006/main" matchingName="Title slide" type="title">
   <p:cSld name="TITLE">
     <p:spTree>
       <p:nvGrpSpPr>
-        <p:cNvPr id="9" name="Shape 9"/>
+        <p:cNvPr id="1" name="Shape 9"/>
         <p:cNvGrpSpPr/>
         <p:nvPr/>
       </p:nvGrpSpPr>
@@ -2005,7 +2085,9 @@
       <p:sp>
         <p:nvSpPr>
           <p:cNvPr id="10" name="Google Shape;10;p2"/>
-          <p:cNvSpPr txBox="1"/>
+          <p:cNvSpPr txBox="1">
+            <a:spLocks noGrp="1"/>
+          </p:cNvSpPr>
           <p:nvPr>
             <p:ph type="ctrTitle"/>
           </p:nvPr>
@@ -2020,7 +2102,7 @@
           </a:prstGeom>
         </p:spPr>
         <p:txBody>
-          <a:bodyPr anchorCtr="0" anchor="b" bIns="91425" lIns="91425" spcFirstLastPara="1" rIns="91425" wrap="square" tIns="91425">
+          <a:bodyPr spcFirstLastPara="1" wrap="square" lIns="91425" tIns="91425" rIns="91425" bIns="91425" anchor="b" anchorCtr="0">
             <a:normAutofit/>
           </a:bodyPr>
           <a:lstStyle>
@@ -2124,15 +2206,19 @@
               <a:defRPr sz="5200"/>
             </a:lvl9pPr>
           </a:lstStyle>
-          <a:p/>
+          <a:p>
+            <a:endParaRPr/>
+          </a:p>
         </p:txBody>
       </p:sp>
       <p:sp>
         <p:nvSpPr>
           <p:cNvPr id="11" name="Google Shape;11;p2"/>
-          <p:cNvSpPr txBox="1"/>
+          <p:cNvSpPr txBox="1">
+            <a:spLocks noGrp="1"/>
+          </p:cNvSpPr>
           <p:nvPr>
-            <p:ph idx="1" type="subTitle"/>
+            <p:ph type="subTitle" idx="1"/>
           </p:nvPr>
         </p:nvSpPr>
         <p:spPr>
@@ -2145,7 +2231,7 @@
           </a:prstGeom>
         </p:spPr>
         <p:txBody>
-          <a:bodyPr anchorCtr="0" anchor="t" bIns="91425" lIns="91425" spcFirstLastPara="1" rIns="91425" wrap="square" tIns="91425">
+          <a:bodyPr spcFirstLastPara="1" wrap="square" lIns="91425" tIns="91425" rIns="91425" bIns="91425" anchor="t" anchorCtr="0">
             <a:normAutofit/>
           </a:bodyPr>
           <a:lstStyle>
@@ -2276,15 +2362,19 @@
               <a:defRPr sz="2800"/>
             </a:lvl9pPr>
           </a:lstStyle>
-          <a:p/>
+          <a:p>
+            <a:endParaRPr/>
+          </a:p>
         </p:txBody>
       </p:sp>
       <p:sp>
         <p:nvSpPr>
           <p:cNvPr id="12" name="Google Shape;12;p2"/>
-          <p:cNvSpPr txBox="1"/>
+          <p:cNvSpPr txBox="1">
+            <a:spLocks noGrp="1"/>
+          </p:cNvSpPr>
           <p:nvPr>
-            <p:ph idx="12" type="sldNum"/>
+            <p:ph type="sldNum" idx="12"/>
           </p:nvPr>
         </p:nvSpPr>
         <p:spPr>
@@ -2297,7 +2387,7 @@
           </a:prstGeom>
         </p:spPr>
         <p:txBody>
-          <a:bodyPr anchorCtr="0" anchor="ctr" bIns="91425" lIns="91425" spcFirstLastPara="1" rIns="91425" wrap="square" tIns="91425">
+          <a:bodyPr spcFirstLastPara="1" wrap="square" lIns="91425" tIns="91425" rIns="91425" bIns="91425" anchor="ctr" anchorCtr="0">
             <a:normAutofit/>
           </a:bodyPr>
           <a:lstStyle>
@@ -2339,7 +2429,7 @@
             </a:lvl9pPr>
           </a:lstStyle>
           <a:p>
-            <a:pPr indent="0" lvl="0" marL="0" rtl="0" algn="r">
+            <a:pPr marL="0" lvl="0" indent="0" algn="r" rtl="0">
               <a:spcBef>
                 <a:spcPts val="0"/>
               </a:spcBef>
@@ -2365,11 +2455,11 @@
 </file>
 
 <file path=ppt/slideLayouts/slideLayout10.xml><?xml version="1.0" encoding="utf-8"?>
-<p:sldLayout xmlns:a="http://schemas.openxmlformats.org/drawingml/2006/main" xmlns:r="http://schemas.openxmlformats.org/officeDocument/2006/relationships" xmlns:mc="http://schemas.openxmlformats.org/markup-compatibility/2006" xmlns:mv="urn:schemas-microsoft-com:mac:vml" xmlns:p="http://schemas.openxmlformats.org/presentationml/2006/main" xmlns:c="http://schemas.openxmlformats.org/drawingml/2006/chart" xmlns:dgm="http://schemas.openxmlformats.org/drawingml/2006/diagram" xmlns:o="urn:schemas-microsoft-com:office:office" xmlns:v="urn:schemas-microsoft-com:vml" xmlns:pvml="urn:schemas-microsoft-com:office:powerpoint" xmlns:com="http://schemas.openxmlformats.org/drawingml/2006/compatibility" xmlns:p14="http://schemas.microsoft.com/office/powerpoint/2010/main" xmlns:p15="http://schemas.microsoft.com/office/powerpoint/2012/main" xmlns:ahyp="http://schemas.microsoft.com/office/drawing/2018/hyperlinkcolor" matchingName="Big number">
+<p:sldLayout xmlns:a="http://schemas.openxmlformats.org/drawingml/2006/main" xmlns:r="http://schemas.openxmlformats.org/officeDocument/2006/relationships" xmlns:p="http://schemas.openxmlformats.org/presentationml/2006/main" matchingName="Big number">
   <p:cSld name="BIG_NUMBER">
     <p:spTree>
       <p:nvGrpSpPr>
-        <p:cNvPr id="44" name="Shape 44"/>
+        <p:cNvPr id="1" name="Shape 44"/>
         <p:cNvGrpSpPr/>
         <p:nvPr/>
       </p:nvGrpSpPr>
@@ -2384,9 +2474,11 @@
       <p:sp>
         <p:nvSpPr>
           <p:cNvPr id="45" name="Google Shape;45;p11"/>
-          <p:cNvSpPr txBox="1"/>
+          <p:cNvSpPr txBox="1">
+            <a:spLocks noGrp="1"/>
+          </p:cNvSpPr>
           <p:nvPr>
-            <p:ph hasCustomPrompt="1" type="title"/>
+            <p:ph type="title" hasCustomPrompt="1"/>
           </p:nvPr>
         </p:nvSpPr>
         <p:spPr>
@@ -2399,7 +2491,7 @@
           </a:prstGeom>
         </p:spPr>
         <p:txBody>
-          <a:bodyPr anchorCtr="0" anchor="b" bIns="91425" lIns="91425" spcFirstLastPara="1" rIns="91425" wrap="square" tIns="91425">
+          <a:bodyPr spcFirstLastPara="1" wrap="square" lIns="91425" tIns="91425" rIns="91425" bIns="91425" anchor="b" anchorCtr="0">
             <a:normAutofit/>
           </a:bodyPr>
           <a:lstStyle>
@@ -2513,9 +2605,11 @@
       <p:sp>
         <p:nvSpPr>
           <p:cNvPr id="46" name="Google Shape;46;p11"/>
-          <p:cNvSpPr txBox="1"/>
+          <p:cNvSpPr txBox="1">
+            <a:spLocks noGrp="1"/>
+          </p:cNvSpPr>
           <p:nvPr>
-            <p:ph idx="1" type="body"/>
+            <p:ph type="body" idx="1"/>
           </p:nvPr>
         </p:nvSpPr>
         <p:spPr>
@@ -2528,11 +2622,11 @@
           </a:prstGeom>
         </p:spPr>
         <p:txBody>
-          <a:bodyPr anchorCtr="0" anchor="t" bIns="91425" lIns="91425" spcFirstLastPara="1" rIns="91425" wrap="square" tIns="91425">
+          <a:bodyPr spcFirstLastPara="1" wrap="square" lIns="91425" tIns="91425" rIns="91425" bIns="91425" anchor="t" anchorCtr="0">
             <a:normAutofit/>
           </a:bodyPr>
           <a:lstStyle>
-            <a:lvl1pPr indent="-342900" lvl="0" marL="457200" algn="ctr">
+            <a:lvl1pPr marL="457200" lvl="0" indent="-342900" algn="ctr">
               <a:spcBef>
                 <a:spcPts val="0"/>
               </a:spcBef>
@@ -2543,7 +2637,7 @@
               <a:buChar char="●"/>
               <a:defRPr/>
             </a:lvl1pPr>
-            <a:lvl2pPr indent="-317500" lvl="1" marL="914400" algn="ctr">
+            <a:lvl2pPr marL="914400" lvl="1" indent="-317500" algn="ctr">
               <a:spcBef>
                 <a:spcPts val="0"/>
               </a:spcBef>
@@ -2554,7 +2648,7 @@
               <a:buChar char="○"/>
               <a:defRPr/>
             </a:lvl2pPr>
-            <a:lvl3pPr indent="-317500" lvl="2" marL="1371600" algn="ctr">
+            <a:lvl3pPr marL="1371600" lvl="2" indent="-317500" algn="ctr">
               <a:spcBef>
                 <a:spcPts val="0"/>
               </a:spcBef>
@@ -2565,7 +2659,7 @@
               <a:buChar char="■"/>
               <a:defRPr/>
             </a:lvl3pPr>
-            <a:lvl4pPr indent="-317500" lvl="3" marL="1828800" algn="ctr">
+            <a:lvl4pPr marL="1828800" lvl="3" indent="-317500" algn="ctr">
               <a:spcBef>
                 <a:spcPts val="0"/>
               </a:spcBef>
@@ -2576,7 +2670,7 @@
               <a:buChar char="●"/>
               <a:defRPr/>
             </a:lvl4pPr>
-            <a:lvl5pPr indent="-317500" lvl="4" marL="2286000" algn="ctr">
+            <a:lvl5pPr marL="2286000" lvl="4" indent="-317500" algn="ctr">
               <a:spcBef>
                 <a:spcPts val="0"/>
               </a:spcBef>
@@ -2587,7 +2681,7 @@
               <a:buChar char="○"/>
               <a:defRPr/>
             </a:lvl5pPr>
-            <a:lvl6pPr indent="-317500" lvl="5" marL="2743200" algn="ctr">
+            <a:lvl6pPr marL="2743200" lvl="5" indent="-317500" algn="ctr">
               <a:spcBef>
                 <a:spcPts val="0"/>
               </a:spcBef>
@@ -2598,7 +2692,7 @@
               <a:buChar char="■"/>
               <a:defRPr/>
             </a:lvl6pPr>
-            <a:lvl7pPr indent="-317500" lvl="6" marL="3200400" algn="ctr">
+            <a:lvl7pPr marL="3200400" lvl="6" indent="-317500" algn="ctr">
               <a:spcBef>
                 <a:spcPts val="0"/>
               </a:spcBef>
@@ -2609,7 +2703,7 @@
               <a:buChar char="●"/>
               <a:defRPr/>
             </a:lvl7pPr>
-            <a:lvl8pPr indent="-317500" lvl="7" marL="3657600" algn="ctr">
+            <a:lvl8pPr marL="3657600" lvl="7" indent="-317500" algn="ctr">
               <a:spcBef>
                 <a:spcPts val="0"/>
               </a:spcBef>
@@ -2620,7 +2714,7 @@
               <a:buChar char="○"/>
               <a:defRPr/>
             </a:lvl8pPr>
-            <a:lvl9pPr indent="-317500" lvl="8" marL="4114800" algn="ctr">
+            <a:lvl9pPr marL="4114800" lvl="8" indent="-317500" algn="ctr">
               <a:spcBef>
                 <a:spcPts val="0"/>
               </a:spcBef>
@@ -2632,15 +2726,19 @@
               <a:defRPr/>
             </a:lvl9pPr>
           </a:lstStyle>
-          <a:p/>
+          <a:p>
+            <a:endParaRPr/>
+          </a:p>
         </p:txBody>
       </p:sp>
       <p:sp>
         <p:nvSpPr>
           <p:cNvPr id="47" name="Google Shape;47;p11"/>
-          <p:cNvSpPr txBox="1"/>
+          <p:cNvSpPr txBox="1">
+            <a:spLocks noGrp="1"/>
+          </p:cNvSpPr>
           <p:nvPr>
-            <p:ph idx="12" type="sldNum"/>
+            <p:ph type="sldNum" idx="12"/>
           </p:nvPr>
         </p:nvSpPr>
         <p:spPr>
@@ -2653,7 +2751,7 @@
           </a:prstGeom>
         </p:spPr>
         <p:txBody>
-          <a:bodyPr anchorCtr="0" anchor="ctr" bIns="91425" lIns="91425" spcFirstLastPara="1" rIns="91425" wrap="square" tIns="91425">
+          <a:bodyPr spcFirstLastPara="1" wrap="square" lIns="91425" tIns="91425" rIns="91425" bIns="91425" anchor="ctr" anchorCtr="0">
             <a:normAutofit/>
           </a:bodyPr>
           <a:lstStyle>
@@ -2695,7 +2793,7 @@
             </a:lvl9pPr>
           </a:lstStyle>
           <a:p>
-            <a:pPr indent="0" lvl="0" marL="0" rtl="0" algn="r">
+            <a:pPr marL="0" lvl="0" indent="0" algn="r" rtl="0">
               <a:spcBef>
                 <a:spcPts val="0"/>
               </a:spcBef>
@@ -2721,11 +2819,11 @@
 </file>
 
 <file path=ppt/slideLayouts/slideLayout11.xml><?xml version="1.0" encoding="utf-8"?>
-<p:sldLayout xmlns:a="http://schemas.openxmlformats.org/drawingml/2006/main" xmlns:r="http://schemas.openxmlformats.org/officeDocument/2006/relationships" xmlns:mc="http://schemas.openxmlformats.org/markup-compatibility/2006" xmlns:mv="urn:schemas-microsoft-com:mac:vml" xmlns:p="http://schemas.openxmlformats.org/presentationml/2006/main" xmlns:c="http://schemas.openxmlformats.org/drawingml/2006/chart" xmlns:dgm="http://schemas.openxmlformats.org/drawingml/2006/diagram" xmlns:o="urn:schemas-microsoft-com:office:office" xmlns:v="urn:schemas-microsoft-com:vml" xmlns:pvml="urn:schemas-microsoft-com:office:powerpoint" xmlns:com="http://schemas.openxmlformats.org/drawingml/2006/compatibility" xmlns:p14="http://schemas.microsoft.com/office/powerpoint/2010/main" xmlns:p15="http://schemas.microsoft.com/office/powerpoint/2012/main" xmlns:ahyp="http://schemas.microsoft.com/office/drawing/2018/hyperlinkcolor" matchingName="Blank" type="blank">
+<p:sldLayout xmlns:a="http://schemas.openxmlformats.org/drawingml/2006/main" xmlns:r="http://schemas.openxmlformats.org/officeDocument/2006/relationships" xmlns:p="http://schemas.openxmlformats.org/presentationml/2006/main" matchingName="Blank" type="blank">
   <p:cSld name="BLANK">
     <p:spTree>
       <p:nvGrpSpPr>
-        <p:cNvPr id="48" name="Shape 48"/>
+        <p:cNvPr id="1" name="Shape 48"/>
         <p:cNvGrpSpPr/>
         <p:nvPr/>
       </p:nvGrpSpPr>
@@ -2740,9 +2838,11 @@
       <p:sp>
         <p:nvSpPr>
           <p:cNvPr id="49" name="Google Shape;49;p12"/>
-          <p:cNvSpPr txBox="1"/>
+          <p:cNvSpPr txBox="1">
+            <a:spLocks noGrp="1"/>
+          </p:cNvSpPr>
           <p:nvPr>
-            <p:ph idx="12" type="sldNum"/>
+            <p:ph type="sldNum" idx="12"/>
           </p:nvPr>
         </p:nvSpPr>
         <p:spPr>
@@ -2755,7 +2855,7 @@
           </a:prstGeom>
         </p:spPr>
         <p:txBody>
-          <a:bodyPr anchorCtr="0" anchor="ctr" bIns="91425" lIns="91425" spcFirstLastPara="1" rIns="91425" wrap="square" tIns="91425">
+          <a:bodyPr spcFirstLastPara="1" wrap="square" lIns="91425" tIns="91425" rIns="91425" bIns="91425" anchor="ctr" anchorCtr="0">
             <a:normAutofit/>
           </a:bodyPr>
           <a:lstStyle>
@@ -2797,7 +2897,7 @@
             </a:lvl9pPr>
           </a:lstStyle>
           <a:p>
-            <a:pPr indent="0" lvl="0" marL="0" rtl="0" algn="r">
+            <a:pPr marL="0" lvl="0" indent="0" algn="r" rtl="0">
               <a:spcBef>
                 <a:spcPts val="0"/>
               </a:spcBef>
@@ -2823,11 +2923,11 @@
 </file>
 
 <file path=ppt/slideLayouts/slideLayout2.xml><?xml version="1.0" encoding="utf-8"?>
-<p:sldLayout xmlns:a="http://schemas.openxmlformats.org/drawingml/2006/main" xmlns:r="http://schemas.openxmlformats.org/officeDocument/2006/relationships" xmlns:mc="http://schemas.openxmlformats.org/markup-compatibility/2006" xmlns:mv="urn:schemas-microsoft-com:mac:vml" xmlns:p="http://schemas.openxmlformats.org/presentationml/2006/main" xmlns:c="http://schemas.openxmlformats.org/drawingml/2006/chart" xmlns:dgm="http://schemas.openxmlformats.org/drawingml/2006/diagram" xmlns:o="urn:schemas-microsoft-com:office:office" xmlns:v="urn:schemas-microsoft-com:vml" xmlns:pvml="urn:schemas-microsoft-com:office:powerpoint" xmlns:com="http://schemas.openxmlformats.org/drawingml/2006/compatibility" xmlns:p14="http://schemas.microsoft.com/office/powerpoint/2010/main" xmlns:p15="http://schemas.microsoft.com/office/powerpoint/2012/main" xmlns:ahyp="http://schemas.microsoft.com/office/drawing/2018/hyperlinkcolor" matchingName="Section header" type="secHead">
+<p:sldLayout xmlns:a="http://schemas.openxmlformats.org/drawingml/2006/main" xmlns:r="http://schemas.openxmlformats.org/officeDocument/2006/relationships" xmlns:p="http://schemas.openxmlformats.org/presentationml/2006/main" matchingName="Section header" type="secHead">
   <p:cSld name="SECTION_HEADER">
     <p:spTree>
       <p:nvGrpSpPr>
-        <p:cNvPr id="13" name="Shape 13"/>
+        <p:cNvPr id="1" name="Shape 13"/>
         <p:cNvGrpSpPr/>
         <p:nvPr/>
       </p:nvGrpSpPr>
@@ -2842,7 +2942,9 @@
       <p:sp>
         <p:nvSpPr>
           <p:cNvPr id="14" name="Google Shape;14;p3"/>
-          <p:cNvSpPr txBox="1"/>
+          <p:cNvSpPr txBox="1">
+            <a:spLocks noGrp="1"/>
+          </p:cNvSpPr>
           <p:nvPr>
             <p:ph type="title"/>
           </p:nvPr>
@@ -2857,7 +2959,7 @@
           </a:prstGeom>
         </p:spPr>
         <p:txBody>
-          <a:bodyPr anchorCtr="0" anchor="ctr" bIns="91425" lIns="91425" spcFirstLastPara="1" rIns="91425" wrap="square" tIns="91425">
+          <a:bodyPr spcFirstLastPara="1" wrap="square" lIns="91425" tIns="91425" rIns="91425" bIns="91425" anchor="ctr" anchorCtr="0">
             <a:normAutofit/>
           </a:bodyPr>
           <a:lstStyle>
@@ -2961,15 +3063,19 @@
               <a:defRPr sz="3600"/>
             </a:lvl9pPr>
           </a:lstStyle>
-          <a:p/>
+          <a:p>
+            <a:endParaRPr/>
+          </a:p>
         </p:txBody>
       </p:sp>
       <p:sp>
         <p:nvSpPr>
           <p:cNvPr id="15" name="Google Shape;15;p3"/>
-          <p:cNvSpPr txBox="1"/>
+          <p:cNvSpPr txBox="1">
+            <a:spLocks noGrp="1"/>
+          </p:cNvSpPr>
           <p:nvPr>
-            <p:ph idx="12" type="sldNum"/>
+            <p:ph type="sldNum" idx="12"/>
           </p:nvPr>
         </p:nvSpPr>
         <p:spPr>
@@ -2982,7 +3088,7 @@
           </a:prstGeom>
         </p:spPr>
         <p:txBody>
-          <a:bodyPr anchorCtr="0" anchor="ctr" bIns="91425" lIns="91425" spcFirstLastPara="1" rIns="91425" wrap="square" tIns="91425">
+          <a:bodyPr spcFirstLastPara="1" wrap="square" lIns="91425" tIns="91425" rIns="91425" bIns="91425" anchor="ctr" anchorCtr="0">
             <a:normAutofit/>
           </a:bodyPr>
           <a:lstStyle>
@@ -3024,7 +3130,7 @@
             </a:lvl9pPr>
           </a:lstStyle>
           <a:p>
-            <a:pPr indent="0" lvl="0" marL="0" rtl="0" algn="r">
+            <a:pPr marL="0" lvl="0" indent="0" algn="r" rtl="0">
               <a:spcBef>
                 <a:spcPts val="0"/>
               </a:spcBef>
@@ -3050,11 +3156,11 @@
 </file>
 
 <file path=ppt/slideLayouts/slideLayout3.xml><?xml version="1.0" encoding="utf-8"?>
-<p:sldLayout xmlns:a="http://schemas.openxmlformats.org/drawingml/2006/main" xmlns:r="http://schemas.openxmlformats.org/officeDocument/2006/relationships" xmlns:mc="http://schemas.openxmlformats.org/markup-compatibility/2006" xmlns:mv="urn:schemas-microsoft-com:mac:vml" xmlns:p="http://schemas.openxmlformats.org/presentationml/2006/main" xmlns:c="http://schemas.openxmlformats.org/drawingml/2006/chart" xmlns:dgm="http://schemas.openxmlformats.org/drawingml/2006/diagram" xmlns:o="urn:schemas-microsoft-com:office:office" xmlns:v="urn:schemas-microsoft-com:vml" xmlns:pvml="urn:schemas-microsoft-com:office:powerpoint" xmlns:com="http://schemas.openxmlformats.org/drawingml/2006/compatibility" xmlns:p14="http://schemas.microsoft.com/office/powerpoint/2010/main" xmlns:p15="http://schemas.microsoft.com/office/powerpoint/2012/main" xmlns:ahyp="http://schemas.microsoft.com/office/drawing/2018/hyperlinkcolor" matchingName="Title and body" type="tx">
+<p:sldLayout xmlns:a="http://schemas.openxmlformats.org/drawingml/2006/main" xmlns:r="http://schemas.openxmlformats.org/officeDocument/2006/relationships" xmlns:p="http://schemas.openxmlformats.org/presentationml/2006/main" matchingName="Title and body" type="tx">
   <p:cSld name="TITLE_AND_BODY">
     <p:spTree>
       <p:nvGrpSpPr>
-        <p:cNvPr id="16" name="Shape 16"/>
+        <p:cNvPr id="1" name="Shape 16"/>
         <p:cNvGrpSpPr/>
         <p:nvPr/>
       </p:nvGrpSpPr>
@@ -3069,7 +3175,9 @@
       <p:sp>
         <p:nvSpPr>
           <p:cNvPr id="17" name="Google Shape;17;p4"/>
-          <p:cNvSpPr txBox="1"/>
+          <p:cNvSpPr txBox="1">
+            <a:spLocks noGrp="1"/>
+          </p:cNvSpPr>
           <p:nvPr>
             <p:ph type="title"/>
           </p:nvPr>
@@ -3084,7 +3192,7 @@
           </a:prstGeom>
         </p:spPr>
         <p:txBody>
-          <a:bodyPr anchorCtr="0" anchor="t" bIns="91425" lIns="91425" spcFirstLastPara="1" rIns="91425" wrap="square" tIns="91425">
+          <a:bodyPr spcFirstLastPara="1" wrap="square" lIns="91425" tIns="91425" rIns="91425" bIns="91425" anchor="t" anchorCtr="0">
             <a:normAutofit/>
           </a:bodyPr>
           <a:lstStyle>
@@ -3188,15 +3296,19 @@
               <a:defRPr/>
             </a:lvl9pPr>
           </a:lstStyle>
-          <a:p/>
+          <a:p>
+            <a:endParaRPr/>
+          </a:p>
         </p:txBody>
       </p:sp>
       <p:sp>
         <p:nvSpPr>
           <p:cNvPr id="18" name="Google Shape;18;p4"/>
-          <p:cNvSpPr txBox="1"/>
+          <p:cNvSpPr txBox="1">
+            <a:spLocks noGrp="1"/>
+          </p:cNvSpPr>
           <p:nvPr>
-            <p:ph idx="1" type="body"/>
+            <p:ph type="body" idx="1"/>
           </p:nvPr>
         </p:nvSpPr>
         <p:spPr>
@@ -3209,11 +3321,11 @@
           </a:prstGeom>
         </p:spPr>
         <p:txBody>
-          <a:bodyPr anchorCtr="0" anchor="t" bIns="91425" lIns="91425" spcFirstLastPara="1" rIns="91425" wrap="square" tIns="91425">
+          <a:bodyPr spcFirstLastPara="1" wrap="square" lIns="91425" tIns="91425" rIns="91425" bIns="91425" anchor="t" anchorCtr="0">
             <a:normAutofit/>
           </a:bodyPr>
           <a:lstStyle>
-            <a:lvl1pPr indent="-342900" lvl="0" marL="457200">
+            <a:lvl1pPr marL="457200" lvl="0" indent="-342900">
               <a:spcBef>
                 <a:spcPts val="0"/>
               </a:spcBef>
@@ -3224,7 +3336,7 @@
               <a:buChar char="●"/>
               <a:defRPr/>
             </a:lvl1pPr>
-            <a:lvl2pPr indent="-317500" lvl="1" marL="914400">
+            <a:lvl2pPr marL="914400" lvl="1" indent="-317500">
               <a:spcBef>
                 <a:spcPts val="0"/>
               </a:spcBef>
@@ -3235,7 +3347,7 @@
               <a:buChar char="○"/>
               <a:defRPr/>
             </a:lvl2pPr>
-            <a:lvl3pPr indent="-317500" lvl="2" marL="1371600">
+            <a:lvl3pPr marL="1371600" lvl="2" indent="-317500">
               <a:spcBef>
                 <a:spcPts val="0"/>
               </a:spcBef>
@@ -3246,7 +3358,7 @@
               <a:buChar char="■"/>
               <a:defRPr/>
             </a:lvl3pPr>
-            <a:lvl4pPr indent="-317500" lvl="3" marL="1828800">
+            <a:lvl4pPr marL="1828800" lvl="3" indent="-317500">
               <a:spcBef>
                 <a:spcPts val="0"/>
               </a:spcBef>
@@ -3257,7 +3369,7 @@
               <a:buChar char="●"/>
               <a:defRPr/>
             </a:lvl4pPr>
-            <a:lvl5pPr indent="-317500" lvl="4" marL="2286000">
+            <a:lvl5pPr marL="2286000" lvl="4" indent="-317500">
               <a:spcBef>
                 <a:spcPts val="0"/>
               </a:spcBef>
@@ -3268,7 +3380,7 @@
               <a:buChar char="○"/>
               <a:defRPr/>
             </a:lvl5pPr>
-            <a:lvl6pPr indent="-317500" lvl="5" marL="2743200">
+            <a:lvl6pPr marL="2743200" lvl="5" indent="-317500">
               <a:spcBef>
                 <a:spcPts val="0"/>
               </a:spcBef>
@@ -3279,7 +3391,7 @@
               <a:buChar char="■"/>
               <a:defRPr/>
             </a:lvl6pPr>
-            <a:lvl7pPr indent="-317500" lvl="6" marL="3200400">
+            <a:lvl7pPr marL="3200400" lvl="6" indent="-317500">
               <a:spcBef>
                 <a:spcPts val="0"/>
               </a:spcBef>
@@ -3290,7 +3402,7 @@
               <a:buChar char="●"/>
               <a:defRPr/>
             </a:lvl7pPr>
-            <a:lvl8pPr indent="-317500" lvl="7" marL="3657600">
+            <a:lvl8pPr marL="3657600" lvl="7" indent="-317500">
               <a:spcBef>
                 <a:spcPts val="0"/>
               </a:spcBef>
@@ -3301,7 +3413,7 @@
               <a:buChar char="○"/>
               <a:defRPr/>
             </a:lvl8pPr>
-            <a:lvl9pPr indent="-317500" lvl="8" marL="4114800">
+            <a:lvl9pPr marL="4114800" lvl="8" indent="-317500">
               <a:spcBef>
                 <a:spcPts val="0"/>
               </a:spcBef>
@@ -3313,15 +3425,19 @@
               <a:defRPr/>
             </a:lvl9pPr>
           </a:lstStyle>
-          <a:p/>
+          <a:p>
+            <a:endParaRPr/>
+          </a:p>
         </p:txBody>
       </p:sp>
       <p:sp>
         <p:nvSpPr>
           <p:cNvPr id="19" name="Google Shape;19;p4"/>
-          <p:cNvSpPr txBox="1"/>
+          <p:cNvSpPr txBox="1">
+            <a:spLocks noGrp="1"/>
+          </p:cNvSpPr>
           <p:nvPr>
-            <p:ph idx="12" type="sldNum"/>
+            <p:ph type="sldNum" idx="12"/>
           </p:nvPr>
         </p:nvSpPr>
         <p:spPr>
@@ -3334,7 +3450,7 @@
           </a:prstGeom>
         </p:spPr>
         <p:txBody>
-          <a:bodyPr anchorCtr="0" anchor="ctr" bIns="91425" lIns="91425" spcFirstLastPara="1" rIns="91425" wrap="square" tIns="91425">
+          <a:bodyPr spcFirstLastPara="1" wrap="square" lIns="91425" tIns="91425" rIns="91425" bIns="91425" anchor="ctr" anchorCtr="0">
             <a:normAutofit/>
           </a:bodyPr>
           <a:lstStyle>
@@ -3376,7 +3492,7 @@
             </a:lvl9pPr>
           </a:lstStyle>
           <a:p>
-            <a:pPr indent="0" lvl="0" marL="0" rtl="0" algn="r">
+            <a:pPr marL="0" lvl="0" indent="0" algn="r" rtl="0">
               <a:spcBef>
                 <a:spcPts val="0"/>
               </a:spcBef>
@@ -3402,11 +3518,11 @@
 </file>
 
 <file path=ppt/slideLayouts/slideLayout4.xml><?xml version="1.0" encoding="utf-8"?>
-<p:sldLayout xmlns:a="http://schemas.openxmlformats.org/drawingml/2006/main" xmlns:r="http://schemas.openxmlformats.org/officeDocument/2006/relationships" xmlns:mc="http://schemas.openxmlformats.org/markup-compatibility/2006" xmlns:mv="urn:schemas-microsoft-com:mac:vml" xmlns:p="http://schemas.openxmlformats.org/presentationml/2006/main" xmlns:c="http://schemas.openxmlformats.org/drawingml/2006/chart" xmlns:dgm="http://schemas.openxmlformats.org/drawingml/2006/diagram" xmlns:o="urn:schemas-microsoft-com:office:office" xmlns:v="urn:schemas-microsoft-com:vml" xmlns:pvml="urn:schemas-microsoft-com:office:powerpoint" xmlns:com="http://schemas.openxmlformats.org/drawingml/2006/compatibility" xmlns:p14="http://schemas.microsoft.com/office/powerpoint/2010/main" xmlns:p15="http://schemas.microsoft.com/office/powerpoint/2012/main" xmlns:ahyp="http://schemas.microsoft.com/office/drawing/2018/hyperlinkcolor" matchingName="Title and two columns" type="twoColTx">
+<p:sldLayout xmlns:a="http://schemas.openxmlformats.org/drawingml/2006/main" xmlns:r="http://schemas.openxmlformats.org/officeDocument/2006/relationships" xmlns:p="http://schemas.openxmlformats.org/presentationml/2006/main" matchingName="Title and two columns" type="twoColTx">
   <p:cSld name="TITLE_AND_TWO_COLUMNS">
     <p:spTree>
       <p:nvGrpSpPr>
-        <p:cNvPr id="20" name="Shape 20"/>
+        <p:cNvPr id="1" name="Shape 20"/>
         <p:cNvGrpSpPr/>
         <p:nvPr/>
       </p:nvGrpSpPr>
@@ -3421,7 +3537,9 @@
       <p:sp>
         <p:nvSpPr>
           <p:cNvPr id="21" name="Google Shape;21;p5"/>
-          <p:cNvSpPr txBox="1"/>
+          <p:cNvSpPr txBox="1">
+            <a:spLocks noGrp="1"/>
+          </p:cNvSpPr>
           <p:nvPr>
             <p:ph type="title"/>
           </p:nvPr>
@@ -3436,7 +3554,7 @@
           </a:prstGeom>
         </p:spPr>
         <p:txBody>
-          <a:bodyPr anchorCtr="0" anchor="t" bIns="91425" lIns="91425" spcFirstLastPara="1" rIns="91425" wrap="square" tIns="91425">
+          <a:bodyPr spcFirstLastPara="1" wrap="square" lIns="91425" tIns="91425" rIns="91425" bIns="91425" anchor="t" anchorCtr="0">
             <a:normAutofit/>
           </a:bodyPr>
           <a:lstStyle>
@@ -3540,15 +3658,19 @@
               <a:defRPr/>
             </a:lvl9pPr>
           </a:lstStyle>
-          <a:p/>
+          <a:p>
+            <a:endParaRPr/>
+          </a:p>
         </p:txBody>
       </p:sp>
       <p:sp>
         <p:nvSpPr>
           <p:cNvPr id="22" name="Google Shape;22;p5"/>
-          <p:cNvSpPr txBox="1"/>
+          <p:cNvSpPr txBox="1">
+            <a:spLocks noGrp="1"/>
+          </p:cNvSpPr>
           <p:nvPr>
-            <p:ph idx="1" type="body"/>
+            <p:ph type="body" idx="1"/>
           </p:nvPr>
         </p:nvSpPr>
         <p:spPr>
@@ -3561,11 +3683,11 @@
           </a:prstGeom>
         </p:spPr>
         <p:txBody>
-          <a:bodyPr anchorCtr="0" anchor="t" bIns="91425" lIns="91425" spcFirstLastPara="1" rIns="91425" wrap="square" tIns="91425">
+          <a:bodyPr spcFirstLastPara="1" wrap="square" lIns="91425" tIns="91425" rIns="91425" bIns="91425" anchor="t" anchorCtr="0">
             <a:normAutofit/>
           </a:bodyPr>
           <a:lstStyle>
-            <a:lvl1pPr indent="-317500" lvl="0" marL="457200">
+            <a:lvl1pPr marL="457200" lvl="0" indent="-317500">
               <a:spcBef>
                 <a:spcPts val="0"/>
               </a:spcBef>
@@ -3576,7 +3698,7 @@
               <a:buChar char="●"/>
               <a:defRPr sz="1400"/>
             </a:lvl1pPr>
-            <a:lvl2pPr indent="-304800" lvl="1" marL="914400">
+            <a:lvl2pPr marL="914400" lvl="1" indent="-304800">
               <a:spcBef>
                 <a:spcPts val="0"/>
               </a:spcBef>
@@ -3587,7 +3709,7 @@
               <a:buChar char="○"/>
               <a:defRPr sz="1200"/>
             </a:lvl2pPr>
-            <a:lvl3pPr indent="-304800" lvl="2" marL="1371600">
+            <a:lvl3pPr marL="1371600" lvl="2" indent="-304800">
               <a:spcBef>
                 <a:spcPts val="0"/>
               </a:spcBef>
@@ -3598,7 +3720,7 @@
               <a:buChar char="■"/>
               <a:defRPr sz="1200"/>
             </a:lvl3pPr>
-            <a:lvl4pPr indent="-304800" lvl="3" marL="1828800">
+            <a:lvl4pPr marL="1828800" lvl="3" indent="-304800">
               <a:spcBef>
                 <a:spcPts val="0"/>
               </a:spcBef>
@@ -3609,7 +3731,7 @@
               <a:buChar char="●"/>
               <a:defRPr sz="1200"/>
             </a:lvl4pPr>
-            <a:lvl5pPr indent="-304800" lvl="4" marL="2286000">
+            <a:lvl5pPr marL="2286000" lvl="4" indent="-304800">
               <a:spcBef>
                 <a:spcPts val="0"/>
               </a:spcBef>
@@ -3620,7 +3742,7 @@
               <a:buChar char="○"/>
               <a:defRPr sz="1200"/>
             </a:lvl5pPr>
-            <a:lvl6pPr indent="-304800" lvl="5" marL="2743200">
+            <a:lvl6pPr marL="2743200" lvl="5" indent="-304800">
               <a:spcBef>
                 <a:spcPts val="0"/>
               </a:spcBef>
@@ -3631,7 +3753,7 @@
               <a:buChar char="■"/>
               <a:defRPr sz="1200"/>
             </a:lvl6pPr>
-            <a:lvl7pPr indent="-304800" lvl="6" marL="3200400">
+            <a:lvl7pPr marL="3200400" lvl="6" indent="-304800">
               <a:spcBef>
                 <a:spcPts val="0"/>
               </a:spcBef>
@@ -3642,7 +3764,7 @@
               <a:buChar char="●"/>
               <a:defRPr sz="1200"/>
             </a:lvl7pPr>
-            <a:lvl8pPr indent="-304800" lvl="7" marL="3657600">
+            <a:lvl8pPr marL="3657600" lvl="7" indent="-304800">
               <a:spcBef>
                 <a:spcPts val="0"/>
               </a:spcBef>
@@ -3653,7 +3775,7 @@
               <a:buChar char="○"/>
               <a:defRPr sz="1200"/>
             </a:lvl8pPr>
-            <a:lvl9pPr indent="-304800" lvl="8" marL="4114800">
+            <a:lvl9pPr marL="4114800" lvl="8" indent="-304800">
               <a:spcBef>
                 <a:spcPts val="0"/>
               </a:spcBef>
@@ -3665,15 +3787,19 @@
               <a:defRPr sz="1200"/>
             </a:lvl9pPr>
           </a:lstStyle>
-          <a:p/>
+          <a:p>
+            <a:endParaRPr/>
+          </a:p>
         </p:txBody>
       </p:sp>
       <p:sp>
         <p:nvSpPr>
           <p:cNvPr id="23" name="Google Shape;23;p5"/>
-          <p:cNvSpPr txBox="1"/>
+          <p:cNvSpPr txBox="1">
+            <a:spLocks noGrp="1"/>
+          </p:cNvSpPr>
           <p:nvPr>
-            <p:ph idx="2" type="body"/>
+            <p:ph type="body" idx="2"/>
           </p:nvPr>
         </p:nvSpPr>
         <p:spPr>
@@ -3686,11 +3812,11 @@
           </a:prstGeom>
         </p:spPr>
         <p:txBody>
-          <a:bodyPr anchorCtr="0" anchor="t" bIns="91425" lIns="91425" spcFirstLastPara="1" rIns="91425" wrap="square" tIns="91425">
+          <a:bodyPr spcFirstLastPara="1" wrap="square" lIns="91425" tIns="91425" rIns="91425" bIns="91425" anchor="t" anchorCtr="0">
             <a:normAutofit/>
           </a:bodyPr>
           <a:lstStyle>
-            <a:lvl1pPr indent="-317500" lvl="0" marL="457200">
+            <a:lvl1pPr marL="457200" lvl="0" indent="-317500">
               <a:spcBef>
                 <a:spcPts val="0"/>
               </a:spcBef>
@@ -3701,7 +3827,7 @@
               <a:buChar char="●"/>
               <a:defRPr sz="1400"/>
             </a:lvl1pPr>
-            <a:lvl2pPr indent="-304800" lvl="1" marL="914400">
+            <a:lvl2pPr marL="914400" lvl="1" indent="-304800">
               <a:spcBef>
                 <a:spcPts val="0"/>
               </a:spcBef>
@@ -3712,7 +3838,7 @@
               <a:buChar char="○"/>
               <a:defRPr sz="1200"/>
             </a:lvl2pPr>
-            <a:lvl3pPr indent="-304800" lvl="2" marL="1371600">
+            <a:lvl3pPr marL="1371600" lvl="2" indent="-304800">
               <a:spcBef>
                 <a:spcPts val="0"/>
               </a:spcBef>
@@ -3723,7 +3849,7 @@
               <a:buChar char="■"/>
               <a:defRPr sz="1200"/>
             </a:lvl3pPr>
-            <a:lvl4pPr indent="-304800" lvl="3" marL="1828800">
+            <a:lvl4pPr marL="1828800" lvl="3" indent="-304800">
               <a:spcBef>
                 <a:spcPts val="0"/>
               </a:spcBef>
@@ -3734,7 +3860,7 @@
               <a:buChar char="●"/>
               <a:defRPr sz="1200"/>
             </a:lvl4pPr>
-            <a:lvl5pPr indent="-304800" lvl="4" marL="2286000">
+            <a:lvl5pPr marL="2286000" lvl="4" indent="-304800">
               <a:spcBef>
                 <a:spcPts val="0"/>
               </a:spcBef>
@@ -3745,7 +3871,7 @@
               <a:buChar char="○"/>
               <a:defRPr sz="1200"/>
             </a:lvl5pPr>
-            <a:lvl6pPr indent="-304800" lvl="5" marL="2743200">
+            <a:lvl6pPr marL="2743200" lvl="5" indent="-304800">
               <a:spcBef>
                 <a:spcPts val="0"/>
               </a:spcBef>
@@ -3756,7 +3882,7 @@
               <a:buChar char="■"/>
               <a:defRPr sz="1200"/>
             </a:lvl6pPr>
-            <a:lvl7pPr indent="-304800" lvl="6" marL="3200400">
+            <a:lvl7pPr marL="3200400" lvl="6" indent="-304800">
               <a:spcBef>
                 <a:spcPts val="0"/>
               </a:spcBef>
@@ -3767,7 +3893,7 @@
               <a:buChar char="●"/>
               <a:defRPr sz="1200"/>
             </a:lvl7pPr>
-            <a:lvl8pPr indent="-304800" lvl="7" marL="3657600">
+            <a:lvl8pPr marL="3657600" lvl="7" indent="-304800">
               <a:spcBef>
                 <a:spcPts val="0"/>
               </a:spcBef>
@@ -3778,7 +3904,7 @@
               <a:buChar char="○"/>
               <a:defRPr sz="1200"/>
             </a:lvl8pPr>
-            <a:lvl9pPr indent="-304800" lvl="8" marL="4114800">
+            <a:lvl9pPr marL="4114800" lvl="8" indent="-304800">
               <a:spcBef>
                 <a:spcPts val="0"/>
               </a:spcBef>
@@ -3790,15 +3916,19 @@
               <a:defRPr sz="1200"/>
             </a:lvl9pPr>
           </a:lstStyle>
-          <a:p/>
+          <a:p>
+            <a:endParaRPr/>
+          </a:p>
         </p:txBody>
       </p:sp>
       <p:sp>
         <p:nvSpPr>
           <p:cNvPr id="24" name="Google Shape;24;p5"/>
-          <p:cNvSpPr txBox="1"/>
+          <p:cNvSpPr txBox="1">
+            <a:spLocks noGrp="1"/>
+          </p:cNvSpPr>
           <p:nvPr>
-            <p:ph idx="12" type="sldNum"/>
+            <p:ph type="sldNum" idx="12"/>
           </p:nvPr>
         </p:nvSpPr>
         <p:spPr>
@@ -3811,7 +3941,7 @@
           </a:prstGeom>
         </p:spPr>
         <p:txBody>
-          <a:bodyPr anchorCtr="0" anchor="ctr" bIns="91425" lIns="91425" spcFirstLastPara="1" rIns="91425" wrap="square" tIns="91425">
+          <a:bodyPr spcFirstLastPara="1" wrap="square" lIns="91425" tIns="91425" rIns="91425" bIns="91425" anchor="ctr" anchorCtr="0">
             <a:normAutofit/>
           </a:bodyPr>
           <a:lstStyle>
@@ -3853,7 +3983,7 @@
             </a:lvl9pPr>
           </a:lstStyle>
           <a:p>
-            <a:pPr indent="0" lvl="0" marL="0" rtl="0" algn="r">
+            <a:pPr marL="0" lvl="0" indent="0" algn="r" rtl="0">
               <a:spcBef>
                 <a:spcPts val="0"/>
               </a:spcBef>
@@ -3879,11 +4009,11 @@
 </file>
 
 <file path=ppt/slideLayouts/slideLayout5.xml><?xml version="1.0" encoding="utf-8"?>
-<p:sldLayout xmlns:a="http://schemas.openxmlformats.org/drawingml/2006/main" xmlns:r="http://schemas.openxmlformats.org/officeDocument/2006/relationships" xmlns:mc="http://schemas.openxmlformats.org/markup-compatibility/2006" xmlns:mv="urn:schemas-microsoft-com:mac:vml" xmlns:p="http://schemas.openxmlformats.org/presentationml/2006/main" xmlns:c="http://schemas.openxmlformats.org/drawingml/2006/chart" xmlns:dgm="http://schemas.openxmlformats.org/drawingml/2006/diagram" xmlns:o="urn:schemas-microsoft-com:office:office" xmlns:v="urn:schemas-microsoft-com:vml" xmlns:pvml="urn:schemas-microsoft-com:office:powerpoint" xmlns:com="http://schemas.openxmlformats.org/drawingml/2006/compatibility" xmlns:p14="http://schemas.microsoft.com/office/powerpoint/2010/main" xmlns:p15="http://schemas.microsoft.com/office/powerpoint/2012/main" xmlns:ahyp="http://schemas.microsoft.com/office/drawing/2018/hyperlinkcolor" matchingName="Title only" type="titleOnly">
+<p:sldLayout xmlns:a="http://schemas.openxmlformats.org/drawingml/2006/main" xmlns:r="http://schemas.openxmlformats.org/officeDocument/2006/relationships" xmlns:p="http://schemas.openxmlformats.org/presentationml/2006/main" matchingName="Title only" type="titleOnly">
   <p:cSld name="TITLE_ONLY">
     <p:spTree>
       <p:nvGrpSpPr>
-        <p:cNvPr id="25" name="Shape 25"/>
+        <p:cNvPr id="1" name="Shape 25"/>
         <p:cNvGrpSpPr/>
         <p:nvPr/>
       </p:nvGrpSpPr>
@@ -3898,7 +4028,9 @@
       <p:sp>
         <p:nvSpPr>
           <p:cNvPr id="26" name="Google Shape;26;p6"/>
-          <p:cNvSpPr txBox="1"/>
+          <p:cNvSpPr txBox="1">
+            <a:spLocks noGrp="1"/>
+          </p:cNvSpPr>
           <p:nvPr>
             <p:ph type="title"/>
           </p:nvPr>
@@ -3913,7 +4045,7 @@
           </a:prstGeom>
         </p:spPr>
         <p:txBody>
-          <a:bodyPr anchorCtr="0" anchor="t" bIns="91425" lIns="91425" spcFirstLastPara="1" rIns="91425" wrap="square" tIns="91425">
+          <a:bodyPr spcFirstLastPara="1" wrap="square" lIns="91425" tIns="91425" rIns="91425" bIns="91425" anchor="t" anchorCtr="0">
             <a:normAutofit/>
           </a:bodyPr>
           <a:lstStyle>
@@ -4017,15 +4149,19 @@
               <a:defRPr/>
             </a:lvl9pPr>
           </a:lstStyle>
-          <a:p/>
+          <a:p>
+            <a:endParaRPr/>
+          </a:p>
         </p:txBody>
       </p:sp>
       <p:sp>
         <p:nvSpPr>
           <p:cNvPr id="27" name="Google Shape;27;p6"/>
-          <p:cNvSpPr txBox="1"/>
+          <p:cNvSpPr txBox="1">
+            <a:spLocks noGrp="1"/>
+          </p:cNvSpPr>
           <p:nvPr>
-            <p:ph idx="12" type="sldNum"/>
+            <p:ph type="sldNum" idx="12"/>
           </p:nvPr>
         </p:nvSpPr>
         <p:spPr>
@@ -4038,7 +4174,7 @@
           </a:prstGeom>
         </p:spPr>
         <p:txBody>
-          <a:bodyPr anchorCtr="0" anchor="ctr" bIns="91425" lIns="91425" spcFirstLastPara="1" rIns="91425" wrap="square" tIns="91425">
+          <a:bodyPr spcFirstLastPara="1" wrap="square" lIns="91425" tIns="91425" rIns="91425" bIns="91425" anchor="ctr" anchorCtr="0">
             <a:normAutofit/>
           </a:bodyPr>
           <a:lstStyle>
@@ -4080,7 +4216,7 @@
             </a:lvl9pPr>
           </a:lstStyle>
           <a:p>
-            <a:pPr indent="0" lvl="0" marL="0" rtl="0" algn="r">
+            <a:pPr marL="0" lvl="0" indent="0" algn="r" rtl="0">
               <a:spcBef>
                 <a:spcPts val="0"/>
               </a:spcBef>
@@ -4106,11 +4242,11 @@
 </file>
 
 <file path=ppt/slideLayouts/slideLayout6.xml><?xml version="1.0" encoding="utf-8"?>
-<p:sldLayout xmlns:a="http://schemas.openxmlformats.org/drawingml/2006/main" xmlns:r="http://schemas.openxmlformats.org/officeDocument/2006/relationships" xmlns:mc="http://schemas.openxmlformats.org/markup-compatibility/2006" xmlns:mv="urn:schemas-microsoft-com:mac:vml" xmlns:p="http://schemas.openxmlformats.org/presentationml/2006/main" xmlns:c="http://schemas.openxmlformats.org/drawingml/2006/chart" xmlns:dgm="http://schemas.openxmlformats.org/drawingml/2006/diagram" xmlns:o="urn:schemas-microsoft-com:office:office" xmlns:v="urn:schemas-microsoft-com:vml" xmlns:pvml="urn:schemas-microsoft-com:office:powerpoint" xmlns:com="http://schemas.openxmlformats.org/drawingml/2006/compatibility" xmlns:p14="http://schemas.microsoft.com/office/powerpoint/2010/main" xmlns:p15="http://schemas.microsoft.com/office/powerpoint/2012/main" xmlns:ahyp="http://schemas.microsoft.com/office/drawing/2018/hyperlinkcolor" matchingName="One column text">
+<p:sldLayout xmlns:a="http://schemas.openxmlformats.org/drawingml/2006/main" xmlns:r="http://schemas.openxmlformats.org/officeDocument/2006/relationships" xmlns:p="http://schemas.openxmlformats.org/presentationml/2006/main" matchingName="One column text">
   <p:cSld name="ONE_COLUMN_TEXT">
     <p:spTree>
       <p:nvGrpSpPr>
-        <p:cNvPr id="28" name="Shape 28"/>
+        <p:cNvPr id="1" name="Shape 28"/>
         <p:cNvGrpSpPr/>
         <p:nvPr/>
       </p:nvGrpSpPr>
@@ -4125,7 +4261,9 @@
       <p:sp>
         <p:nvSpPr>
           <p:cNvPr id="29" name="Google Shape;29;p7"/>
-          <p:cNvSpPr txBox="1"/>
+          <p:cNvSpPr txBox="1">
+            <a:spLocks noGrp="1"/>
+          </p:cNvSpPr>
           <p:nvPr>
             <p:ph type="title"/>
           </p:nvPr>
@@ -4140,7 +4278,7 @@
           </a:prstGeom>
         </p:spPr>
         <p:txBody>
-          <a:bodyPr anchorCtr="0" anchor="b" bIns="91425" lIns="91425" spcFirstLastPara="1" rIns="91425" wrap="square" tIns="91425">
+          <a:bodyPr spcFirstLastPara="1" wrap="square" lIns="91425" tIns="91425" rIns="91425" bIns="91425" anchor="b" anchorCtr="0">
             <a:normAutofit/>
           </a:bodyPr>
           <a:lstStyle>
@@ -4244,15 +4382,19 @@
               <a:defRPr sz="2400"/>
             </a:lvl9pPr>
           </a:lstStyle>
-          <a:p/>
+          <a:p>
+            <a:endParaRPr/>
+          </a:p>
         </p:txBody>
       </p:sp>
       <p:sp>
         <p:nvSpPr>
           <p:cNvPr id="30" name="Google Shape;30;p7"/>
-          <p:cNvSpPr txBox="1"/>
+          <p:cNvSpPr txBox="1">
+            <a:spLocks noGrp="1"/>
+          </p:cNvSpPr>
           <p:nvPr>
-            <p:ph idx="1" type="body"/>
+            <p:ph type="body" idx="1"/>
           </p:nvPr>
         </p:nvSpPr>
         <p:spPr>
@@ -4265,11 +4407,11 @@
           </a:prstGeom>
         </p:spPr>
         <p:txBody>
-          <a:bodyPr anchorCtr="0" anchor="t" bIns="91425" lIns="91425" spcFirstLastPara="1" rIns="91425" wrap="square" tIns="91425">
+          <a:bodyPr spcFirstLastPara="1" wrap="square" lIns="91425" tIns="91425" rIns="91425" bIns="91425" anchor="t" anchorCtr="0">
             <a:normAutofit/>
           </a:bodyPr>
           <a:lstStyle>
-            <a:lvl1pPr indent="-304800" lvl="0" marL="457200">
+            <a:lvl1pPr marL="457200" lvl="0" indent="-304800">
               <a:spcBef>
                 <a:spcPts val="0"/>
               </a:spcBef>
@@ -4280,7 +4422,7 @@
               <a:buChar char="●"/>
               <a:defRPr sz="1200"/>
             </a:lvl1pPr>
-            <a:lvl2pPr indent="-304800" lvl="1" marL="914400">
+            <a:lvl2pPr marL="914400" lvl="1" indent="-304800">
               <a:spcBef>
                 <a:spcPts val="0"/>
               </a:spcBef>
@@ -4291,7 +4433,7 @@
               <a:buChar char="○"/>
               <a:defRPr sz="1200"/>
             </a:lvl2pPr>
-            <a:lvl3pPr indent="-304800" lvl="2" marL="1371600">
+            <a:lvl3pPr marL="1371600" lvl="2" indent="-304800">
               <a:spcBef>
                 <a:spcPts val="0"/>
               </a:spcBef>
@@ -4302,7 +4444,7 @@
               <a:buChar char="■"/>
               <a:defRPr sz="1200"/>
             </a:lvl3pPr>
-            <a:lvl4pPr indent="-304800" lvl="3" marL="1828800">
+            <a:lvl4pPr marL="1828800" lvl="3" indent="-304800">
               <a:spcBef>
                 <a:spcPts val="0"/>
               </a:spcBef>
@@ -4313,7 +4455,7 @@
               <a:buChar char="●"/>
               <a:defRPr sz="1200"/>
             </a:lvl4pPr>
-            <a:lvl5pPr indent="-304800" lvl="4" marL="2286000">
+            <a:lvl5pPr marL="2286000" lvl="4" indent="-304800">
               <a:spcBef>
                 <a:spcPts val="0"/>
               </a:spcBef>
@@ -4324,7 +4466,7 @@
               <a:buChar char="○"/>
               <a:defRPr sz="1200"/>
             </a:lvl5pPr>
-            <a:lvl6pPr indent="-304800" lvl="5" marL="2743200">
+            <a:lvl6pPr marL="2743200" lvl="5" indent="-304800">
               <a:spcBef>
                 <a:spcPts val="0"/>
               </a:spcBef>
@@ -4335,7 +4477,7 @@
               <a:buChar char="■"/>
               <a:defRPr sz="1200"/>
             </a:lvl6pPr>
-            <a:lvl7pPr indent="-304800" lvl="6" marL="3200400">
+            <a:lvl7pPr marL="3200400" lvl="6" indent="-304800">
               <a:spcBef>
                 <a:spcPts val="0"/>
               </a:spcBef>
@@ -4346,7 +4488,7 @@
               <a:buChar char="●"/>
               <a:defRPr sz="1200"/>
             </a:lvl7pPr>
-            <a:lvl8pPr indent="-304800" lvl="7" marL="3657600">
+            <a:lvl8pPr marL="3657600" lvl="7" indent="-304800">
               <a:spcBef>
                 <a:spcPts val="0"/>
               </a:spcBef>
@@ -4357,7 +4499,7 @@
               <a:buChar char="○"/>
               <a:defRPr sz="1200"/>
             </a:lvl8pPr>
-            <a:lvl9pPr indent="-304800" lvl="8" marL="4114800">
+            <a:lvl9pPr marL="4114800" lvl="8" indent="-304800">
               <a:spcBef>
                 <a:spcPts val="0"/>
               </a:spcBef>
@@ -4369,15 +4511,19 @@
               <a:defRPr sz="1200"/>
             </a:lvl9pPr>
           </a:lstStyle>
-          <a:p/>
+          <a:p>
+            <a:endParaRPr/>
+          </a:p>
         </p:txBody>
       </p:sp>
       <p:sp>
         <p:nvSpPr>
           <p:cNvPr id="31" name="Google Shape;31;p7"/>
-          <p:cNvSpPr txBox="1"/>
+          <p:cNvSpPr txBox="1">
+            <a:spLocks noGrp="1"/>
+          </p:cNvSpPr>
           <p:nvPr>
-            <p:ph idx="12" type="sldNum"/>
+            <p:ph type="sldNum" idx="12"/>
           </p:nvPr>
         </p:nvSpPr>
         <p:spPr>
@@ -4390,7 +4536,7 @@
           </a:prstGeom>
         </p:spPr>
         <p:txBody>
-          <a:bodyPr anchorCtr="0" anchor="ctr" bIns="91425" lIns="91425" spcFirstLastPara="1" rIns="91425" wrap="square" tIns="91425">
+          <a:bodyPr spcFirstLastPara="1" wrap="square" lIns="91425" tIns="91425" rIns="91425" bIns="91425" anchor="ctr" anchorCtr="0">
             <a:normAutofit/>
           </a:bodyPr>
           <a:lstStyle>
@@ -4432,7 +4578,7 @@
             </a:lvl9pPr>
           </a:lstStyle>
           <a:p>
-            <a:pPr indent="0" lvl="0" marL="0" rtl="0" algn="r">
+            <a:pPr marL="0" lvl="0" indent="0" algn="r" rtl="0">
               <a:spcBef>
                 <a:spcPts val="0"/>
               </a:spcBef>
@@ -4458,11 +4604,11 @@
 </file>
 
 <file path=ppt/slideLayouts/slideLayout7.xml><?xml version="1.0" encoding="utf-8"?>
-<p:sldLayout xmlns:a="http://schemas.openxmlformats.org/drawingml/2006/main" xmlns:r="http://schemas.openxmlformats.org/officeDocument/2006/relationships" xmlns:mc="http://schemas.openxmlformats.org/markup-compatibility/2006" xmlns:mv="urn:schemas-microsoft-com:mac:vml" xmlns:p="http://schemas.openxmlformats.org/presentationml/2006/main" xmlns:c="http://schemas.openxmlformats.org/drawingml/2006/chart" xmlns:dgm="http://schemas.openxmlformats.org/drawingml/2006/diagram" xmlns:o="urn:schemas-microsoft-com:office:office" xmlns:v="urn:schemas-microsoft-com:vml" xmlns:pvml="urn:schemas-microsoft-com:office:powerpoint" xmlns:com="http://schemas.openxmlformats.org/drawingml/2006/compatibility" xmlns:p14="http://schemas.microsoft.com/office/powerpoint/2010/main" xmlns:p15="http://schemas.microsoft.com/office/powerpoint/2012/main" xmlns:ahyp="http://schemas.microsoft.com/office/drawing/2018/hyperlinkcolor" matchingName="Main point">
+<p:sldLayout xmlns:a="http://schemas.openxmlformats.org/drawingml/2006/main" xmlns:r="http://schemas.openxmlformats.org/officeDocument/2006/relationships" xmlns:p="http://schemas.openxmlformats.org/presentationml/2006/main" matchingName="Main point">
   <p:cSld name="MAIN_POINT">
     <p:spTree>
       <p:nvGrpSpPr>
-        <p:cNvPr id="32" name="Shape 32"/>
+        <p:cNvPr id="1" name="Shape 32"/>
         <p:cNvGrpSpPr/>
         <p:nvPr/>
       </p:nvGrpSpPr>
@@ -4477,7 +4623,9 @@
       <p:sp>
         <p:nvSpPr>
           <p:cNvPr id="33" name="Google Shape;33;p8"/>
-          <p:cNvSpPr txBox="1"/>
+          <p:cNvSpPr txBox="1">
+            <a:spLocks noGrp="1"/>
+          </p:cNvSpPr>
           <p:nvPr>
             <p:ph type="title"/>
           </p:nvPr>
@@ -4492,7 +4640,7 @@
           </a:prstGeom>
         </p:spPr>
         <p:txBody>
-          <a:bodyPr anchorCtr="0" anchor="ctr" bIns="91425" lIns="91425" spcFirstLastPara="1" rIns="91425" wrap="square" tIns="91425">
+          <a:bodyPr spcFirstLastPara="1" wrap="square" lIns="91425" tIns="91425" rIns="91425" bIns="91425" anchor="ctr" anchorCtr="0">
             <a:normAutofit/>
           </a:bodyPr>
           <a:lstStyle>
@@ -4596,15 +4744,19 @@
               <a:defRPr sz="4800"/>
             </a:lvl9pPr>
           </a:lstStyle>
-          <a:p/>
+          <a:p>
+            <a:endParaRPr/>
+          </a:p>
         </p:txBody>
       </p:sp>
       <p:sp>
         <p:nvSpPr>
           <p:cNvPr id="34" name="Google Shape;34;p8"/>
-          <p:cNvSpPr txBox="1"/>
+          <p:cNvSpPr txBox="1">
+            <a:spLocks noGrp="1"/>
+          </p:cNvSpPr>
           <p:nvPr>
-            <p:ph idx="12" type="sldNum"/>
+            <p:ph type="sldNum" idx="12"/>
           </p:nvPr>
         </p:nvSpPr>
         <p:spPr>
@@ -4617,7 +4769,7 @@
           </a:prstGeom>
         </p:spPr>
         <p:txBody>
-          <a:bodyPr anchorCtr="0" anchor="ctr" bIns="91425" lIns="91425" spcFirstLastPara="1" rIns="91425" wrap="square" tIns="91425">
+          <a:bodyPr spcFirstLastPara="1" wrap="square" lIns="91425" tIns="91425" rIns="91425" bIns="91425" anchor="ctr" anchorCtr="0">
             <a:normAutofit/>
           </a:bodyPr>
           <a:lstStyle>
@@ -4659,7 +4811,7 @@
             </a:lvl9pPr>
           </a:lstStyle>
           <a:p>
-            <a:pPr indent="0" lvl="0" marL="0" rtl="0" algn="r">
+            <a:pPr marL="0" lvl="0" indent="0" algn="r" rtl="0">
               <a:spcBef>
                 <a:spcPts val="0"/>
               </a:spcBef>
@@ -4685,11 +4837,11 @@
 </file>
 
 <file path=ppt/slideLayouts/slideLayout8.xml><?xml version="1.0" encoding="utf-8"?>
-<p:sldLayout xmlns:a="http://schemas.openxmlformats.org/drawingml/2006/main" xmlns:r="http://schemas.openxmlformats.org/officeDocument/2006/relationships" xmlns:mc="http://schemas.openxmlformats.org/markup-compatibility/2006" xmlns:mv="urn:schemas-microsoft-com:mac:vml" xmlns:p="http://schemas.openxmlformats.org/presentationml/2006/main" xmlns:c="http://schemas.openxmlformats.org/drawingml/2006/chart" xmlns:dgm="http://schemas.openxmlformats.org/drawingml/2006/diagram" xmlns:o="urn:schemas-microsoft-com:office:office" xmlns:v="urn:schemas-microsoft-com:vml" xmlns:pvml="urn:schemas-microsoft-com:office:powerpoint" xmlns:com="http://schemas.openxmlformats.org/drawingml/2006/compatibility" xmlns:p14="http://schemas.microsoft.com/office/powerpoint/2010/main" xmlns:p15="http://schemas.microsoft.com/office/powerpoint/2012/main" xmlns:ahyp="http://schemas.microsoft.com/office/drawing/2018/hyperlinkcolor" matchingName="Section title and description">
+<p:sldLayout xmlns:a="http://schemas.openxmlformats.org/drawingml/2006/main" xmlns:r="http://schemas.openxmlformats.org/officeDocument/2006/relationships" xmlns:p="http://schemas.openxmlformats.org/presentationml/2006/main" matchingName="Section title and description">
   <p:cSld name="SECTION_TITLE_AND_DESCRIPTION">
     <p:spTree>
       <p:nvGrpSpPr>
-        <p:cNvPr id="35" name="Shape 35"/>
+        <p:cNvPr id="1" name="Shape 35"/>
         <p:cNvGrpSpPr/>
         <p:nvPr/>
       </p:nvGrpSpPr>
@@ -4723,12 +4875,12 @@
           </a:ln>
         </p:spPr>
         <p:txBody>
-          <a:bodyPr anchorCtr="0" anchor="ctr" bIns="91425" lIns="91425" spcFirstLastPara="1" rIns="91425" wrap="square" tIns="91425">
+          <a:bodyPr spcFirstLastPara="1" wrap="square" lIns="91425" tIns="91425" rIns="91425" bIns="91425" anchor="ctr" anchorCtr="0">
             <a:noAutofit/>
           </a:bodyPr>
           <a:lstStyle/>
           <a:p>
-            <a:pPr indent="0" lvl="0" marL="0" rtl="0" algn="l">
+            <a:pPr marL="0" lvl="0" indent="0" algn="l" rtl="0">
               <a:spcBef>
                 <a:spcPts val="0"/>
               </a:spcBef>
@@ -4737,9 +4889,6 @@
               </a:spcAft>
               <a:buNone/>
             </a:pPr>
-            <a:r>
-              <a:t/>
-            </a:r>
             <a:endParaRPr/>
           </a:p>
         </p:txBody>
@@ -4747,7 +4896,9 @@
       <p:sp>
         <p:nvSpPr>
           <p:cNvPr id="37" name="Google Shape;37;p9"/>
-          <p:cNvSpPr txBox="1"/>
+          <p:cNvSpPr txBox="1">
+            <a:spLocks noGrp="1"/>
+          </p:cNvSpPr>
           <p:nvPr>
             <p:ph type="title"/>
           </p:nvPr>
@@ -4762,7 +4913,7 @@
           </a:prstGeom>
         </p:spPr>
         <p:txBody>
-          <a:bodyPr anchorCtr="0" anchor="b" bIns="91425" lIns="91425" spcFirstLastPara="1" rIns="91425" wrap="square" tIns="91425">
+          <a:bodyPr spcFirstLastPara="1" wrap="square" lIns="91425" tIns="91425" rIns="91425" bIns="91425" anchor="b" anchorCtr="0">
             <a:normAutofit/>
           </a:bodyPr>
           <a:lstStyle>
@@ -4866,15 +5017,19 @@
               <a:defRPr sz="4200"/>
             </a:lvl9pPr>
           </a:lstStyle>
-          <a:p/>
+          <a:p>
+            <a:endParaRPr/>
+          </a:p>
         </p:txBody>
       </p:sp>
       <p:sp>
         <p:nvSpPr>
           <p:cNvPr id="38" name="Google Shape;38;p9"/>
-          <p:cNvSpPr txBox="1"/>
+          <p:cNvSpPr txBox="1">
+            <a:spLocks noGrp="1"/>
+          </p:cNvSpPr>
           <p:nvPr>
-            <p:ph idx="1" type="subTitle"/>
+            <p:ph type="subTitle" idx="1"/>
           </p:nvPr>
         </p:nvSpPr>
         <p:spPr>
@@ -4887,7 +5042,7 @@
           </a:prstGeom>
         </p:spPr>
         <p:txBody>
-          <a:bodyPr anchorCtr="0" anchor="t" bIns="91425" lIns="91425" spcFirstLastPara="1" rIns="91425" wrap="square" tIns="91425">
+          <a:bodyPr spcFirstLastPara="1" wrap="square" lIns="91425" tIns="91425" rIns="91425" bIns="91425" anchor="t" anchorCtr="0">
             <a:normAutofit/>
           </a:bodyPr>
           <a:lstStyle>
@@ -5018,15 +5173,19 @@
               <a:defRPr sz="2100"/>
             </a:lvl9pPr>
           </a:lstStyle>
-          <a:p/>
+          <a:p>
+            <a:endParaRPr/>
+          </a:p>
         </p:txBody>
       </p:sp>
       <p:sp>
         <p:nvSpPr>
           <p:cNvPr id="39" name="Google Shape;39;p9"/>
-          <p:cNvSpPr txBox="1"/>
+          <p:cNvSpPr txBox="1">
+            <a:spLocks noGrp="1"/>
+          </p:cNvSpPr>
           <p:nvPr>
-            <p:ph idx="2" type="body"/>
+            <p:ph type="body" idx="2"/>
           </p:nvPr>
         </p:nvSpPr>
         <p:spPr>
@@ -5039,11 +5198,11 @@
           </a:prstGeom>
         </p:spPr>
         <p:txBody>
-          <a:bodyPr anchorCtr="0" anchor="ctr" bIns="91425" lIns="91425" spcFirstLastPara="1" rIns="91425" wrap="square" tIns="91425">
+          <a:bodyPr spcFirstLastPara="1" wrap="square" lIns="91425" tIns="91425" rIns="91425" bIns="91425" anchor="ctr" anchorCtr="0">
             <a:normAutofit/>
           </a:bodyPr>
           <a:lstStyle>
-            <a:lvl1pPr indent="-342900" lvl="0" marL="457200">
+            <a:lvl1pPr marL="457200" lvl="0" indent="-342900">
               <a:spcBef>
                 <a:spcPts val="0"/>
               </a:spcBef>
@@ -5054,7 +5213,7 @@
               <a:buChar char="●"/>
               <a:defRPr/>
             </a:lvl1pPr>
-            <a:lvl2pPr indent="-317500" lvl="1" marL="914400">
+            <a:lvl2pPr marL="914400" lvl="1" indent="-317500">
               <a:spcBef>
                 <a:spcPts val="0"/>
               </a:spcBef>
@@ -5065,7 +5224,7 @@
               <a:buChar char="○"/>
               <a:defRPr/>
             </a:lvl2pPr>
-            <a:lvl3pPr indent="-317500" lvl="2" marL="1371600">
+            <a:lvl3pPr marL="1371600" lvl="2" indent="-317500">
               <a:spcBef>
                 <a:spcPts val="0"/>
               </a:spcBef>
@@ -5076,7 +5235,7 @@
               <a:buChar char="■"/>
               <a:defRPr/>
             </a:lvl3pPr>
-            <a:lvl4pPr indent="-317500" lvl="3" marL="1828800">
+            <a:lvl4pPr marL="1828800" lvl="3" indent="-317500">
               <a:spcBef>
                 <a:spcPts val="0"/>
               </a:spcBef>
@@ -5087,7 +5246,7 @@
               <a:buChar char="●"/>
               <a:defRPr/>
             </a:lvl4pPr>
-            <a:lvl5pPr indent="-317500" lvl="4" marL="2286000">
+            <a:lvl5pPr marL="2286000" lvl="4" indent="-317500">
               <a:spcBef>
                 <a:spcPts val="0"/>
               </a:spcBef>
@@ -5098,7 +5257,7 @@
               <a:buChar char="○"/>
               <a:defRPr/>
             </a:lvl5pPr>
-            <a:lvl6pPr indent="-317500" lvl="5" marL="2743200">
+            <a:lvl6pPr marL="2743200" lvl="5" indent="-317500">
               <a:spcBef>
                 <a:spcPts val="0"/>
               </a:spcBef>
@@ -5109,7 +5268,7 @@
               <a:buChar char="■"/>
               <a:defRPr/>
             </a:lvl6pPr>
-            <a:lvl7pPr indent="-317500" lvl="6" marL="3200400">
+            <a:lvl7pPr marL="3200400" lvl="6" indent="-317500">
               <a:spcBef>
                 <a:spcPts val="0"/>
               </a:spcBef>
@@ -5120,7 +5279,7 @@
               <a:buChar char="●"/>
               <a:defRPr/>
             </a:lvl7pPr>
-            <a:lvl8pPr indent="-317500" lvl="7" marL="3657600">
+            <a:lvl8pPr marL="3657600" lvl="7" indent="-317500">
               <a:spcBef>
                 <a:spcPts val="0"/>
               </a:spcBef>
@@ -5131,7 +5290,7 @@
               <a:buChar char="○"/>
               <a:defRPr/>
             </a:lvl8pPr>
-            <a:lvl9pPr indent="-317500" lvl="8" marL="4114800">
+            <a:lvl9pPr marL="4114800" lvl="8" indent="-317500">
               <a:spcBef>
                 <a:spcPts val="0"/>
               </a:spcBef>
@@ -5143,15 +5302,19 @@
               <a:defRPr/>
             </a:lvl9pPr>
           </a:lstStyle>
-          <a:p/>
+          <a:p>
+            <a:endParaRPr/>
+          </a:p>
         </p:txBody>
       </p:sp>
       <p:sp>
         <p:nvSpPr>
           <p:cNvPr id="40" name="Google Shape;40;p9"/>
-          <p:cNvSpPr txBox="1"/>
+          <p:cNvSpPr txBox="1">
+            <a:spLocks noGrp="1"/>
+          </p:cNvSpPr>
           <p:nvPr>
-            <p:ph idx="12" type="sldNum"/>
+            <p:ph type="sldNum" idx="12"/>
           </p:nvPr>
         </p:nvSpPr>
         <p:spPr>
@@ -5164,7 +5327,7 @@
           </a:prstGeom>
         </p:spPr>
         <p:txBody>
-          <a:bodyPr anchorCtr="0" anchor="ctr" bIns="91425" lIns="91425" spcFirstLastPara="1" rIns="91425" wrap="square" tIns="91425">
+          <a:bodyPr spcFirstLastPara="1" wrap="square" lIns="91425" tIns="91425" rIns="91425" bIns="91425" anchor="ctr" anchorCtr="0">
             <a:normAutofit/>
           </a:bodyPr>
           <a:lstStyle>
@@ -5206,7 +5369,7 @@
             </a:lvl9pPr>
           </a:lstStyle>
           <a:p>
-            <a:pPr indent="0" lvl="0" marL="0" rtl="0" algn="r">
+            <a:pPr marL="0" lvl="0" indent="0" algn="r" rtl="0">
               <a:spcBef>
                 <a:spcPts val="0"/>
               </a:spcBef>
@@ -5232,11 +5395,11 @@
 </file>
 
 <file path=ppt/slideLayouts/slideLayout9.xml><?xml version="1.0" encoding="utf-8"?>
-<p:sldLayout xmlns:a="http://schemas.openxmlformats.org/drawingml/2006/main" xmlns:r="http://schemas.openxmlformats.org/officeDocument/2006/relationships" xmlns:mc="http://schemas.openxmlformats.org/markup-compatibility/2006" xmlns:mv="urn:schemas-microsoft-com:mac:vml" xmlns:p="http://schemas.openxmlformats.org/presentationml/2006/main" xmlns:c="http://schemas.openxmlformats.org/drawingml/2006/chart" xmlns:dgm="http://schemas.openxmlformats.org/drawingml/2006/diagram" xmlns:o="urn:schemas-microsoft-com:office:office" xmlns:v="urn:schemas-microsoft-com:vml" xmlns:pvml="urn:schemas-microsoft-com:office:powerpoint" xmlns:com="http://schemas.openxmlformats.org/drawingml/2006/compatibility" xmlns:p14="http://schemas.microsoft.com/office/powerpoint/2010/main" xmlns:p15="http://schemas.microsoft.com/office/powerpoint/2012/main" xmlns:ahyp="http://schemas.microsoft.com/office/drawing/2018/hyperlinkcolor" matchingName="Caption">
+<p:sldLayout xmlns:a="http://schemas.openxmlformats.org/drawingml/2006/main" xmlns:r="http://schemas.openxmlformats.org/officeDocument/2006/relationships" xmlns:p="http://schemas.openxmlformats.org/presentationml/2006/main" matchingName="Caption">
   <p:cSld name="CAPTION_ONLY">
     <p:spTree>
       <p:nvGrpSpPr>
-        <p:cNvPr id="41" name="Shape 41"/>
+        <p:cNvPr id="1" name="Shape 41"/>
         <p:cNvGrpSpPr/>
         <p:nvPr/>
       </p:nvGrpSpPr>
@@ -5251,9 +5414,11 @@
       <p:sp>
         <p:nvSpPr>
           <p:cNvPr id="42" name="Google Shape;42;p10"/>
-          <p:cNvSpPr txBox="1"/>
+          <p:cNvSpPr txBox="1">
+            <a:spLocks noGrp="1"/>
+          </p:cNvSpPr>
           <p:nvPr>
-            <p:ph idx="1" type="body"/>
+            <p:ph type="body" idx="1"/>
           </p:nvPr>
         </p:nvSpPr>
         <p:spPr>
@@ -5266,11 +5431,11 @@
           </a:prstGeom>
         </p:spPr>
         <p:txBody>
-          <a:bodyPr anchorCtr="0" anchor="ctr" bIns="91425" lIns="91425" spcFirstLastPara="1" rIns="91425" wrap="square" tIns="91425">
+          <a:bodyPr spcFirstLastPara="1" wrap="square" lIns="91425" tIns="91425" rIns="91425" bIns="91425" anchor="ctr" anchorCtr="0">
             <a:normAutofit/>
           </a:bodyPr>
           <a:lstStyle>
-            <a:lvl1pPr indent="-228600" lvl="0" marL="457200">
+            <a:lvl1pPr marL="457200" lvl="0" indent="-228600">
               <a:lnSpc>
                 <a:spcPct val="100000"/>
               </a:lnSpc>
@@ -5285,15 +5450,19 @@
               <a:defRPr/>
             </a:lvl1pPr>
           </a:lstStyle>
-          <a:p/>
+          <a:p>
+            <a:endParaRPr/>
+          </a:p>
         </p:txBody>
       </p:sp>
       <p:sp>
         <p:nvSpPr>
           <p:cNvPr id="43" name="Google Shape;43;p10"/>
-          <p:cNvSpPr txBox="1"/>
+          <p:cNvSpPr txBox="1">
+            <a:spLocks noGrp="1"/>
+          </p:cNvSpPr>
           <p:nvPr>
-            <p:ph idx="12" type="sldNum"/>
+            <p:ph type="sldNum" idx="12"/>
           </p:nvPr>
         </p:nvSpPr>
         <p:spPr>
@@ -5306,7 +5475,7 @@
           </a:prstGeom>
         </p:spPr>
         <p:txBody>
-          <a:bodyPr anchorCtr="0" anchor="ctr" bIns="91425" lIns="91425" spcFirstLastPara="1" rIns="91425" wrap="square" tIns="91425">
+          <a:bodyPr spcFirstLastPara="1" wrap="square" lIns="91425" tIns="91425" rIns="91425" bIns="91425" anchor="ctr" anchorCtr="0">
             <a:normAutofit/>
           </a:bodyPr>
           <a:lstStyle>
@@ -5348,7 +5517,7 @@
             </a:lvl9pPr>
           </a:lstStyle>
           <a:p>
-            <a:pPr indent="0" lvl="0" marL="0" rtl="0" algn="r">
+            <a:pPr marL="0" lvl="0" indent="0" algn="r" rtl="0">
               <a:spcBef>
                 <a:spcPts val="0"/>
               </a:spcBef>
@@ -5374,18 +5543,19 @@
 </file>
 
 <file path=ppt/slideMasters/slideMaster1.xml><?xml version="1.0" encoding="utf-8"?>
-<p:sldMaster xmlns:a="http://schemas.openxmlformats.org/drawingml/2006/main" xmlns:r="http://schemas.openxmlformats.org/officeDocument/2006/relationships" xmlns:mc="http://schemas.openxmlformats.org/markup-compatibility/2006" xmlns:mv="urn:schemas-microsoft-com:mac:vml" xmlns:p="http://schemas.openxmlformats.org/presentationml/2006/main" xmlns:c="http://schemas.openxmlformats.org/drawingml/2006/chart" xmlns:dgm="http://schemas.openxmlformats.org/drawingml/2006/diagram" xmlns:o="urn:schemas-microsoft-com:office:office" xmlns:v="urn:schemas-microsoft-com:vml" xmlns:pvml="urn:schemas-microsoft-com:office:powerpoint" xmlns:com="http://schemas.openxmlformats.org/drawingml/2006/compatibility" xmlns:p14="http://schemas.microsoft.com/office/powerpoint/2010/main" xmlns:p15="http://schemas.microsoft.com/office/powerpoint/2012/main" xmlns:ahyp="http://schemas.microsoft.com/office/drawing/2018/hyperlinkcolor">
+<p:sldMaster xmlns:a="http://schemas.openxmlformats.org/drawingml/2006/main" xmlns:r="http://schemas.openxmlformats.org/officeDocument/2006/relationships" xmlns:p="http://schemas.openxmlformats.org/presentationml/2006/main">
   <p:cSld name="simple-light-2">
     <p:bg>
       <p:bgPr>
         <a:solidFill>
           <a:schemeClr val="lt1"/>
         </a:solidFill>
+        <a:effectLst/>
       </p:bgPr>
     </p:bg>
     <p:spTree>
       <p:nvGrpSpPr>
-        <p:cNvPr id="5" name="Shape 5"/>
+        <p:cNvPr id="1" name="Shape 5"/>
         <p:cNvGrpSpPr/>
         <p:nvPr/>
       </p:nvGrpSpPr>
@@ -5400,7 +5570,9 @@
       <p:sp>
         <p:nvSpPr>
           <p:cNvPr id="6" name="Google Shape;6;p1"/>
-          <p:cNvSpPr txBox="1"/>
+          <p:cNvSpPr txBox="1">
+            <a:spLocks noGrp="1"/>
+          </p:cNvSpPr>
           <p:nvPr>
             <p:ph type="title"/>
           </p:nvPr>
@@ -5419,7 +5591,7 @@
           </a:ln>
         </p:spPr>
         <p:txBody>
-          <a:bodyPr anchorCtr="0" anchor="t" bIns="91425" lIns="91425" spcFirstLastPara="1" rIns="91425" wrap="square" tIns="91425">
+          <a:bodyPr spcFirstLastPara="1" wrap="square" lIns="91425" tIns="91425" rIns="91425" bIns="91425" anchor="t" anchorCtr="0">
             <a:normAutofit/>
           </a:bodyPr>
           <a:lstStyle>
@@ -5586,15 +5758,19 @@
               </a:defRPr>
             </a:lvl9pPr>
           </a:lstStyle>
-          <a:p/>
+          <a:p>
+            <a:endParaRPr/>
+          </a:p>
         </p:txBody>
       </p:sp>
       <p:sp>
         <p:nvSpPr>
           <p:cNvPr id="7" name="Google Shape;7;p1"/>
-          <p:cNvSpPr txBox="1"/>
+          <p:cNvSpPr txBox="1">
+            <a:spLocks noGrp="1"/>
+          </p:cNvSpPr>
           <p:nvPr>
-            <p:ph idx="1" type="body"/>
+            <p:ph type="body" idx="1"/>
           </p:nvPr>
         </p:nvSpPr>
         <p:spPr>
@@ -5611,11 +5787,11 @@
           </a:ln>
         </p:spPr>
         <p:txBody>
-          <a:bodyPr anchorCtr="0" anchor="t" bIns="91425" lIns="91425" spcFirstLastPara="1" rIns="91425" wrap="square" tIns="91425">
+          <a:bodyPr spcFirstLastPara="1" wrap="square" lIns="91425" tIns="91425" rIns="91425" bIns="91425" anchor="t" anchorCtr="0">
             <a:normAutofit/>
           </a:bodyPr>
           <a:lstStyle>
-            <a:lvl1pPr indent="-342900" lvl="0" marL="457200">
+            <a:lvl1pPr marL="457200" lvl="0" indent="-342900">
               <a:lnSpc>
                 <a:spcPct val="115000"/>
               </a:lnSpc>
@@ -5636,7 +5812,7 @@
                 </a:solidFill>
               </a:defRPr>
             </a:lvl1pPr>
-            <a:lvl2pPr indent="-317500" lvl="1" marL="914400">
+            <a:lvl2pPr marL="914400" lvl="1" indent="-317500">
               <a:lnSpc>
                 <a:spcPct val="115000"/>
               </a:lnSpc>
@@ -5657,7 +5833,7 @@
                 </a:solidFill>
               </a:defRPr>
             </a:lvl2pPr>
-            <a:lvl3pPr indent="-317500" lvl="2" marL="1371600">
+            <a:lvl3pPr marL="1371600" lvl="2" indent="-317500">
               <a:lnSpc>
                 <a:spcPct val="115000"/>
               </a:lnSpc>
@@ -5678,7 +5854,7 @@
                 </a:solidFill>
               </a:defRPr>
             </a:lvl3pPr>
-            <a:lvl4pPr indent="-317500" lvl="3" marL="1828800">
+            <a:lvl4pPr marL="1828800" lvl="3" indent="-317500">
               <a:lnSpc>
                 <a:spcPct val="115000"/>
               </a:lnSpc>
@@ -5699,7 +5875,7 @@
                 </a:solidFill>
               </a:defRPr>
             </a:lvl4pPr>
-            <a:lvl5pPr indent="-317500" lvl="4" marL="2286000">
+            <a:lvl5pPr marL="2286000" lvl="4" indent="-317500">
               <a:lnSpc>
                 <a:spcPct val="115000"/>
               </a:lnSpc>
@@ -5720,7 +5896,7 @@
                 </a:solidFill>
               </a:defRPr>
             </a:lvl5pPr>
-            <a:lvl6pPr indent="-317500" lvl="5" marL="2743200">
+            <a:lvl6pPr marL="2743200" lvl="5" indent="-317500">
               <a:lnSpc>
                 <a:spcPct val="115000"/>
               </a:lnSpc>
@@ -5741,7 +5917,7 @@
                 </a:solidFill>
               </a:defRPr>
             </a:lvl6pPr>
-            <a:lvl7pPr indent="-317500" lvl="6" marL="3200400">
+            <a:lvl7pPr marL="3200400" lvl="6" indent="-317500">
               <a:lnSpc>
                 <a:spcPct val="115000"/>
               </a:lnSpc>
@@ -5762,7 +5938,7 @@
                 </a:solidFill>
               </a:defRPr>
             </a:lvl7pPr>
-            <a:lvl8pPr indent="-317500" lvl="7" marL="3657600">
+            <a:lvl8pPr marL="3657600" lvl="7" indent="-317500">
               <a:lnSpc>
                 <a:spcPct val="115000"/>
               </a:lnSpc>
@@ -5783,7 +5959,7 @@
                 </a:solidFill>
               </a:defRPr>
             </a:lvl8pPr>
-            <a:lvl9pPr indent="-317500" lvl="8" marL="4114800">
+            <a:lvl9pPr marL="4114800" lvl="8" indent="-317500">
               <a:lnSpc>
                 <a:spcPct val="115000"/>
               </a:lnSpc>
@@ -5805,15 +5981,19 @@
               </a:defRPr>
             </a:lvl9pPr>
           </a:lstStyle>
-          <a:p/>
+          <a:p>
+            <a:endParaRPr/>
+          </a:p>
         </p:txBody>
       </p:sp>
       <p:sp>
         <p:nvSpPr>
           <p:cNvPr id="8" name="Google Shape;8;p1"/>
-          <p:cNvSpPr txBox="1"/>
+          <p:cNvSpPr txBox="1">
+            <a:spLocks noGrp="1"/>
+          </p:cNvSpPr>
           <p:nvPr>
-            <p:ph idx="12" type="sldNum"/>
+            <p:ph type="sldNum" idx="12"/>
           </p:nvPr>
         </p:nvSpPr>
         <p:spPr>
@@ -5830,7 +6010,7 @@
           </a:ln>
         </p:spPr>
         <p:txBody>
-          <a:bodyPr anchorCtr="0" anchor="ctr" bIns="91425" lIns="91425" spcFirstLastPara="1" rIns="91425" wrap="square" tIns="91425">
+          <a:bodyPr spcFirstLastPara="1" wrap="square" lIns="91425" tIns="91425" rIns="91425" bIns="91425" anchor="ctr" anchorCtr="0">
             <a:normAutofit/>
           </a:bodyPr>
           <a:lstStyle>
@@ -5908,7 +6088,7 @@
             </a:lvl9pPr>
           </a:lstStyle>
           <a:p>
-            <a:pPr indent="0" lvl="0" marL="0" rtl="0" algn="r">
+            <a:pPr marL="0" lvl="0" indent="0" algn="r" rtl="0">
               <a:spcBef>
                 <a:spcPts val="0"/>
               </a:spcBef>
@@ -5927,7 +6107,7 @@
       </p:sp>
     </p:spTree>
   </p:cSld>
-  <p:clrMap accent1="accent1" accent2="accent2" accent3="accent3" accent4="accent4" accent5="accent5" accent6="accent6" bg1="lt1" bg2="dk2" tx1="dk1" tx2="lt2" folHlink="folHlink" hlink="hlink"/>
+  <p:clrMap bg1="lt1" tx1="dk1" bg2="dk2" tx2="lt2" accent1="accent1" accent2="accent2" accent3="accent3" accent4="accent4" accent5="accent5" accent6="accent6" hlink="hlink" folHlink="folHlink"/>
   <p:sldLayoutIdLst>
     <p:sldLayoutId id="2147483648" r:id="rId1"/>
     <p:sldLayoutId id="2147483649" r:id="rId2"/>
@@ -5941,10 +6121,10 @@
     <p:sldLayoutId id="2147483657" r:id="rId10"/>
     <p:sldLayoutId id="2147483658" r:id="rId11"/>
   </p:sldLayoutIdLst>
-  <p:hf dt="0" ftr="0" hdr="0" sldNum="0"/>
+  <p:hf sldNum="0" hdr="0" ftr="0" dt="0"/>
   <p:txStyles>
     <p:titleStyle>
-      <a:defPPr lvl="0" marR="0" rtl="0" algn="l">
+      <a:defPPr marR="0" lvl="0" algn="l" rtl="0">
         <a:lnSpc>
           <a:spcPct val="100000"/>
         </a:lnSpc>
@@ -5955,7 +6135,7 @@
           <a:spcPts val="0"/>
         </a:spcAft>
       </a:defPPr>
-      <a:lvl1pPr lvl="0" marR="0" rtl="0" algn="l">
+      <a:lvl1pPr marR="0" lvl="0" algn="l" rtl="0">
         <a:lnSpc>
           <a:spcPct val="100000"/>
         </a:lnSpc>
@@ -5969,7 +6149,7 @@
           <a:srgbClr val="000000"/>
         </a:buClr>
         <a:buFont typeface="Arial"/>
-        <a:defRPr b="0" i="0" sz="1400" u="none" cap="none" strike="noStrike">
+        <a:defRPr sz="1400" b="0" i="0" u="none" strike="noStrike" cap="none">
           <a:solidFill>
             <a:srgbClr val="000000"/>
           </a:solidFill>
@@ -5979,7 +6159,7 @@
           <a:sym typeface="Arial"/>
         </a:defRPr>
       </a:lvl1pPr>
-      <a:lvl2pPr lvl="1" marR="0" rtl="0" algn="l">
+      <a:lvl2pPr marR="0" lvl="1" algn="l" rtl="0">
         <a:lnSpc>
           <a:spcPct val="100000"/>
         </a:lnSpc>
@@ -5993,7 +6173,7 @@
           <a:srgbClr val="000000"/>
         </a:buClr>
         <a:buFont typeface="Arial"/>
-        <a:defRPr b="0" i="0" sz="1400" u="none" cap="none" strike="noStrike">
+        <a:defRPr sz="1400" b="0" i="0" u="none" strike="noStrike" cap="none">
           <a:solidFill>
             <a:srgbClr val="000000"/>
           </a:solidFill>
@@ -6003,7 +6183,7 @@
           <a:sym typeface="Arial"/>
         </a:defRPr>
       </a:lvl2pPr>
-      <a:lvl3pPr lvl="2" marR="0" rtl="0" algn="l">
+      <a:lvl3pPr marR="0" lvl="2" algn="l" rtl="0">
         <a:lnSpc>
           <a:spcPct val="100000"/>
         </a:lnSpc>
@@ -6017,7 +6197,7 @@
           <a:srgbClr val="000000"/>
         </a:buClr>
         <a:buFont typeface="Arial"/>
-        <a:defRPr b="0" i="0" sz="1400" u="none" cap="none" strike="noStrike">
+        <a:defRPr sz="1400" b="0" i="0" u="none" strike="noStrike" cap="none">
           <a:solidFill>
             <a:srgbClr val="000000"/>
           </a:solidFill>
@@ -6027,7 +6207,7 @@
           <a:sym typeface="Arial"/>
         </a:defRPr>
       </a:lvl3pPr>
-      <a:lvl4pPr lvl="3" marR="0" rtl="0" algn="l">
+      <a:lvl4pPr marR="0" lvl="3" algn="l" rtl="0">
         <a:lnSpc>
           <a:spcPct val="100000"/>
         </a:lnSpc>
@@ -6041,7 +6221,7 @@
           <a:srgbClr val="000000"/>
         </a:buClr>
         <a:buFont typeface="Arial"/>
-        <a:defRPr b="0" i="0" sz="1400" u="none" cap="none" strike="noStrike">
+        <a:defRPr sz="1400" b="0" i="0" u="none" strike="noStrike" cap="none">
           <a:solidFill>
             <a:srgbClr val="000000"/>
           </a:solidFill>
@@ -6051,7 +6231,7 @@
           <a:sym typeface="Arial"/>
         </a:defRPr>
       </a:lvl4pPr>
-      <a:lvl5pPr lvl="4" marR="0" rtl="0" algn="l">
+      <a:lvl5pPr marR="0" lvl="4" algn="l" rtl="0">
         <a:lnSpc>
           <a:spcPct val="100000"/>
         </a:lnSpc>
@@ -6065,7 +6245,7 @@
           <a:srgbClr val="000000"/>
         </a:buClr>
         <a:buFont typeface="Arial"/>
-        <a:defRPr b="0" i="0" sz="1400" u="none" cap="none" strike="noStrike">
+        <a:defRPr sz="1400" b="0" i="0" u="none" strike="noStrike" cap="none">
           <a:solidFill>
             <a:srgbClr val="000000"/>
           </a:solidFill>
@@ -6075,7 +6255,7 @@
           <a:sym typeface="Arial"/>
         </a:defRPr>
       </a:lvl5pPr>
-      <a:lvl6pPr lvl="5" marR="0" rtl="0" algn="l">
+      <a:lvl6pPr marR="0" lvl="5" algn="l" rtl="0">
         <a:lnSpc>
           <a:spcPct val="100000"/>
         </a:lnSpc>
@@ -6089,7 +6269,7 @@
           <a:srgbClr val="000000"/>
         </a:buClr>
         <a:buFont typeface="Arial"/>
-        <a:defRPr b="0" i="0" sz="1400" u="none" cap="none" strike="noStrike">
+        <a:defRPr sz="1400" b="0" i="0" u="none" strike="noStrike" cap="none">
           <a:solidFill>
             <a:srgbClr val="000000"/>
           </a:solidFill>
@@ -6099,7 +6279,7 @@
           <a:sym typeface="Arial"/>
         </a:defRPr>
       </a:lvl6pPr>
-      <a:lvl7pPr lvl="6" marR="0" rtl="0" algn="l">
+      <a:lvl7pPr marR="0" lvl="6" algn="l" rtl="0">
         <a:lnSpc>
           <a:spcPct val="100000"/>
         </a:lnSpc>
@@ -6113,7 +6293,7 @@
           <a:srgbClr val="000000"/>
         </a:buClr>
         <a:buFont typeface="Arial"/>
-        <a:defRPr b="0" i="0" sz="1400" u="none" cap="none" strike="noStrike">
+        <a:defRPr sz="1400" b="0" i="0" u="none" strike="noStrike" cap="none">
           <a:solidFill>
             <a:srgbClr val="000000"/>
           </a:solidFill>
@@ -6123,7 +6303,7 @@
           <a:sym typeface="Arial"/>
         </a:defRPr>
       </a:lvl7pPr>
-      <a:lvl8pPr lvl="7" marR="0" rtl="0" algn="l">
+      <a:lvl8pPr marR="0" lvl="7" algn="l" rtl="0">
         <a:lnSpc>
           <a:spcPct val="100000"/>
         </a:lnSpc>
@@ -6137,7 +6317,7 @@
           <a:srgbClr val="000000"/>
         </a:buClr>
         <a:buFont typeface="Arial"/>
-        <a:defRPr b="0" i="0" sz="1400" u="none" cap="none" strike="noStrike">
+        <a:defRPr sz="1400" b="0" i="0" u="none" strike="noStrike" cap="none">
           <a:solidFill>
             <a:srgbClr val="000000"/>
           </a:solidFill>
@@ -6147,7 +6327,7 @@
           <a:sym typeface="Arial"/>
         </a:defRPr>
       </a:lvl8pPr>
-      <a:lvl9pPr lvl="8" marR="0" rtl="0" algn="l">
+      <a:lvl9pPr marR="0" lvl="8" algn="l" rtl="0">
         <a:lnSpc>
           <a:spcPct val="100000"/>
         </a:lnSpc>
@@ -6161,7 +6341,7 @@
           <a:srgbClr val="000000"/>
         </a:buClr>
         <a:buFont typeface="Arial"/>
-        <a:defRPr b="0" i="0" sz="1400" u="none" cap="none" strike="noStrike">
+        <a:defRPr sz="1400" b="0" i="0" u="none" strike="noStrike" cap="none">
           <a:solidFill>
             <a:srgbClr val="000000"/>
           </a:solidFill>
@@ -6173,7 +6353,7 @@
       </a:lvl9pPr>
     </p:titleStyle>
     <p:bodyStyle>
-      <a:defPPr lvl="0" marR="0" rtl="0" algn="l">
+      <a:defPPr marR="0" lvl="0" algn="l" rtl="0">
         <a:lnSpc>
           <a:spcPct val="100000"/>
         </a:lnSpc>
@@ -6184,7 +6364,7 @@
           <a:spcPts val="0"/>
         </a:spcAft>
       </a:defPPr>
-      <a:lvl1pPr lvl="0" marR="0" rtl="0" algn="l">
+      <a:lvl1pPr marR="0" lvl="0" algn="l" rtl="0">
         <a:lnSpc>
           <a:spcPct val="100000"/>
         </a:lnSpc>
@@ -6198,7 +6378,7 @@
           <a:srgbClr val="000000"/>
         </a:buClr>
         <a:buFont typeface="Arial"/>
-        <a:defRPr b="0" i="0" sz="1400" u="none" cap="none" strike="noStrike">
+        <a:defRPr sz="1400" b="0" i="0" u="none" strike="noStrike" cap="none">
           <a:solidFill>
             <a:srgbClr val="000000"/>
           </a:solidFill>
@@ -6208,7 +6388,7 @@
           <a:sym typeface="Arial"/>
         </a:defRPr>
       </a:lvl1pPr>
-      <a:lvl2pPr lvl="1" marR="0" rtl="0" algn="l">
+      <a:lvl2pPr marR="0" lvl="1" algn="l" rtl="0">
         <a:lnSpc>
           <a:spcPct val="100000"/>
         </a:lnSpc>
@@ -6222,7 +6402,7 @@
           <a:srgbClr val="000000"/>
         </a:buClr>
         <a:buFont typeface="Arial"/>
-        <a:defRPr b="0" i="0" sz="1400" u="none" cap="none" strike="noStrike">
+        <a:defRPr sz="1400" b="0" i="0" u="none" strike="noStrike" cap="none">
           <a:solidFill>
             <a:srgbClr val="000000"/>
           </a:solidFill>
@@ -6232,7 +6412,7 @@
           <a:sym typeface="Arial"/>
         </a:defRPr>
       </a:lvl2pPr>
-      <a:lvl3pPr lvl="2" marR="0" rtl="0" algn="l">
+      <a:lvl3pPr marR="0" lvl="2" algn="l" rtl="0">
         <a:lnSpc>
           <a:spcPct val="100000"/>
         </a:lnSpc>
@@ -6246,7 +6426,7 @@
           <a:srgbClr val="000000"/>
         </a:buClr>
         <a:buFont typeface="Arial"/>
-        <a:defRPr b="0" i="0" sz="1400" u="none" cap="none" strike="noStrike">
+        <a:defRPr sz="1400" b="0" i="0" u="none" strike="noStrike" cap="none">
           <a:solidFill>
             <a:srgbClr val="000000"/>
           </a:solidFill>
@@ -6256,7 +6436,7 @@
           <a:sym typeface="Arial"/>
         </a:defRPr>
       </a:lvl3pPr>
-      <a:lvl4pPr lvl="3" marR="0" rtl="0" algn="l">
+      <a:lvl4pPr marR="0" lvl="3" algn="l" rtl="0">
         <a:lnSpc>
           <a:spcPct val="100000"/>
         </a:lnSpc>
@@ -6270,7 +6450,7 @@
           <a:srgbClr val="000000"/>
         </a:buClr>
         <a:buFont typeface="Arial"/>
-        <a:defRPr b="0" i="0" sz="1400" u="none" cap="none" strike="noStrike">
+        <a:defRPr sz="1400" b="0" i="0" u="none" strike="noStrike" cap="none">
           <a:solidFill>
             <a:srgbClr val="000000"/>
           </a:solidFill>
@@ -6280,7 +6460,7 @@
           <a:sym typeface="Arial"/>
         </a:defRPr>
       </a:lvl4pPr>
-      <a:lvl5pPr lvl="4" marR="0" rtl="0" algn="l">
+      <a:lvl5pPr marR="0" lvl="4" algn="l" rtl="0">
         <a:lnSpc>
           <a:spcPct val="100000"/>
         </a:lnSpc>
@@ -6294,7 +6474,7 @@
           <a:srgbClr val="000000"/>
         </a:buClr>
         <a:buFont typeface="Arial"/>
-        <a:defRPr b="0" i="0" sz="1400" u="none" cap="none" strike="noStrike">
+        <a:defRPr sz="1400" b="0" i="0" u="none" strike="noStrike" cap="none">
           <a:solidFill>
             <a:srgbClr val="000000"/>
           </a:solidFill>
@@ -6304,7 +6484,7 @@
           <a:sym typeface="Arial"/>
         </a:defRPr>
       </a:lvl5pPr>
-      <a:lvl6pPr lvl="5" marR="0" rtl="0" algn="l">
+      <a:lvl6pPr marR="0" lvl="5" algn="l" rtl="0">
         <a:lnSpc>
           <a:spcPct val="100000"/>
         </a:lnSpc>
@@ -6318,7 +6498,7 @@
           <a:srgbClr val="000000"/>
         </a:buClr>
         <a:buFont typeface="Arial"/>
-        <a:defRPr b="0" i="0" sz="1400" u="none" cap="none" strike="noStrike">
+        <a:defRPr sz="1400" b="0" i="0" u="none" strike="noStrike" cap="none">
           <a:solidFill>
             <a:srgbClr val="000000"/>
           </a:solidFill>
@@ -6328,7 +6508,7 @@
           <a:sym typeface="Arial"/>
         </a:defRPr>
       </a:lvl6pPr>
-      <a:lvl7pPr lvl="6" marR="0" rtl="0" algn="l">
+      <a:lvl7pPr marR="0" lvl="6" algn="l" rtl="0">
         <a:lnSpc>
           <a:spcPct val="100000"/>
         </a:lnSpc>
@@ -6342,7 +6522,7 @@
           <a:srgbClr val="000000"/>
         </a:buClr>
         <a:buFont typeface="Arial"/>
-        <a:defRPr b="0" i="0" sz="1400" u="none" cap="none" strike="noStrike">
+        <a:defRPr sz="1400" b="0" i="0" u="none" strike="noStrike" cap="none">
           <a:solidFill>
             <a:srgbClr val="000000"/>
           </a:solidFill>
@@ -6352,7 +6532,7 @@
           <a:sym typeface="Arial"/>
         </a:defRPr>
       </a:lvl7pPr>
-      <a:lvl8pPr lvl="7" marR="0" rtl="0" algn="l">
+      <a:lvl8pPr marR="0" lvl="7" algn="l" rtl="0">
         <a:lnSpc>
           <a:spcPct val="100000"/>
         </a:lnSpc>
@@ -6366,7 +6546,7 @@
           <a:srgbClr val="000000"/>
         </a:buClr>
         <a:buFont typeface="Arial"/>
-        <a:defRPr b="0" i="0" sz="1400" u="none" cap="none" strike="noStrike">
+        <a:defRPr sz="1400" b="0" i="0" u="none" strike="noStrike" cap="none">
           <a:solidFill>
             <a:srgbClr val="000000"/>
           </a:solidFill>
@@ -6376,7 +6556,7 @@
           <a:sym typeface="Arial"/>
         </a:defRPr>
       </a:lvl8pPr>
-      <a:lvl9pPr lvl="8" marR="0" rtl="0" algn="l">
+      <a:lvl9pPr marR="0" lvl="8" algn="l" rtl="0">
         <a:lnSpc>
           <a:spcPct val="100000"/>
         </a:lnSpc>
@@ -6390,7 +6570,7 @@
           <a:srgbClr val="000000"/>
         </a:buClr>
         <a:buFont typeface="Arial"/>
-        <a:defRPr b="0" i="0" sz="1400" u="none" cap="none" strike="noStrike">
+        <a:defRPr sz="1400" b="0" i="0" u="none" strike="noStrike" cap="none">
           <a:solidFill>
             <a:srgbClr val="000000"/>
           </a:solidFill>
@@ -6402,7 +6582,7 @@
       </a:lvl9pPr>
     </p:bodyStyle>
     <p:otherStyle>
-      <a:defPPr lvl="0" marR="0" rtl="0" algn="l">
+      <a:defPPr marR="0" lvl="0" algn="l" rtl="0">
         <a:lnSpc>
           <a:spcPct val="100000"/>
         </a:lnSpc>
@@ -6413,7 +6593,7 @@
           <a:spcPts val="0"/>
         </a:spcAft>
       </a:defPPr>
-      <a:lvl1pPr lvl="0" marR="0" rtl="0" algn="l">
+      <a:lvl1pPr marR="0" lvl="0" algn="l" rtl="0">
         <a:lnSpc>
           <a:spcPct val="100000"/>
         </a:lnSpc>
@@ -6427,7 +6607,7 @@
           <a:srgbClr val="000000"/>
         </a:buClr>
         <a:buFont typeface="Arial"/>
-        <a:defRPr b="0" i="0" sz="1400" u="none" cap="none" strike="noStrike">
+        <a:defRPr sz="1400" b="0" i="0" u="none" strike="noStrike" cap="none">
           <a:solidFill>
             <a:srgbClr val="000000"/>
           </a:solidFill>
@@ -6437,7 +6617,7 @@
           <a:sym typeface="Arial"/>
         </a:defRPr>
       </a:lvl1pPr>
-      <a:lvl2pPr lvl="1" marR="0" rtl="0" algn="l">
+      <a:lvl2pPr marR="0" lvl="1" algn="l" rtl="0">
         <a:lnSpc>
           <a:spcPct val="100000"/>
         </a:lnSpc>
@@ -6451,7 +6631,7 @@
           <a:srgbClr val="000000"/>
         </a:buClr>
         <a:buFont typeface="Arial"/>
-        <a:defRPr b="0" i="0" sz="1400" u="none" cap="none" strike="noStrike">
+        <a:defRPr sz="1400" b="0" i="0" u="none" strike="noStrike" cap="none">
           <a:solidFill>
             <a:srgbClr val="000000"/>
           </a:solidFill>
@@ -6461,7 +6641,7 @@
           <a:sym typeface="Arial"/>
         </a:defRPr>
       </a:lvl2pPr>
-      <a:lvl3pPr lvl="2" marR="0" rtl="0" algn="l">
+      <a:lvl3pPr marR="0" lvl="2" algn="l" rtl="0">
         <a:lnSpc>
           <a:spcPct val="100000"/>
         </a:lnSpc>
@@ -6475,7 +6655,7 @@
           <a:srgbClr val="000000"/>
         </a:buClr>
         <a:buFont typeface="Arial"/>
-        <a:defRPr b="0" i="0" sz="1400" u="none" cap="none" strike="noStrike">
+        <a:defRPr sz="1400" b="0" i="0" u="none" strike="noStrike" cap="none">
           <a:solidFill>
             <a:srgbClr val="000000"/>
           </a:solidFill>
@@ -6485,7 +6665,7 @@
           <a:sym typeface="Arial"/>
         </a:defRPr>
       </a:lvl3pPr>
-      <a:lvl4pPr lvl="3" marR="0" rtl="0" algn="l">
+      <a:lvl4pPr marR="0" lvl="3" algn="l" rtl="0">
         <a:lnSpc>
           <a:spcPct val="100000"/>
         </a:lnSpc>
@@ -6499,7 +6679,7 @@
           <a:srgbClr val="000000"/>
         </a:buClr>
         <a:buFont typeface="Arial"/>
-        <a:defRPr b="0" i="0" sz="1400" u="none" cap="none" strike="noStrike">
+        <a:defRPr sz="1400" b="0" i="0" u="none" strike="noStrike" cap="none">
           <a:solidFill>
             <a:srgbClr val="000000"/>
           </a:solidFill>
@@ -6509,7 +6689,7 @@
           <a:sym typeface="Arial"/>
         </a:defRPr>
       </a:lvl4pPr>
-      <a:lvl5pPr lvl="4" marR="0" rtl="0" algn="l">
+      <a:lvl5pPr marR="0" lvl="4" algn="l" rtl="0">
         <a:lnSpc>
           <a:spcPct val="100000"/>
         </a:lnSpc>
@@ -6523,7 +6703,7 @@
           <a:srgbClr val="000000"/>
         </a:buClr>
         <a:buFont typeface="Arial"/>
-        <a:defRPr b="0" i="0" sz="1400" u="none" cap="none" strike="noStrike">
+        <a:defRPr sz="1400" b="0" i="0" u="none" strike="noStrike" cap="none">
           <a:solidFill>
             <a:srgbClr val="000000"/>
           </a:solidFill>
@@ -6533,7 +6713,7 @@
           <a:sym typeface="Arial"/>
         </a:defRPr>
       </a:lvl5pPr>
-      <a:lvl6pPr lvl="5" marR="0" rtl="0" algn="l">
+      <a:lvl6pPr marR="0" lvl="5" algn="l" rtl="0">
         <a:lnSpc>
           <a:spcPct val="100000"/>
         </a:lnSpc>
@@ -6547,7 +6727,7 @@
           <a:srgbClr val="000000"/>
         </a:buClr>
         <a:buFont typeface="Arial"/>
-        <a:defRPr b="0" i="0" sz="1400" u="none" cap="none" strike="noStrike">
+        <a:defRPr sz="1400" b="0" i="0" u="none" strike="noStrike" cap="none">
           <a:solidFill>
             <a:srgbClr val="000000"/>
           </a:solidFill>
@@ -6557,7 +6737,7 @@
           <a:sym typeface="Arial"/>
         </a:defRPr>
       </a:lvl6pPr>
-      <a:lvl7pPr lvl="6" marR="0" rtl="0" algn="l">
+      <a:lvl7pPr marR="0" lvl="6" algn="l" rtl="0">
         <a:lnSpc>
           <a:spcPct val="100000"/>
         </a:lnSpc>
@@ -6571,7 +6751,7 @@
           <a:srgbClr val="000000"/>
         </a:buClr>
         <a:buFont typeface="Arial"/>
-        <a:defRPr b="0" i="0" sz="1400" u="none" cap="none" strike="noStrike">
+        <a:defRPr sz="1400" b="0" i="0" u="none" strike="noStrike" cap="none">
           <a:solidFill>
             <a:srgbClr val="000000"/>
           </a:solidFill>
@@ -6581,7 +6761,7 @@
           <a:sym typeface="Arial"/>
         </a:defRPr>
       </a:lvl7pPr>
-      <a:lvl8pPr lvl="7" marR="0" rtl="0" algn="l">
+      <a:lvl8pPr marR="0" lvl="7" algn="l" rtl="0">
         <a:lnSpc>
           <a:spcPct val="100000"/>
         </a:lnSpc>
@@ -6595,7 +6775,7 @@
           <a:srgbClr val="000000"/>
         </a:buClr>
         <a:buFont typeface="Arial"/>
-        <a:defRPr b="0" i="0" sz="1400" u="none" cap="none" strike="noStrike">
+        <a:defRPr sz="1400" b="0" i="0" u="none" strike="noStrike" cap="none">
           <a:solidFill>
             <a:srgbClr val="000000"/>
           </a:solidFill>
@@ -6605,7 +6785,7 @@
           <a:sym typeface="Arial"/>
         </a:defRPr>
       </a:lvl8pPr>
-      <a:lvl9pPr lvl="8" marR="0" rtl="0" algn="l">
+      <a:lvl9pPr marR="0" lvl="8" algn="l" rtl="0">
         <a:lnSpc>
           <a:spcPct val="100000"/>
         </a:lnSpc>
@@ -6619,7 +6799,7 @@
           <a:srgbClr val="000000"/>
         </a:buClr>
         <a:buFont typeface="Arial"/>
-        <a:defRPr b="0" i="0" sz="1400" u="none" cap="none" strike="noStrike">
+        <a:defRPr sz="1400" b="0" i="0" u="none" strike="noStrike" cap="none">
           <a:solidFill>
             <a:srgbClr val="000000"/>
           </a:solidFill>
@@ -6635,11 +6815,11 @@
 </file>
 
 <file path=ppt/slides/slide1.xml><?xml version="1.0" encoding="utf-8"?>
-<p:sld xmlns:a="http://schemas.openxmlformats.org/drawingml/2006/main" xmlns:r="http://schemas.openxmlformats.org/officeDocument/2006/relationships" xmlns:mc="http://schemas.openxmlformats.org/markup-compatibility/2006" xmlns:mv="urn:schemas-microsoft-com:mac:vml" xmlns:p="http://schemas.openxmlformats.org/presentationml/2006/main" xmlns:c="http://schemas.openxmlformats.org/drawingml/2006/chart" xmlns:dgm="http://schemas.openxmlformats.org/drawingml/2006/diagram" xmlns:o="urn:schemas-microsoft-com:office:office" xmlns:v="urn:schemas-microsoft-com:vml" xmlns:pvml="urn:schemas-microsoft-com:office:powerpoint" xmlns:com="http://schemas.openxmlformats.org/drawingml/2006/compatibility" xmlns:p14="http://schemas.microsoft.com/office/powerpoint/2010/main" xmlns:p15="http://schemas.microsoft.com/office/powerpoint/2012/main" xmlns:ahyp="http://schemas.microsoft.com/office/drawing/2018/hyperlinkcolor">
+<p:sld xmlns:a="http://schemas.openxmlformats.org/drawingml/2006/main" xmlns:r="http://schemas.openxmlformats.org/officeDocument/2006/relationships" xmlns:p="http://schemas.openxmlformats.org/presentationml/2006/main">
   <p:cSld>
     <p:spTree>
       <p:nvGrpSpPr>
-        <p:cNvPr id="53" name="Shape 53"/>
+        <p:cNvPr id="1" name="Shape 53"/>
         <p:cNvGrpSpPr/>
         <p:nvPr/>
       </p:nvGrpSpPr>
@@ -6710,7 +6890,9 @@
       <p:sp>
         <p:nvSpPr>
           <p:cNvPr id="56" name="Google Shape;56;p13"/>
-          <p:cNvSpPr txBox="1"/>
+          <p:cNvSpPr txBox="1">
+            <a:spLocks noGrp="1"/>
+          </p:cNvSpPr>
           <p:nvPr>
             <p:ph type="ctrTitle"/>
           </p:nvPr>
@@ -6725,12 +6907,12 @@
           </a:prstGeom>
         </p:spPr>
         <p:txBody>
-          <a:bodyPr anchorCtr="0" anchor="b" bIns="91425" lIns="91425" spcFirstLastPara="1" rIns="91425" wrap="square" tIns="91425">
+          <a:bodyPr spcFirstLastPara="1" wrap="square" lIns="91425" tIns="91425" rIns="91425" bIns="91425" anchor="b" anchorCtr="0">
             <a:normAutofit/>
           </a:bodyPr>
           <a:lstStyle/>
           <a:p>
-            <a:pPr indent="0" lvl="0" marL="0" rtl="0" algn="ctr">
+            <a:pPr marL="0" lvl="0" indent="0" algn="ctr" rtl="0">
               <a:spcBef>
                 <a:spcPts val="0"/>
               </a:spcBef>
@@ -6756,7 +6938,7 @@
             </a:endParaRPr>
           </a:p>
           <a:p>
-            <a:pPr indent="0" lvl="0" marL="0" rtl="0" algn="ctr">
+            <a:pPr marL="0" lvl="0" indent="0" algn="ctr" rtl="0">
               <a:spcBef>
                 <a:spcPts val="0"/>
               </a:spcBef>
@@ -6786,9 +6968,11 @@
       <p:sp>
         <p:nvSpPr>
           <p:cNvPr id="57" name="Google Shape;57;p13"/>
-          <p:cNvSpPr txBox="1"/>
+          <p:cNvSpPr txBox="1">
+            <a:spLocks noGrp="1"/>
+          </p:cNvSpPr>
           <p:nvPr>
-            <p:ph idx="1" type="subTitle"/>
+            <p:ph type="subTitle" idx="1"/>
           </p:nvPr>
         </p:nvSpPr>
         <p:spPr>
@@ -6801,12 +6985,12 @@
           </a:prstGeom>
         </p:spPr>
         <p:txBody>
-          <a:bodyPr anchorCtr="0" anchor="t" bIns="91425" lIns="91425" spcFirstLastPara="1" rIns="91425" wrap="square" tIns="91425">
+          <a:bodyPr spcFirstLastPara="1" wrap="square" lIns="91425" tIns="91425" rIns="91425" bIns="91425" anchor="t" anchorCtr="0">
             <a:normAutofit/>
           </a:bodyPr>
           <a:lstStyle/>
           <a:p>
-            <a:pPr indent="0" lvl="0" marL="0" rtl="0" algn="ctr">
+            <a:pPr marL="0" lvl="0" indent="0" algn="ctr" rtl="0">
               <a:spcBef>
                 <a:spcPts val="0"/>
               </a:spcBef>
@@ -6842,11 +7026,11 @@
 </file>
 
 <file path=ppt/slides/slide10.xml><?xml version="1.0" encoding="utf-8"?>
-<p:sld xmlns:a="http://schemas.openxmlformats.org/drawingml/2006/main" xmlns:r="http://schemas.openxmlformats.org/officeDocument/2006/relationships" xmlns:mc="http://schemas.openxmlformats.org/markup-compatibility/2006" xmlns:mv="urn:schemas-microsoft-com:mac:vml" xmlns:p="http://schemas.openxmlformats.org/presentationml/2006/main" xmlns:c="http://schemas.openxmlformats.org/drawingml/2006/chart" xmlns:dgm="http://schemas.openxmlformats.org/drawingml/2006/diagram" xmlns:o="urn:schemas-microsoft-com:office:office" xmlns:v="urn:schemas-microsoft-com:vml" xmlns:pvml="urn:schemas-microsoft-com:office:powerpoint" xmlns:com="http://schemas.openxmlformats.org/drawingml/2006/compatibility" xmlns:p14="http://schemas.microsoft.com/office/powerpoint/2010/main" xmlns:p15="http://schemas.microsoft.com/office/powerpoint/2012/main" xmlns:ahyp="http://schemas.microsoft.com/office/drawing/2018/hyperlinkcolor">
+<p:sld xmlns:a="http://schemas.openxmlformats.org/drawingml/2006/main" xmlns:r="http://schemas.openxmlformats.org/officeDocument/2006/relationships" xmlns:p="http://schemas.openxmlformats.org/presentationml/2006/main">
   <p:cSld>
     <p:spTree>
       <p:nvGrpSpPr>
-        <p:cNvPr id="122" name="Shape 122"/>
+        <p:cNvPr id="1" name="Shape 122"/>
         <p:cNvGrpSpPr/>
         <p:nvPr/>
       </p:nvGrpSpPr>
@@ -6861,7 +7045,9 @@
       <p:sp>
         <p:nvSpPr>
           <p:cNvPr id="123" name="Google Shape;123;p22"/>
-          <p:cNvSpPr txBox="1"/>
+          <p:cNvSpPr txBox="1">
+            <a:spLocks noGrp="1"/>
+          </p:cNvSpPr>
           <p:nvPr>
             <p:ph type="title"/>
           </p:nvPr>
@@ -6876,12 +7062,12 @@
           </a:prstGeom>
         </p:spPr>
         <p:txBody>
-          <a:bodyPr anchorCtr="0" anchor="t" bIns="91425" lIns="91425" spcFirstLastPara="1" rIns="91425" wrap="square" tIns="91425">
+          <a:bodyPr spcFirstLastPara="1" wrap="square" lIns="91425" tIns="91425" rIns="91425" bIns="91425" anchor="t" anchorCtr="0">
             <a:normAutofit fontScale="90000"/>
           </a:bodyPr>
           <a:lstStyle/>
           <a:p>
-            <a:pPr indent="0" lvl="0" marL="0" rtl="0" algn="l">
+            <a:pPr marL="0" lvl="0" indent="0" algn="l" rtl="0">
               <a:spcBef>
                 <a:spcPts val="0"/>
               </a:spcBef>
@@ -6896,13 +7082,13 @@
               <a:buNone/>
             </a:pPr>
             <a:r>
-              <a:rPr b="1" lang="en" sz="2820"/>
+              <a:rPr lang="en" sz="2820" b="1"/>
               <a:t>Naive Bayes Classifier Performance</a:t>
             </a:r>
-            <a:endParaRPr b="1" sz="2820"/>
-          </a:p>
-          <a:p>
-            <a:pPr indent="0" lvl="0" marL="0" marR="0" rtl="0" algn="l">
+            <a:endParaRPr sz="2820" b="1"/>
+          </a:p>
+          <a:p>
+            <a:pPr marL="0" marR="0" lvl="0" indent="0" algn="l" rtl="0">
               <a:lnSpc>
                 <a:spcPct val="100000"/>
               </a:lnSpc>
@@ -6914,19 +7100,18 @@
               </a:spcAft>
               <a:buNone/>
             </a:pPr>
-            <a:r>
-              <a:t/>
-            </a:r>
-            <a:endParaRPr b="1" sz="2820"/>
+            <a:endParaRPr sz="2820" b="1"/>
           </a:p>
         </p:txBody>
       </p:sp>
       <p:sp>
         <p:nvSpPr>
           <p:cNvPr id="124" name="Google Shape;124;p22"/>
-          <p:cNvSpPr txBox="1"/>
+          <p:cNvSpPr txBox="1">
+            <a:spLocks noGrp="1"/>
+          </p:cNvSpPr>
           <p:nvPr>
-            <p:ph idx="1" type="body"/>
+            <p:ph type="body" idx="1"/>
           </p:nvPr>
         </p:nvSpPr>
         <p:spPr>
@@ -6939,12 +7124,12 @@
           </a:prstGeom>
         </p:spPr>
         <p:txBody>
-          <a:bodyPr anchorCtr="0" anchor="t" bIns="91425" lIns="91425" spcFirstLastPara="1" rIns="91425" wrap="square" tIns="91425">
+          <a:bodyPr spcFirstLastPara="1" wrap="square" lIns="91425" tIns="91425" rIns="91425" bIns="91425" anchor="t" anchorCtr="0">
             <a:noAutofit/>
           </a:bodyPr>
           <a:lstStyle/>
           <a:p>
-            <a:pPr indent="-355600" lvl="0" marL="457200" marR="0" rtl="0" algn="l">
+            <a:pPr marL="457200" marR="0" lvl="0" indent="-355600" algn="l" rtl="0">
               <a:lnSpc>
                 <a:spcPct val="95000"/>
               </a:lnSpc>
@@ -6958,7 +7143,7 @@
               <a:buChar char="●"/>
             </a:pPr>
             <a:r>
-              <a:rPr b="1" lang="en" sz="2000"/>
+              <a:rPr lang="en" sz="2000" b="1"/>
               <a:t>Accuracy:</a:t>
             </a:r>
             <a:r>
@@ -6968,7 +7153,7 @@
             <a:endParaRPr sz="2000"/>
           </a:p>
           <a:p>
-            <a:pPr indent="-355600" lvl="0" marL="457200" marR="0" rtl="0" algn="l">
+            <a:pPr marL="457200" marR="0" lvl="0" indent="-355600" algn="l" rtl="0">
               <a:lnSpc>
                 <a:spcPct val="95000"/>
               </a:lnSpc>
@@ -6982,7 +7167,7 @@
               <a:buChar char="●"/>
             </a:pPr>
             <a:r>
-              <a:rPr b="1" lang="en" sz="2000"/>
+              <a:rPr lang="en" sz="2000" b="1"/>
               <a:t>Precision:</a:t>
             </a:r>
             <a:r>
@@ -6992,7 +7177,7 @@
             <a:endParaRPr sz="2000"/>
           </a:p>
           <a:p>
-            <a:pPr indent="-355600" lvl="0" marL="457200" marR="0" rtl="0" algn="l">
+            <a:pPr marL="457200" marR="0" lvl="0" indent="-355600" algn="l" rtl="0">
               <a:lnSpc>
                 <a:spcPct val="95000"/>
               </a:lnSpc>
@@ -7006,7 +7191,7 @@
               <a:buChar char="●"/>
             </a:pPr>
             <a:r>
-              <a:rPr b="1" lang="en" sz="2000"/>
+              <a:rPr lang="en" sz="2000" b="1"/>
               <a:t>Recall:</a:t>
             </a:r>
             <a:r>
@@ -7016,7 +7201,7 @@
             <a:endParaRPr sz="2000"/>
           </a:p>
           <a:p>
-            <a:pPr indent="-355600" lvl="0" marL="457200" marR="0" rtl="0" algn="l">
+            <a:pPr marL="457200" marR="0" lvl="0" indent="-355600" algn="l" rtl="0">
               <a:lnSpc>
                 <a:spcPct val="95000"/>
               </a:lnSpc>
@@ -7030,7 +7215,7 @@
               <a:buChar char="●"/>
             </a:pPr>
             <a:r>
-              <a:rPr b="1" lang="en" sz="2000"/>
+              <a:rPr lang="en" sz="2000" b="1"/>
               <a:t>False Positive Rate (FP Rate):</a:t>
             </a:r>
             <a:r>
@@ -7040,7 +7225,7 @@
             <a:endParaRPr sz="2000"/>
           </a:p>
           <a:p>
-            <a:pPr indent="-355600" lvl="0" marL="457200" marR="0" rtl="0" algn="l">
+            <a:pPr marL="457200" marR="0" lvl="0" indent="-355600" algn="l" rtl="0">
               <a:lnSpc>
                 <a:spcPct val="95000"/>
               </a:lnSpc>
@@ -7054,7 +7239,7 @@
               <a:buChar char="●"/>
             </a:pPr>
             <a:r>
-              <a:rPr b="1" lang="en" sz="2000"/>
+              <a:rPr lang="en" sz="2000" b="1"/>
               <a:t>ROC AUC (Area Under Curve):</a:t>
             </a:r>
             <a:r>
@@ -7074,11 +7259,11 @@
 </file>
 
 <file path=ppt/slides/slide11.xml><?xml version="1.0" encoding="utf-8"?>
-<p:sld xmlns:a="http://schemas.openxmlformats.org/drawingml/2006/main" xmlns:r="http://schemas.openxmlformats.org/officeDocument/2006/relationships" xmlns:mc="http://schemas.openxmlformats.org/markup-compatibility/2006" xmlns:mv="urn:schemas-microsoft-com:mac:vml" xmlns:p="http://schemas.openxmlformats.org/presentationml/2006/main" xmlns:c="http://schemas.openxmlformats.org/drawingml/2006/chart" xmlns:dgm="http://schemas.openxmlformats.org/drawingml/2006/diagram" xmlns:o="urn:schemas-microsoft-com:office:office" xmlns:v="urn:schemas-microsoft-com:vml" xmlns:pvml="urn:schemas-microsoft-com:office:powerpoint" xmlns:com="http://schemas.openxmlformats.org/drawingml/2006/compatibility" xmlns:p14="http://schemas.microsoft.com/office/powerpoint/2010/main" xmlns:p15="http://schemas.microsoft.com/office/powerpoint/2012/main" xmlns:ahyp="http://schemas.microsoft.com/office/drawing/2018/hyperlinkcolor">
+<p:sld xmlns:a="http://schemas.openxmlformats.org/drawingml/2006/main" xmlns:r="http://schemas.openxmlformats.org/officeDocument/2006/relationships" xmlns:p="http://schemas.openxmlformats.org/presentationml/2006/main">
   <p:cSld>
     <p:spTree>
       <p:nvGrpSpPr>
-        <p:cNvPr id="128" name="Shape 128"/>
+        <p:cNvPr id="1" name="Shape 128"/>
         <p:cNvGrpSpPr/>
         <p:nvPr/>
       </p:nvGrpSpPr>
@@ -7093,7 +7278,9 @@
       <p:sp>
         <p:nvSpPr>
           <p:cNvPr id="129" name="Google Shape;129;p23"/>
-          <p:cNvSpPr txBox="1"/>
+          <p:cNvSpPr txBox="1">
+            <a:spLocks noGrp="1"/>
+          </p:cNvSpPr>
           <p:nvPr>
             <p:ph type="title"/>
           </p:nvPr>
@@ -7108,12 +7295,12 @@
           </a:prstGeom>
         </p:spPr>
         <p:txBody>
-          <a:bodyPr anchorCtr="0" anchor="t" bIns="91425" lIns="91425" spcFirstLastPara="1" rIns="91425" wrap="square" tIns="91425">
+          <a:bodyPr spcFirstLastPara="1" wrap="square" lIns="91425" tIns="91425" rIns="91425" bIns="91425" anchor="t" anchorCtr="0">
             <a:normAutofit fontScale="90000"/>
           </a:bodyPr>
           <a:lstStyle/>
           <a:p>
-            <a:pPr indent="0" lvl="0" marL="0" marR="0" rtl="0" algn="l">
+            <a:pPr marL="0" marR="0" lvl="0" indent="0" algn="l" rtl="0">
               <a:lnSpc>
                 <a:spcPct val="100000"/>
               </a:lnSpc>
@@ -7126,23 +7313,21 @@
               <a:buNone/>
             </a:pPr>
             <a:r>
-              <a:rPr b="1" lang="en" sz="2820"/>
-              <a:t>Random Forest Classifier</a:t>
+              <a:rPr lang="en" sz="2820" b="1"/>
+              <a:t>Random Forest Classifier Performance</a:t>
             </a:r>
-            <a:r>
-              <a:rPr b="1" lang="en" sz="2820"/>
-              <a:t> Performance</a:t>
-            </a:r>
-            <a:endParaRPr b="1" sz="2820"/>
+            <a:endParaRPr sz="2820" b="1"/>
           </a:p>
         </p:txBody>
       </p:sp>
       <p:sp>
         <p:nvSpPr>
           <p:cNvPr id="130" name="Google Shape;130;p23"/>
-          <p:cNvSpPr txBox="1"/>
+          <p:cNvSpPr txBox="1">
+            <a:spLocks noGrp="1"/>
+          </p:cNvSpPr>
           <p:nvPr>
-            <p:ph idx="1" type="body"/>
+            <p:ph type="body" idx="1"/>
           </p:nvPr>
         </p:nvSpPr>
         <p:spPr>
@@ -7155,12 +7340,12 @@
           </a:prstGeom>
         </p:spPr>
         <p:txBody>
-          <a:bodyPr anchorCtr="0" anchor="t" bIns="91425" lIns="91425" spcFirstLastPara="1" rIns="91425" wrap="square" tIns="91425">
+          <a:bodyPr spcFirstLastPara="1" wrap="square" lIns="91425" tIns="91425" rIns="91425" bIns="91425" anchor="t" anchorCtr="0">
             <a:normAutofit/>
           </a:bodyPr>
           <a:lstStyle/>
           <a:p>
-            <a:pPr indent="0" lvl="0" marL="0" rtl="0" algn="l">
+            <a:pPr marL="0" lvl="0" indent="0" algn="l" rtl="0">
               <a:spcBef>
                 <a:spcPts val="0"/>
               </a:spcBef>
@@ -7169,9 +7354,6 @@
               </a:spcAft>
               <a:buNone/>
             </a:pPr>
-            <a:r>
-              <a:t/>
-            </a:r>
             <a:endParaRPr/>
           </a:p>
         </p:txBody>
@@ -7241,11 +7423,11 @@
 </file>
 
 <file path=ppt/slides/slide12.xml><?xml version="1.0" encoding="utf-8"?>
-<p:sld xmlns:a="http://schemas.openxmlformats.org/drawingml/2006/main" xmlns:r="http://schemas.openxmlformats.org/officeDocument/2006/relationships" xmlns:mc="http://schemas.openxmlformats.org/markup-compatibility/2006" xmlns:mv="urn:schemas-microsoft-com:mac:vml" xmlns:p="http://schemas.openxmlformats.org/presentationml/2006/main" xmlns:c="http://schemas.openxmlformats.org/drawingml/2006/chart" xmlns:dgm="http://schemas.openxmlformats.org/drawingml/2006/diagram" xmlns:o="urn:schemas-microsoft-com:office:office" xmlns:v="urn:schemas-microsoft-com:vml" xmlns:pvml="urn:schemas-microsoft-com:office:powerpoint" xmlns:com="http://schemas.openxmlformats.org/drawingml/2006/compatibility" xmlns:p14="http://schemas.microsoft.com/office/powerpoint/2010/main" xmlns:p15="http://schemas.microsoft.com/office/powerpoint/2012/main" xmlns:ahyp="http://schemas.microsoft.com/office/drawing/2018/hyperlinkcolor">
+<p:sld xmlns:a="http://schemas.openxmlformats.org/drawingml/2006/main" xmlns:r="http://schemas.openxmlformats.org/officeDocument/2006/relationships" xmlns:p="http://schemas.openxmlformats.org/presentationml/2006/main">
   <p:cSld>
     <p:spTree>
       <p:nvGrpSpPr>
-        <p:cNvPr id="136" name="Shape 136"/>
+        <p:cNvPr id="1" name="Shape 136"/>
         <p:cNvGrpSpPr/>
         <p:nvPr/>
       </p:nvGrpSpPr>
@@ -7260,7 +7442,9 @@
       <p:sp>
         <p:nvSpPr>
           <p:cNvPr id="137" name="Google Shape;137;p24"/>
-          <p:cNvSpPr txBox="1"/>
+          <p:cNvSpPr txBox="1">
+            <a:spLocks noGrp="1"/>
+          </p:cNvSpPr>
           <p:nvPr>
             <p:ph type="title"/>
           </p:nvPr>
@@ -7275,12 +7459,12 @@
           </a:prstGeom>
         </p:spPr>
         <p:txBody>
-          <a:bodyPr anchorCtr="0" anchor="t" bIns="91425" lIns="91425" spcFirstLastPara="1" rIns="91425" wrap="square" tIns="91425">
+          <a:bodyPr spcFirstLastPara="1" wrap="square" lIns="91425" tIns="91425" rIns="91425" bIns="91425" anchor="t" anchorCtr="0">
             <a:normAutofit fontScale="90000"/>
           </a:bodyPr>
           <a:lstStyle/>
           <a:p>
-            <a:pPr indent="0" lvl="0" marL="0" rtl="0" algn="l">
+            <a:pPr marL="0" lvl="0" indent="0" algn="l" rtl="0">
               <a:spcBef>
                 <a:spcPts val="0"/>
               </a:spcBef>
@@ -7290,17 +7474,13 @@
               <a:buNone/>
             </a:pPr>
             <a:r>
-              <a:rPr b="1" lang="en" sz="2820"/>
-              <a:t>Random For</a:t>
+              <a:rPr lang="en" sz="2820" b="1"/>
+              <a:t>Random Forest Classifier Performance</a:t>
             </a:r>
-            <a:r>
-              <a:rPr b="1" lang="en" sz="2820"/>
-              <a:t>est Classifier Performance</a:t>
-            </a:r>
-            <a:endParaRPr b="1" sz="2820"/>
-          </a:p>
-          <a:p>
-            <a:pPr indent="0" lvl="0" marL="0" marR="0" rtl="0" algn="l">
+            <a:endParaRPr sz="2820" b="1"/>
+          </a:p>
+          <a:p>
+            <a:pPr marL="0" marR="0" lvl="0" indent="0" algn="l" rtl="0">
               <a:lnSpc>
                 <a:spcPct val="100000"/>
               </a:lnSpc>
@@ -7312,19 +7492,18 @@
               </a:spcAft>
               <a:buNone/>
             </a:pPr>
-            <a:r>
-              <a:t/>
-            </a:r>
-            <a:endParaRPr b="1" sz="2820"/>
+            <a:endParaRPr sz="2820" b="1"/>
           </a:p>
         </p:txBody>
       </p:sp>
       <p:sp>
         <p:nvSpPr>
           <p:cNvPr id="138" name="Google Shape;138;p24"/>
-          <p:cNvSpPr txBox="1"/>
+          <p:cNvSpPr txBox="1">
+            <a:spLocks noGrp="1"/>
+          </p:cNvSpPr>
           <p:nvPr>
-            <p:ph idx="1" type="body"/>
+            <p:ph type="body" idx="1"/>
           </p:nvPr>
         </p:nvSpPr>
         <p:spPr>
@@ -7337,12 +7516,12 @@
           </a:prstGeom>
         </p:spPr>
         <p:txBody>
-          <a:bodyPr anchorCtr="0" anchor="t" bIns="91425" lIns="91425" spcFirstLastPara="1" rIns="91425" wrap="square" tIns="91425">
+          <a:bodyPr spcFirstLastPara="1" wrap="square" lIns="91425" tIns="91425" rIns="91425" bIns="91425" anchor="t" anchorCtr="0">
             <a:noAutofit/>
           </a:bodyPr>
           <a:lstStyle/>
           <a:p>
-            <a:pPr indent="-355600" lvl="0" marL="457200" marR="0" rtl="0" algn="l">
+            <a:pPr marL="457200" marR="0" lvl="0" indent="-355600" algn="l" rtl="0">
               <a:lnSpc>
                 <a:spcPct val="95000"/>
               </a:lnSpc>
@@ -7356,7 +7535,7 @@
               <a:buChar char="●"/>
             </a:pPr>
             <a:r>
-              <a:rPr b="1" lang="en" sz="2000"/>
+              <a:rPr lang="en" sz="2000" b="1"/>
               <a:t>Accuracy:</a:t>
             </a:r>
             <a:r>
@@ -7366,7 +7545,7 @@
             <a:endParaRPr sz="2000"/>
           </a:p>
           <a:p>
-            <a:pPr indent="-355600" lvl="0" marL="457200" marR="0" rtl="0" algn="l">
+            <a:pPr marL="457200" marR="0" lvl="0" indent="-355600" algn="l" rtl="0">
               <a:lnSpc>
                 <a:spcPct val="95000"/>
               </a:lnSpc>
@@ -7380,7 +7559,7 @@
               <a:buChar char="●"/>
             </a:pPr>
             <a:r>
-              <a:rPr b="1" lang="en" sz="2000"/>
+              <a:rPr lang="en" sz="2000" b="1"/>
               <a:t>Precision:</a:t>
             </a:r>
             <a:r>
@@ -7390,7 +7569,7 @@
             <a:endParaRPr sz="2000"/>
           </a:p>
           <a:p>
-            <a:pPr indent="-355600" lvl="0" marL="457200" marR="0" rtl="0" algn="l">
+            <a:pPr marL="457200" marR="0" lvl="0" indent="-355600" algn="l" rtl="0">
               <a:lnSpc>
                 <a:spcPct val="95000"/>
               </a:lnSpc>
@@ -7404,7 +7583,7 @@
               <a:buChar char="●"/>
             </a:pPr>
             <a:r>
-              <a:rPr b="1" lang="en" sz="2000"/>
+              <a:rPr lang="en" sz="2000" b="1"/>
               <a:t>Recall:</a:t>
             </a:r>
             <a:r>
@@ -7414,7 +7593,7 @@
             <a:endParaRPr sz="2000"/>
           </a:p>
           <a:p>
-            <a:pPr indent="-355600" lvl="0" marL="457200" marR="0" rtl="0" algn="l">
+            <a:pPr marL="457200" marR="0" lvl="0" indent="-355600" algn="l" rtl="0">
               <a:lnSpc>
                 <a:spcPct val="95000"/>
               </a:lnSpc>
@@ -7428,7 +7607,7 @@
               <a:buChar char="●"/>
             </a:pPr>
             <a:r>
-              <a:rPr b="1" lang="en" sz="2000"/>
+              <a:rPr lang="en" sz="2000" b="1"/>
               <a:t>False Positive Rate (FP Rate):</a:t>
             </a:r>
             <a:r>
@@ -7438,7 +7617,7 @@
             <a:endParaRPr sz="2000"/>
           </a:p>
           <a:p>
-            <a:pPr indent="-355600" lvl="0" marL="457200" marR="0" rtl="0" algn="l">
+            <a:pPr marL="457200" marR="0" lvl="0" indent="-355600" algn="l" rtl="0">
               <a:lnSpc>
                 <a:spcPct val="95000"/>
               </a:lnSpc>
@@ -7452,7 +7631,7 @@
               <a:buChar char="●"/>
             </a:pPr>
             <a:r>
-              <a:rPr b="1" lang="en" sz="2000"/>
+              <a:rPr lang="en" sz="2000" b="1"/>
               <a:t>ROC AUC (Area Under Curve):</a:t>
             </a:r>
             <a:r>
@@ -7472,11 +7651,11 @@
 </file>
 
 <file path=ppt/slides/slide13.xml><?xml version="1.0" encoding="utf-8"?>
-<p:sld xmlns:a="http://schemas.openxmlformats.org/drawingml/2006/main" xmlns:r="http://schemas.openxmlformats.org/officeDocument/2006/relationships" xmlns:mc="http://schemas.openxmlformats.org/markup-compatibility/2006" xmlns:mv="urn:schemas-microsoft-com:mac:vml" xmlns:p="http://schemas.openxmlformats.org/presentationml/2006/main" xmlns:c="http://schemas.openxmlformats.org/drawingml/2006/chart" xmlns:dgm="http://schemas.openxmlformats.org/drawingml/2006/diagram" xmlns:o="urn:schemas-microsoft-com:office:office" xmlns:v="urn:schemas-microsoft-com:vml" xmlns:pvml="urn:schemas-microsoft-com:office:powerpoint" xmlns:com="http://schemas.openxmlformats.org/drawingml/2006/compatibility" xmlns:p14="http://schemas.microsoft.com/office/powerpoint/2010/main" xmlns:p15="http://schemas.microsoft.com/office/powerpoint/2012/main" xmlns:ahyp="http://schemas.microsoft.com/office/drawing/2018/hyperlinkcolor">
+<p:sld xmlns:a="http://schemas.openxmlformats.org/drawingml/2006/main" xmlns:r="http://schemas.openxmlformats.org/officeDocument/2006/relationships" xmlns:p="http://schemas.openxmlformats.org/presentationml/2006/main">
   <p:cSld>
     <p:spTree>
       <p:nvGrpSpPr>
-        <p:cNvPr id="142" name="Shape 142"/>
+        <p:cNvPr id="1" name="Shape 142"/>
         <p:cNvGrpSpPr/>
         <p:nvPr/>
       </p:nvGrpSpPr>
@@ -7491,7 +7670,9 @@
       <p:sp>
         <p:nvSpPr>
           <p:cNvPr id="143" name="Google Shape;143;p25"/>
-          <p:cNvSpPr txBox="1"/>
+          <p:cNvSpPr txBox="1">
+            <a:spLocks noGrp="1"/>
+          </p:cNvSpPr>
           <p:nvPr>
             <p:ph type="title"/>
           </p:nvPr>
@@ -7506,12 +7687,12 @@
           </a:prstGeom>
         </p:spPr>
         <p:txBody>
-          <a:bodyPr anchorCtr="0" anchor="t" bIns="91425" lIns="91425" spcFirstLastPara="1" rIns="91425" wrap="square" tIns="91425">
+          <a:bodyPr spcFirstLastPara="1" wrap="square" lIns="91425" tIns="91425" rIns="91425" bIns="91425" anchor="t" anchorCtr="0">
             <a:normAutofit fontScale="90000"/>
           </a:bodyPr>
           <a:lstStyle/>
           <a:p>
-            <a:pPr indent="0" lvl="0" marL="0" rtl="0" algn="l">
+            <a:pPr marL="0" lvl="0" indent="0" algn="l" rtl="0">
               <a:spcBef>
                 <a:spcPts val="0"/>
               </a:spcBef>
@@ -7521,17 +7702,13 @@
               <a:buNone/>
             </a:pPr>
             <a:r>
-              <a:rPr b="1" lang="en" sz="2820"/>
-              <a:t>Long Term Short Memory Neural Network </a:t>
+              <a:rPr lang="en" sz="2820" b="1"/>
+              <a:t>Long Term Short Memory Neural Network Performance</a:t>
             </a:r>
-            <a:r>
-              <a:rPr b="1" lang="en" sz="2820"/>
-              <a:t>Performance</a:t>
-            </a:r>
-            <a:endParaRPr b="1" sz="2820"/>
-          </a:p>
-          <a:p>
-            <a:pPr indent="0" lvl="0" marL="0" marR="0" rtl="0" algn="l">
+            <a:endParaRPr sz="2820" b="1"/>
+          </a:p>
+          <a:p>
+            <a:pPr marL="0" marR="0" lvl="0" indent="0" algn="l" rtl="0">
               <a:lnSpc>
                 <a:spcPct val="100000"/>
               </a:lnSpc>
@@ -7543,10 +7720,7 @@
               </a:spcAft>
               <a:buNone/>
             </a:pPr>
-            <a:r>
-              <a:t/>
-            </a:r>
-            <a:endParaRPr b="1" sz="2820"/>
+            <a:endParaRPr sz="2820" b="1"/>
           </a:p>
         </p:txBody>
       </p:sp>
@@ -7615,11 +7789,11 @@
 </file>
 
 <file path=ppt/slides/slide2.xml><?xml version="1.0" encoding="utf-8"?>
-<p:sld xmlns:a="http://schemas.openxmlformats.org/drawingml/2006/main" xmlns:r="http://schemas.openxmlformats.org/officeDocument/2006/relationships" xmlns:mc="http://schemas.openxmlformats.org/markup-compatibility/2006" xmlns:mv="urn:schemas-microsoft-com:mac:vml" xmlns:p="http://schemas.openxmlformats.org/presentationml/2006/main" xmlns:c="http://schemas.openxmlformats.org/drawingml/2006/chart" xmlns:dgm="http://schemas.openxmlformats.org/drawingml/2006/diagram" xmlns:o="urn:schemas-microsoft-com:office:office" xmlns:v="urn:schemas-microsoft-com:vml" xmlns:pvml="urn:schemas-microsoft-com:office:powerpoint" xmlns:com="http://schemas.openxmlformats.org/drawingml/2006/compatibility" xmlns:p14="http://schemas.microsoft.com/office/powerpoint/2010/main" xmlns:p15="http://schemas.microsoft.com/office/powerpoint/2012/main" xmlns:ahyp="http://schemas.microsoft.com/office/drawing/2018/hyperlinkcolor">
+<p:sld xmlns:a="http://schemas.openxmlformats.org/drawingml/2006/main" xmlns:r="http://schemas.openxmlformats.org/officeDocument/2006/relationships" xmlns:p="http://schemas.openxmlformats.org/presentationml/2006/main">
   <p:cSld>
     <p:spTree>
       <p:nvGrpSpPr>
-        <p:cNvPr id="61" name="Shape 61"/>
+        <p:cNvPr id="1" name="Shape 61"/>
         <p:cNvGrpSpPr/>
         <p:nvPr/>
       </p:nvGrpSpPr>
@@ -7634,7 +7808,9 @@
       <p:sp>
         <p:nvSpPr>
           <p:cNvPr id="62" name="Google Shape;62;p14"/>
-          <p:cNvSpPr txBox="1"/>
+          <p:cNvSpPr txBox="1">
+            <a:spLocks noGrp="1"/>
+          </p:cNvSpPr>
           <p:nvPr>
             <p:ph type="title"/>
           </p:nvPr>
@@ -7649,12 +7825,12 @@
           </a:prstGeom>
         </p:spPr>
         <p:txBody>
-          <a:bodyPr anchorCtr="0" anchor="t" bIns="91425" lIns="91425" spcFirstLastPara="1" rIns="91425" wrap="square" tIns="91425">
+          <a:bodyPr spcFirstLastPara="1" wrap="square" lIns="91425" tIns="91425" rIns="91425" bIns="91425" anchor="t" anchorCtr="0">
             <a:noAutofit/>
           </a:bodyPr>
           <a:lstStyle/>
           <a:p>
-            <a:pPr indent="0" lvl="0" marL="0" rtl="0" algn="l">
+            <a:pPr marL="0" lvl="0" indent="0" algn="l" rtl="0">
               <a:spcBef>
                 <a:spcPts val="0"/>
               </a:spcBef>
@@ -7665,19 +7841,21 @@
               <a:buNone/>
             </a:pPr>
             <a:r>
-              <a:rPr b="1" lang="en" sz="2820"/>
+              <a:rPr lang="en" sz="2820" b="1"/>
               <a:t>Introduction</a:t>
             </a:r>
-            <a:endParaRPr b="1" sz="2820"/>
+            <a:endParaRPr sz="2820" b="1"/>
           </a:p>
         </p:txBody>
       </p:sp>
       <p:sp>
         <p:nvSpPr>
           <p:cNvPr id="63" name="Google Shape;63;p14"/>
-          <p:cNvSpPr txBox="1"/>
+          <p:cNvSpPr txBox="1">
+            <a:spLocks noGrp="1"/>
+          </p:cNvSpPr>
           <p:nvPr>
-            <p:ph idx="1" type="body"/>
+            <p:ph type="body" idx="1"/>
           </p:nvPr>
         </p:nvSpPr>
         <p:spPr>
@@ -7690,12 +7868,12 @@
           </a:prstGeom>
         </p:spPr>
         <p:txBody>
-          <a:bodyPr anchorCtr="0" anchor="t" bIns="91425" lIns="91425" spcFirstLastPara="1" rIns="91425" wrap="square" tIns="91425">
+          <a:bodyPr spcFirstLastPara="1" wrap="square" lIns="91425" tIns="91425" rIns="91425" bIns="91425" anchor="t" anchorCtr="0">
             <a:noAutofit/>
           </a:bodyPr>
           <a:lstStyle/>
           <a:p>
-            <a:pPr indent="0" lvl="0" marL="0" marR="0" rtl="0" algn="l">
+            <a:pPr marL="0" marR="0" lvl="0" indent="0" algn="l" rtl="0">
               <a:lnSpc>
                 <a:spcPct val="95000"/>
               </a:lnSpc>
@@ -7709,13 +7887,13 @@
               <a:buNone/>
             </a:pPr>
             <a:r>
-              <a:rPr lang="en" sz="1460"/>
+              <a:rPr lang="en" sz="1460" dirty="0"/>
               <a:t>Project Goal: Analyze meteorological data to predict rainfall probability for the following day.</a:t>
             </a:r>
-            <a:endParaRPr sz="1460"/>
-          </a:p>
-          <a:p>
-            <a:pPr indent="0" lvl="0" marL="0" marR="0" rtl="0" algn="l">
+            <a:endParaRPr sz="1460" dirty="0"/>
+          </a:p>
+          <a:p>
+            <a:pPr marL="0" marR="0" lvl="0" indent="0" algn="l" rtl="0">
               <a:lnSpc>
                 <a:spcPct val="95000"/>
               </a:lnSpc>
@@ -7729,13 +7907,13 @@
               <a:buNone/>
             </a:pPr>
             <a:r>
-              <a:rPr lang="en" sz="1460"/>
+              <a:rPr lang="en" sz="1460" dirty="0"/>
               <a:t>Data Source: Australian Bureau of Meteorology (BOM) dataset from Kaggle.</a:t>
             </a:r>
-            <a:endParaRPr sz="1460"/>
-          </a:p>
-          <a:p>
-            <a:pPr indent="0" lvl="0" marL="0" marR="0" rtl="0" algn="l">
+            <a:endParaRPr sz="1460" dirty="0"/>
+          </a:p>
+          <a:p>
+            <a:pPr marL="0" marR="0" lvl="0" indent="0" algn="l" rtl="0">
               <a:lnSpc>
                 <a:spcPct val="95000"/>
               </a:lnSpc>
@@ -7749,17 +7927,17 @@
               <a:buNone/>
             </a:pPr>
             <a:r>
-              <a:rPr lang="en" sz="1460"/>
+              <a:rPr lang="en" sz="1460" dirty="0"/>
               <a:t>Motivation:</a:t>
             </a:r>
-            <a:endParaRPr sz="1180">
+            <a:endParaRPr sz="1180" dirty="0">
               <a:solidFill>
                 <a:schemeClr val="dk1"/>
               </a:solidFill>
             </a:endParaRPr>
           </a:p>
           <a:p>
-            <a:pPr indent="-321310" lvl="0" marL="457200" rtl="0" algn="l">
+            <a:pPr marL="457200" lvl="0" indent="-321310" algn="l" rtl="0">
               <a:lnSpc>
                 <a:spcPct val="95000"/>
               </a:lnSpc>
@@ -7773,13 +7951,13 @@
               <a:buChar char="●"/>
             </a:pPr>
             <a:r>
-              <a:rPr lang="en" sz="1460"/>
+              <a:rPr lang="en" sz="1460" dirty="0"/>
               <a:t>Increase understanding of weather patterns and their influence on rainfall in a location suffering from dramatic swings in trends.</a:t>
             </a:r>
-            <a:endParaRPr sz="1460"/>
-          </a:p>
-          <a:p>
-            <a:pPr indent="-321310" lvl="0" marL="457200" rtl="0" algn="l">
+            <a:endParaRPr sz="1460" dirty="0"/>
+          </a:p>
+          <a:p>
+            <a:pPr marL="457200" lvl="0" indent="-321310" algn="l" rtl="0">
               <a:lnSpc>
                 <a:spcPct val="95000"/>
               </a:lnSpc>
@@ -7793,17 +7971,17 @@
               <a:buChar char="●"/>
             </a:pPr>
             <a:r>
-              <a:rPr lang="en" sz="1460"/>
+              <a:rPr lang="en" sz="1460" dirty="0"/>
               <a:t>Highlight the importance of weather forecasting, especially for near-term predictions.</a:t>
             </a:r>
-            <a:endParaRPr sz="1180">
+            <a:endParaRPr sz="1180" dirty="0">
               <a:solidFill>
                 <a:schemeClr val="dk1"/>
               </a:solidFill>
             </a:endParaRPr>
           </a:p>
           <a:p>
-            <a:pPr indent="0" lvl="0" marL="0" rtl="0" algn="l">
+            <a:pPr marL="0" lvl="0" indent="0" algn="l" rtl="0">
               <a:lnSpc>
                 <a:spcPct val="95000"/>
               </a:lnSpc>
@@ -7817,37 +7995,72 @@
               <a:buNone/>
             </a:pPr>
             <a:r>
-              <a:rPr lang="en" sz="1460"/>
+              <a:rPr lang="en" sz="1460" dirty="0"/>
               <a:t>Methodology:</a:t>
             </a:r>
-            <a:endParaRPr sz="1180">
-              <a:solidFill>
-                <a:schemeClr val="dk1"/>
-              </a:solidFill>
-            </a:endParaRPr>
-          </a:p>
-          <a:p>
-            <a:pPr indent="-321310" lvl="0" marL="457200" marR="0" rtl="0" algn="l">
+          </a:p>
+          <a:p>
+            <a:pPr marL="457200" marR="0" lvl="0" indent="-321310" algn="l" rtl="0">
               <a:lnSpc>
                 <a:spcPct val="95000"/>
               </a:lnSpc>
               <a:spcBef>
-                <a:spcPts val="1200"/>
+                <a:spcPts val="0"/>
               </a:spcBef>
               <a:spcAft>
                 <a:spcPts val="0"/>
               </a:spcAft>
               <a:buSzPts val="1460"/>
               <a:buChar char="●"/>
+            </a:pPr>
+            <a:r>
+              <a:rPr lang="it-IT" sz="1460" dirty="0" err="1"/>
+              <a:t>Visualise</a:t>
+            </a:r>
+            <a:r>
+              <a:rPr lang="it-IT" sz="1460" dirty="0"/>
+              <a:t> and </a:t>
+            </a:r>
+            <a:r>
+              <a:rPr lang="it-IT" sz="1460" dirty="0" err="1"/>
+              <a:t>preprocess</a:t>
+            </a:r>
+            <a:r>
+              <a:rPr lang="it-IT" sz="1460" dirty="0"/>
+              <a:t> the data to </a:t>
+            </a:r>
+            <a:r>
+              <a:rPr lang="it-IT" sz="1460" dirty="0" err="1"/>
+              <a:t>perform</a:t>
+            </a:r>
+            <a:r>
+              <a:rPr lang="it-IT" sz="1460" dirty="0"/>
+              <a:t> data </a:t>
+            </a:r>
+            <a:r>
+              <a:rPr lang="it-IT" sz="1460" dirty="0" err="1"/>
+              <a:t>analysis</a:t>
+            </a:r>
+            <a:r>
+              <a:rPr lang="it-IT" sz="1460" dirty="0"/>
+              <a:t>.</a:t>
+            </a:r>
+          </a:p>
+          <a:p>
+            <a:pPr indent="-321310">
+              <a:lnSpc>
+                <a:spcPct val="95000"/>
+              </a:lnSpc>
+              <a:buSzPts val="1460"/>
             </a:pPr>
             <a:r>
               <a:rPr lang="en" sz="1460"/>
               <a:t>Utilize data mining techniques learned throughout the semester.</a:t>
             </a:r>
-            <a:endParaRPr sz="1460"/>
-          </a:p>
-          <a:p>
-            <a:pPr indent="-321310" lvl="0" marL="457200" marR="0" rtl="0" algn="l">
+            <a:endParaRPr lang="en" sz="1460" dirty="0"/>
+          </a:p>
+          <a:p>
+            <a:pPr marL="457200" marR="0" lvl="0" indent="-321310" algn="l" rtl="0">
               <a:lnSpc>
                 <a:spcPct val="95000"/>
               </a:lnSpc>
@@ -7861,17 +8074,17 @@
               <a:buChar char="●"/>
             </a:pPr>
             <a:r>
-              <a:rPr lang="en" sz="1460"/>
+              <a:rPr lang="en" sz="1460" dirty="0"/>
               <a:t>Implement various machine learning models:</a:t>
             </a:r>
-            <a:endParaRPr sz="1180">
+            <a:endParaRPr sz="1180" dirty="0">
               <a:solidFill>
                 <a:schemeClr val="dk1"/>
               </a:solidFill>
             </a:endParaRPr>
           </a:p>
           <a:p>
-            <a:pPr indent="-303530" lvl="1" marL="914400" rtl="0" algn="l">
+            <a:pPr marL="914400" lvl="1" indent="-303530" algn="l" rtl="0">
               <a:lnSpc>
                 <a:spcPct val="95000"/>
               </a:lnSpc>
@@ -7888,13 +8101,13 @@
               <a:buChar char="○"/>
             </a:pPr>
             <a:r>
-              <a:rPr lang="en" sz="1460"/>
+              <a:rPr lang="en" sz="1460" dirty="0"/>
               <a:t>K-Nearest Neighbors (KNN) </a:t>
             </a:r>
-            <a:endParaRPr sz="1460"/>
-          </a:p>
-          <a:p>
-            <a:pPr indent="-303530" lvl="1" marL="914400" rtl="0" algn="l">
+            <a:endParaRPr sz="1460" dirty="0"/>
+          </a:p>
+          <a:p>
+            <a:pPr marL="914400" lvl="1" indent="-303530" algn="l" rtl="0">
               <a:lnSpc>
                 <a:spcPct val="95000"/>
               </a:lnSpc>
@@ -7911,13 +8124,13 @@
               <a:buChar char="○"/>
             </a:pPr>
             <a:r>
-              <a:rPr lang="en" sz="1460"/>
+              <a:rPr lang="en" sz="1460" dirty="0"/>
               <a:t>Naive Bayes: Simple and efficient classifier.</a:t>
             </a:r>
-            <a:endParaRPr sz="1460"/>
-          </a:p>
-          <a:p>
-            <a:pPr indent="-303530" lvl="1" marL="914400" rtl="0" algn="l">
+            <a:endParaRPr sz="1460" dirty="0"/>
+          </a:p>
+          <a:p>
+            <a:pPr marL="914400" lvl="1" indent="-303530" algn="l" rtl="0">
               <a:lnSpc>
                 <a:spcPct val="95000"/>
               </a:lnSpc>
@@ -7934,13 +8147,13 @@
               <a:buChar char="○"/>
             </a:pPr>
             <a:r>
-              <a:rPr lang="en" sz="1460"/>
+              <a:rPr lang="en" sz="1460" dirty="0"/>
               <a:t>Random Forest: Robust against overfitting and handles complex interactions.</a:t>
             </a:r>
-            <a:endParaRPr sz="1460"/>
-          </a:p>
-          <a:p>
-            <a:pPr indent="-303530" lvl="1" marL="914400" rtl="0" algn="l">
+            <a:endParaRPr sz="1460" dirty="0"/>
+          </a:p>
+          <a:p>
+            <a:pPr marL="914400" lvl="1" indent="-303530" algn="l" rtl="0">
               <a:lnSpc>
                 <a:spcPct val="95000"/>
               </a:lnSpc>
@@ -7957,10 +8170,10 @@
               <a:buChar char="○"/>
             </a:pPr>
             <a:r>
-              <a:rPr lang="en" sz="1460"/>
+              <a:rPr lang="en" sz="1460" dirty="0"/>
               <a:t>Long Short-Term Memory (LSTM) neural network: Captures temporal patterns in the data.</a:t>
             </a:r>
-            <a:endParaRPr sz="1180"/>
+            <a:endParaRPr sz="1180" dirty="0"/>
           </a:p>
         </p:txBody>
       </p:sp>
@@ -7973,11 +8186,11 @@
 </file>
 
 <file path=ppt/slides/slide3.xml><?xml version="1.0" encoding="utf-8"?>
-<p:sld xmlns:a="http://schemas.openxmlformats.org/drawingml/2006/main" xmlns:r="http://schemas.openxmlformats.org/officeDocument/2006/relationships" xmlns:mc="http://schemas.openxmlformats.org/markup-compatibility/2006" xmlns:mv="urn:schemas-microsoft-com:mac:vml" xmlns:p="http://schemas.openxmlformats.org/presentationml/2006/main" xmlns:c="http://schemas.openxmlformats.org/drawingml/2006/chart" xmlns:dgm="http://schemas.openxmlformats.org/drawingml/2006/diagram" xmlns:o="urn:schemas-microsoft-com:office:office" xmlns:v="urn:schemas-microsoft-com:vml" xmlns:pvml="urn:schemas-microsoft-com:office:powerpoint" xmlns:com="http://schemas.openxmlformats.org/drawingml/2006/compatibility" xmlns:p14="http://schemas.microsoft.com/office/powerpoint/2010/main" xmlns:p15="http://schemas.microsoft.com/office/powerpoint/2012/main" xmlns:ahyp="http://schemas.microsoft.com/office/drawing/2018/hyperlinkcolor">
+<p:sld xmlns:a="http://schemas.openxmlformats.org/drawingml/2006/main" xmlns:r="http://schemas.openxmlformats.org/officeDocument/2006/relationships" xmlns:p="http://schemas.openxmlformats.org/presentationml/2006/main">
   <p:cSld>
     <p:spTree>
       <p:nvGrpSpPr>
-        <p:cNvPr id="67" name="Shape 67"/>
+        <p:cNvPr id="1" name="Shape 67"/>
         <p:cNvGrpSpPr/>
         <p:nvPr/>
       </p:nvGrpSpPr>
@@ -7992,7 +8205,9 @@
       <p:sp>
         <p:nvSpPr>
           <p:cNvPr id="68" name="Google Shape;68;p15"/>
-          <p:cNvSpPr txBox="1"/>
+          <p:cNvSpPr txBox="1">
+            <a:spLocks noGrp="1"/>
+          </p:cNvSpPr>
           <p:nvPr>
             <p:ph type="title"/>
           </p:nvPr>
@@ -8007,12 +8222,12 @@
           </a:prstGeom>
         </p:spPr>
         <p:txBody>
-          <a:bodyPr anchorCtr="0" anchor="t" bIns="91425" lIns="91425" spcFirstLastPara="1" rIns="91425" wrap="square" tIns="91425">
+          <a:bodyPr spcFirstLastPara="1" wrap="square" lIns="91425" tIns="91425" rIns="91425" bIns="91425" anchor="t" anchorCtr="0">
             <a:normAutofit fontScale="90000"/>
           </a:bodyPr>
           <a:lstStyle/>
           <a:p>
-            <a:pPr indent="0" lvl="0" marL="0" rtl="0" algn="l">
+            <a:pPr marL="0" lvl="0" indent="0" algn="l" rtl="0">
               <a:spcBef>
                 <a:spcPts val="0"/>
               </a:spcBef>
@@ -8022,7 +8237,7 @@
               <a:buNone/>
             </a:pPr>
             <a:r>
-              <a:rPr b="1" lang="en" sz="2820"/>
+              <a:rPr lang="en" sz="2820" b="1"/>
               <a:t>The Dataset</a:t>
             </a:r>
             <a:endParaRPr/>
@@ -8032,9 +8247,11 @@
       <p:sp>
         <p:nvSpPr>
           <p:cNvPr id="69" name="Google Shape;69;p15"/>
-          <p:cNvSpPr txBox="1"/>
+          <p:cNvSpPr txBox="1">
+            <a:spLocks noGrp="1"/>
+          </p:cNvSpPr>
           <p:nvPr>
-            <p:ph idx="1" type="body"/>
+            <p:ph type="body" idx="1"/>
           </p:nvPr>
         </p:nvSpPr>
         <p:spPr>
@@ -8047,12 +8264,12 @@
           </a:prstGeom>
         </p:spPr>
         <p:txBody>
-          <a:bodyPr anchorCtr="0" anchor="t" bIns="91425" lIns="91425" spcFirstLastPara="1" rIns="91425" wrap="square" tIns="91425">
+          <a:bodyPr spcFirstLastPara="1" wrap="square" lIns="91425" tIns="91425" rIns="91425" bIns="91425" anchor="t" anchorCtr="0">
             <a:noAutofit/>
           </a:bodyPr>
           <a:lstStyle/>
           <a:p>
-            <a:pPr indent="0" lvl="0" marL="0" marR="0" rtl="0" algn="l">
+            <a:pPr marL="0" marR="0" lvl="0" indent="0" algn="l" rtl="0">
               <a:lnSpc>
                 <a:spcPct val="115000"/>
               </a:lnSpc>
@@ -8065,7 +8282,7 @@
               <a:buNone/>
             </a:pPr>
             <a:r>
-              <a:rPr b="1" lang="en"/>
+              <a:rPr lang="en" b="1"/>
               <a:t>Before</a:t>
             </a:r>
             <a:r>
@@ -8077,13 +8294,13 @@
               <a:t> </a:t>
             </a:r>
             <a:r>
-              <a:rPr b="1" lang="en"/>
+              <a:rPr lang="en" b="1"/>
               <a:t>Data Processing</a:t>
             </a:r>
             <a:endParaRPr b="1"/>
           </a:p>
           <a:p>
-            <a:pPr indent="-349250" lvl="0" marL="457200" marR="0" rtl="0" algn="l">
+            <a:pPr marL="457200" marR="0" lvl="0" indent="-349250" algn="l" rtl="0">
               <a:lnSpc>
                 <a:spcPct val="115000"/>
               </a:lnSpc>
@@ -8103,7 +8320,7 @@
             <a:endParaRPr sz="1900"/>
           </a:p>
           <a:p>
-            <a:pPr indent="-349250" lvl="0" marL="457200" marR="0" rtl="0" algn="l">
+            <a:pPr marL="457200" marR="0" lvl="0" indent="-349250" algn="l" rtl="0">
               <a:lnSpc>
                 <a:spcPct val="115000"/>
               </a:lnSpc>
@@ -8123,7 +8340,7 @@
             <a:endParaRPr sz="1900"/>
           </a:p>
           <a:p>
-            <a:pPr indent="-349250" lvl="0" marL="457200" marR="0" rtl="0" algn="l">
+            <a:pPr marL="457200" marR="0" lvl="0" indent="-349250" algn="l" rtl="0">
               <a:lnSpc>
                 <a:spcPct val="115000"/>
               </a:lnSpc>
@@ -8143,7 +8360,7 @@
             <a:endParaRPr sz="1900"/>
           </a:p>
           <a:p>
-            <a:pPr indent="-349250" lvl="0" marL="457200" marR="0" rtl="0" algn="l">
+            <a:pPr marL="457200" marR="0" lvl="0" indent="-349250" algn="l" rtl="0">
               <a:lnSpc>
                 <a:spcPct val="115000"/>
               </a:lnSpc>
@@ -8163,7 +8380,7 @@
             <a:endParaRPr sz="1900"/>
           </a:p>
           <a:p>
-            <a:pPr indent="-349250" lvl="0" marL="457200" marR="0" rtl="0" algn="l">
+            <a:pPr marL="457200" marR="0" lvl="0" indent="-349250" algn="l" rtl="0">
               <a:lnSpc>
                 <a:spcPct val="115000"/>
               </a:lnSpc>
@@ -8183,7 +8400,7 @@
             <a:endParaRPr sz="1900"/>
           </a:p>
           <a:p>
-            <a:pPr indent="-349250" lvl="0" marL="457200" marR="0" rtl="0" algn="l">
+            <a:pPr marL="457200" marR="0" lvl="0" indent="-349250" algn="l" rtl="0">
               <a:lnSpc>
                 <a:spcPct val="115000"/>
               </a:lnSpc>
@@ -8241,11 +8458,11 @@
 </file>
 
 <file path=ppt/slides/slide4.xml><?xml version="1.0" encoding="utf-8"?>
-<p:sld xmlns:a="http://schemas.openxmlformats.org/drawingml/2006/main" xmlns:r="http://schemas.openxmlformats.org/officeDocument/2006/relationships" xmlns:mc="http://schemas.openxmlformats.org/markup-compatibility/2006" xmlns:mv="urn:schemas-microsoft-com:mac:vml" xmlns:p="http://schemas.openxmlformats.org/presentationml/2006/main" xmlns:c="http://schemas.openxmlformats.org/drawingml/2006/chart" xmlns:dgm="http://schemas.openxmlformats.org/drawingml/2006/diagram" xmlns:o="urn:schemas-microsoft-com:office:office" xmlns:v="urn:schemas-microsoft-com:vml" xmlns:pvml="urn:schemas-microsoft-com:office:powerpoint" xmlns:com="http://schemas.openxmlformats.org/drawingml/2006/compatibility" xmlns:p14="http://schemas.microsoft.com/office/powerpoint/2010/main" xmlns:p15="http://schemas.microsoft.com/office/powerpoint/2012/main" xmlns:ahyp="http://schemas.microsoft.com/office/drawing/2018/hyperlinkcolor">
+<p:sld xmlns:a="http://schemas.openxmlformats.org/drawingml/2006/main" xmlns:r="http://schemas.openxmlformats.org/officeDocument/2006/relationships" xmlns:p="http://schemas.openxmlformats.org/presentationml/2006/main">
   <p:cSld>
     <p:spTree>
       <p:nvGrpSpPr>
-        <p:cNvPr id="74" name="Shape 74"/>
+        <p:cNvPr id="1" name="Shape 74"/>
         <p:cNvGrpSpPr/>
         <p:nvPr/>
       </p:nvGrpSpPr>
@@ -8260,7 +8477,9 @@
       <p:sp>
         <p:nvSpPr>
           <p:cNvPr id="75" name="Google Shape;75;p16"/>
-          <p:cNvSpPr txBox="1"/>
+          <p:cNvSpPr txBox="1">
+            <a:spLocks noGrp="1"/>
+          </p:cNvSpPr>
           <p:nvPr>
             <p:ph type="title"/>
           </p:nvPr>
@@ -8275,12 +8494,12 @@
           </a:prstGeom>
         </p:spPr>
         <p:txBody>
-          <a:bodyPr anchorCtr="0" anchor="t" bIns="91425" lIns="91425" spcFirstLastPara="1" rIns="91425" wrap="square" tIns="91425">
+          <a:bodyPr spcFirstLastPara="1" wrap="square" lIns="91425" tIns="91425" rIns="91425" bIns="91425" anchor="t" anchorCtr="0">
             <a:normAutofit fontScale="90000"/>
           </a:bodyPr>
           <a:lstStyle/>
           <a:p>
-            <a:pPr indent="0" lvl="0" marL="0" marR="0" rtl="0" algn="l">
+            <a:pPr marL="0" marR="0" lvl="0" indent="0" algn="l" rtl="0">
               <a:lnSpc>
                 <a:spcPct val="100000"/>
               </a:lnSpc>
@@ -8293,19 +8512,21 @@
               <a:buNone/>
             </a:pPr>
             <a:r>
-              <a:rPr b="1" lang="en" sz="2820"/>
+              <a:rPr lang="en" sz="2820" b="1"/>
               <a:t>The Dataset</a:t>
             </a:r>
-            <a:endParaRPr b="1" sz="2820"/>
+            <a:endParaRPr sz="2820" b="1"/>
           </a:p>
         </p:txBody>
       </p:sp>
       <p:sp>
         <p:nvSpPr>
           <p:cNvPr id="76" name="Google Shape;76;p16"/>
-          <p:cNvSpPr txBox="1"/>
+          <p:cNvSpPr txBox="1">
+            <a:spLocks noGrp="1"/>
+          </p:cNvSpPr>
           <p:nvPr>
-            <p:ph idx="1" type="body"/>
+            <p:ph type="body" idx="1"/>
           </p:nvPr>
         </p:nvSpPr>
         <p:spPr>
@@ -8318,12 +8539,12 @@
           </a:prstGeom>
         </p:spPr>
         <p:txBody>
-          <a:bodyPr anchorCtr="0" anchor="t" bIns="91425" lIns="91425" spcFirstLastPara="1" rIns="91425" wrap="square" tIns="91425">
+          <a:bodyPr spcFirstLastPara="1" wrap="square" lIns="91425" tIns="91425" rIns="91425" bIns="91425" anchor="t" anchorCtr="0">
             <a:noAutofit/>
           </a:bodyPr>
           <a:lstStyle/>
           <a:p>
-            <a:pPr indent="0" lvl="0" marL="0" marR="0" rtl="0" algn="l">
+            <a:pPr marL="0" marR="0" lvl="0" indent="0" algn="l" rtl="0">
               <a:lnSpc>
                 <a:spcPct val="105000"/>
               </a:lnSpc>
@@ -8336,17 +8557,13 @@
               <a:buNone/>
             </a:pPr>
             <a:r>
-              <a:rPr b="1" lang="en" sz="1900"/>
-              <a:t>After</a:t>
+              <a:rPr lang="en" sz="1900" b="1"/>
+              <a:t>After Data Processing</a:t>
             </a:r>
-            <a:r>
-              <a:rPr b="1" lang="en" sz="1900"/>
-              <a:t> Data Processing</a:t>
-            </a:r>
-            <a:endParaRPr b="1" sz="1900"/>
-          </a:p>
-          <a:p>
-            <a:pPr indent="-355600" lvl="0" marL="457200" marR="0" rtl="0" algn="l">
+            <a:endParaRPr sz="1900" b="1"/>
+          </a:p>
+          <a:p>
+            <a:pPr marL="457200" marR="0" lvl="0" indent="-355600" algn="l" rtl="0">
               <a:lnSpc>
                 <a:spcPct val="105000"/>
               </a:lnSpc>
@@ -8366,7 +8583,7 @@
             <a:endParaRPr sz="2000"/>
           </a:p>
           <a:p>
-            <a:pPr indent="-355600" lvl="0" marL="457200" marR="0" rtl="0" algn="l">
+            <a:pPr marL="457200" marR="0" lvl="0" indent="-355600" algn="l" rtl="0">
               <a:lnSpc>
                 <a:spcPct val="105000"/>
               </a:lnSpc>
@@ -8386,7 +8603,7 @@
             <a:endParaRPr sz="2000"/>
           </a:p>
           <a:p>
-            <a:pPr indent="-355600" lvl="0" marL="457200" marR="0" rtl="0" algn="l">
+            <a:pPr marL="457200" marR="0" lvl="0" indent="-355600" algn="l" rtl="0">
               <a:lnSpc>
                 <a:spcPct val="105000"/>
               </a:lnSpc>
@@ -8406,7 +8623,7 @@
             <a:endParaRPr sz="2000"/>
           </a:p>
           <a:p>
-            <a:pPr indent="-355600" lvl="0" marL="457200" marR="0" rtl="0" algn="l">
+            <a:pPr marL="457200" marR="0" lvl="0" indent="-355600" algn="l" rtl="0">
               <a:lnSpc>
                 <a:spcPct val="105000"/>
               </a:lnSpc>
@@ -8426,7 +8643,7 @@
             <a:endParaRPr sz="2000"/>
           </a:p>
           <a:p>
-            <a:pPr indent="-355600" lvl="0" marL="457200" marR="0" rtl="0" algn="l">
+            <a:pPr marL="457200" marR="0" lvl="0" indent="-355600" algn="l" rtl="0">
               <a:lnSpc>
                 <a:spcPct val="105000"/>
               </a:lnSpc>
@@ -8446,7 +8663,7 @@
             <a:endParaRPr sz="2000"/>
           </a:p>
           <a:p>
-            <a:pPr indent="-355600" lvl="0" marL="457200" marR="0" rtl="0" algn="l">
+            <a:pPr marL="457200" marR="0" lvl="0" indent="-355600" algn="l" rtl="0">
               <a:lnSpc>
                 <a:spcPct val="105000"/>
               </a:lnSpc>
@@ -8504,11 +8721,11 @@
 </file>
 
 <file path=ppt/slides/slide5.xml><?xml version="1.0" encoding="utf-8"?>
-<p:sld xmlns:a="http://schemas.openxmlformats.org/drawingml/2006/main" xmlns:r="http://schemas.openxmlformats.org/officeDocument/2006/relationships" xmlns:mc="http://schemas.openxmlformats.org/markup-compatibility/2006" xmlns:mv="urn:schemas-microsoft-com:mac:vml" xmlns:p="http://schemas.openxmlformats.org/presentationml/2006/main" xmlns:c="http://schemas.openxmlformats.org/drawingml/2006/chart" xmlns:dgm="http://schemas.openxmlformats.org/drawingml/2006/diagram" xmlns:o="urn:schemas-microsoft-com:office:office" xmlns:v="urn:schemas-microsoft-com:vml" xmlns:pvml="urn:schemas-microsoft-com:office:powerpoint" xmlns:com="http://schemas.openxmlformats.org/drawingml/2006/compatibility" xmlns:p14="http://schemas.microsoft.com/office/powerpoint/2010/main" xmlns:p15="http://schemas.microsoft.com/office/powerpoint/2012/main" xmlns:ahyp="http://schemas.microsoft.com/office/drawing/2018/hyperlinkcolor">
+<p:sld xmlns:a="http://schemas.openxmlformats.org/drawingml/2006/main" xmlns:r="http://schemas.openxmlformats.org/officeDocument/2006/relationships" xmlns:p="http://schemas.openxmlformats.org/presentationml/2006/main">
   <p:cSld>
     <p:spTree>
       <p:nvGrpSpPr>
-        <p:cNvPr id="81" name="Shape 81"/>
+        <p:cNvPr id="1" name="Shape 81"/>
         <p:cNvGrpSpPr/>
         <p:nvPr/>
       </p:nvGrpSpPr>
@@ -8523,7 +8740,9 @@
       <p:sp>
         <p:nvSpPr>
           <p:cNvPr id="82" name="Google Shape;82;p17"/>
-          <p:cNvSpPr txBox="1"/>
+          <p:cNvSpPr txBox="1">
+            <a:spLocks noGrp="1"/>
+          </p:cNvSpPr>
           <p:nvPr>
             <p:ph type="title"/>
           </p:nvPr>
@@ -8538,12 +8757,12 @@
           </a:prstGeom>
         </p:spPr>
         <p:txBody>
-          <a:bodyPr anchorCtr="0" anchor="t" bIns="91425" lIns="91425" spcFirstLastPara="1" rIns="91425" wrap="square" tIns="91425">
+          <a:bodyPr spcFirstLastPara="1" wrap="square" lIns="91425" tIns="91425" rIns="91425" bIns="91425" anchor="t" anchorCtr="0">
             <a:normAutofit fontScale="90000"/>
           </a:bodyPr>
           <a:lstStyle/>
           <a:p>
-            <a:pPr indent="0" lvl="0" marL="0" marR="0" rtl="0" algn="l">
+            <a:pPr marL="0" marR="0" lvl="0" indent="0" algn="l" rtl="0">
               <a:lnSpc>
                 <a:spcPct val="100000"/>
               </a:lnSpc>
@@ -8556,7 +8775,7 @@
               <a:buNone/>
             </a:pPr>
             <a:r>
-              <a:rPr b="1" lang="en" sz="2820"/>
+              <a:rPr lang="en" sz="2820" b="1"/>
               <a:t>Data Processing Steps</a:t>
             </a:r>
             <a:endParaRPr/>
@@ -8566,9 +8785,11 @@
       <p:sp>
         <p:nvSpPr>
           <p:cNvPr id="83" name="Google Shape;83;p17"/>
-          <p:cNvSpPr txBox="1"/>
+          <p:cNvSpPr txBox="1">
+            <a:spLocks noGrp="1"/>
+          </p:cNvSpPr>
           <p:nvPr>
-            <p:ph idx="1" type="body"/>
+            <p:ph type="body" idx="1"/>
           </p:nvPr>
         </p:nvSpPr>
         <p:spPr>
@@ -8581,12 +8802,12 @@
           </a:prstGeom>
         </p:spPr>
         <p:txBody>
-          <a:bodyPr anchorCtr="0" anchor="t" bIns="91425" lIns="91425" spcFirstLastPara="1" rIns="91425" wrap="square" tIns="91425">
+          <a:bodyPr spcFirstLastPara="1" wrap="square" lIns="91425" tIns="91425" rIns="91425" bIns="91425" anchor="t" anchorCtr="0">
             <a:normAutofit/>
           </a:bodyPr>
           <a:lstStyle/>
           <a:p>
-            <a:pPr indent="-349250" lvl="0" marL="457200" rtl="0" algn="l">
+            <a:pPr marL="457200" lvl="0" indent="-349250" algn="l" rtl="0">
               <a:spcBef>
                 <a:spcPts val="0"/>
               </a:spcBef>
@@ -8603,7 +8824,7 @@
             <a:endParaRPr sz="1900"/>
           </a:p>
           <a:p>
-            <a:pPr indent="-349250" lvl="0" marL="457200" rtl="0" algn="l">
+            <a:pPr marL="457200" lvl="0" indent="-349250" algn="l" rtl="0">
               <a:spcBef>
                 <a:spcPts val="0"/>
               </a:spcBef>
@@ -8620,7 +8841,7 @@
             <a:endParaRPr sz="1900"/>
           </a:p>
           <a:p>
-            <a:pPr indent="-349250" lvl="0" marL="457200" rtl="0" algn="l">
+            <a:pPr marL="457200" lvl="0" indent="-349250" algn="l" rtl="0">
               <a:spcBef>
                 <a:spcPts val="0"/>
               </a:spcBef>
@@ -8675,11 +8896,11 @@
 </file>
 
 <file path=ppt/slides/slide6.xml><?xml version="1.0" encoding="utf-8"?>
-<p:sld xmlns:a="http://schemas.openxmlformats.org/drawingml/2006/main" xmlns:r="http://schemas.openxmlformats.org/officeDocument/2006/relationships" xmlns:mc="http://schemas.openxmlformats.org/markup-compatibility/2006" xmlns:mv="urn:schemas-microsoft-com:mac:vml" xmlns:p="http://schemas.openxmlformats.org/presentationml/2006/main" xmlns:c="http://schemas.openxmlformats.org/drawingml/2006/chart" xmlns:dgm="http://schemas.openxmlformats.org/drawingml/2006/diagram" xmlns:o="urn:schemas-microsoft-com:office:office" xmlns:v="urn:schemas-microsoft-com:vml" xmlns:pvml="urn:schemas-microsoft-com:office:powerpoint" xmlns:com="http://schemas.openxmlformats.org/drawingml/2006/compatibility" xmlns:p14="http://schemas.microsoft.com/office/powerpoint/2010/main" xmlns:p15="http://schemas.microsoft.com/office/powerpoint/2012/main" xmlns:ahyp="http://schemas.microsoft.com/office/drawing/2018/hyperlinkcolor">
+<p:sld xmlns:a="http://schemas.openxmlformats.org/drawingml/2006/main" xmlns:r="http://schemas.openxmlformats.org/officeDocument/2006/relationships" xmlns:p="http://schemas.openxmlformats.org/presentationml/2006/main">
   <p:cSld>
     <p:spTree>
       <p:nvGrpSpPr>
-        <p:cNvPr id="88" name="Shape 88"/>
+        <p:cNvPr id="1" name="Shape 88"/>
         <p:cNvGrpSpPr/>
         <p:nvPr/>
       </p:nvGrpSpPr>
@@ -8694,7 +8915,9 @@
       <p:sp>
         <p:nvSpPr>
           <p:cNvPr id="89" name="Google Shape;89;p18"/>
-          <p:cNvSpPr txBox="1"/>
+          <p:cNvSpPr txBox="1">
+            <a:spLocks noGrp="1"/>
+          </p:cNvSpPr>
           <p:nvPr>
             <p:ph type="title"/>
           </p:nvPr>
@@ -8709,12 +8932,12 @@
           </a:prstGeom>
         </p:spPr>
         <p:txBody>
-          <a:bodyPr anchorCtr="0" anchor="t" bIns="91425" lIns="91425" spcFirstLastPara="1" rIns="91425" wrap="square" tIns="91425">
+          <a:bodyPr spcFirstLastPara="1" wrap="square" lIns="91425" tIns="91425" rIns="91425" bIns="91425" anchor="t" anchorCtr="0">
             <a:normAutofit fontScale="90000"/>
           </a:bodyPr>
           <a:lstStyle/>
           <a:p>
-            <a:pPr indent="0" lvl="0" marL="0" marR="0" rtl="0" algn="l">
+            <a:pPr marL="0" marR="0" lvl="0" indent="0" algn="l" rtl="0">
               <a:lnSpc>
                 <a:spcPct val="100000"/>
               </a:lnSpc>
@@ -8727,13 +8950,13 @@
               <a:buNone/>
             </a:pPr>
             <a:r>
-              <a:rPr b="1" lang="en" sz="2820"/>
+              <a:rPr lang="en" sz="2820" b="1"/>
               <a:t>Data Processing Steps - continued</a:t>
             </a:r>
-            <a:endParaRPr b="1" sz="2820"/>
-          </a:p>
-          <a:p>
-            <a:pPr indent="0" lvl="0" marL="0" marR="0" rtl="0" algn="l">
+            <a:endParaRPr sz="2820" b="1"/>
+          </a:p>
+          <a:p>
+            <a:pPr marL="0" marR="0" lvl="0" indent="0" algn="l" rtl="0">
               <a:lnSpc>
                 <a:spcPct val="100000"/>
               </a:lnSpc>
@@ -8745,19 +8968,18 @@
               </a:spcAft>
               <a:buNone/>
             </a:pPr>
-            <a:r>
-              <a:t/>
-            </a:r>
-            <a:endParaRPr b="1" sz="2820"/>
+            <a:endParaRPr sz="2820" b="1"/>
           </a:p>
         </p:txBody>
       </p:sp>
       <p:sp>
         <p:nvSpPr>
           <p:cNvPr id="90" name="Google Shape;90;p18"/>
-          <p:cNvSpPr txBox="1"/>
+          <p:cNvSpPr txBox="1">
+            <a:spLocks noGrp="1"/>
+          </p:cNvSpPr>
           <p:nvPr>
-            <p:ph idx="1" type="body"/>
+            <p:ph type="body" idx="1"/>
           </p:nvPr>
         </p:nvSpPr>
         <p:spPr>
@@ -8770,12 +8992,12 @@
           </a:prstGeom>
         </p:spPr>
         <p:txBody>
-          <a:bodyPr anchorCtr="0" anchor="t" bIns="91425" lIns="91425" spcFirstLastPara="1" rIns="91425" wrap="square" tIns="91425">
+          <a:bodyPr spcFirstLastPara="1" wrap="square" lIns="91425" tIns="91425" rIns="91425" bIns="91425" anchor="t" anchorCtr="0">
             <a:normAutofit/>
           </a:bodyPr>
           <a:lstStyle/>
           <a:p>
-            <a:pPr indent="-349250" lvl="0" marL="457200" rtl="0" algn="l">
+            <a:pPr marL="457200" lvl="0" indent="-349250" algn="l" rtl="0">
               <a:spcBef>
                 <a:spcPts val="0"/>
               </a:spcBef>
@@ -8792,7 +9014,7 @@
             <a:endParaRPr sz="1900"/>
           </a:p>
           <a:p>
-            <a:pPr indent="-349250" lvl="0" marL="457200" rtl="0" algn="l">
+            <a:pPr marL="457200" lvl="0" indent="-349250" algn="l" rtl="0">
               <a:spcBef>
                 <a:spcPts val="0"/>
               </a:spcBef>
@@ -8809,7 +9031,7 @@
             <a:endParaRPr sz="1900"/>
           </a:p>
           <a:p>
-            <a:pPr indent="-349250" lvl="0" marL="457200" rtl="0" algn="l">
+            <a:pPr marL="457200" lvl="0" indent="-349250" algn="l" rtl="0">
               <a:spcBef>
                 <a:spcPts val="0"/>
               </a:spcBef>
@@ -8892,11 +9114,11 @@
 </file>
 
 <file path=ppt/slides/slide7.xml><?xml version="1.0" encoding="utf-8"?>
-<p:sld xmlns:a="http://schemas.openxmlformats.org/drawingml/2006/main" xmlns:r="http://schemas.openxmlformats.org/officeDocument/2006/relationships" xmlns:mc="http://schemas.openxmlformats.org/markup-compatibility/2006" xmlns:mv="urn:schemas-microsoft-com:mac:vml" xmlns:p="http://schemas.openxmlformats.org/presentationml/2006/main" xmlns:c="http://schemas.openxmlformats.org/drawingml/2006/chart" xmlns:dgm="http://schemas.openxmlformats.org/drawingml/2006/diagram" xmlns:o="urn:schemas-microsoft-com:office:office" xmlns:v="urn:schemas-microsoft-com:vml" xmlns:pvml="urn:schemas-microsoft-com:office:powerpoint" xmlns:com="http://schemas.openxmlformats.org/drawingml/2006/compatibility" xmlns:p14="http://schemas.microsoft.com/office/powerpoint/2010/main" xmlns:p15="http://schemas.microsoft.com/office/powerpoint/2012/main" xmlns:ahyp="http://schemas.microsoft.com/office/drawing/2018/hyperlinkcolor">
+<p:sld xmlns:a="http://schemas.openxmlformats.org/drawingml/2006/main" xmlns:r="http://schemas.openxmlformats.org/officeDocument/2006/relationships" xmlns:p="http://schemas.openxmlformats.org/presentationml/2006/main">
   <p:cSld>
     <p:spTree>
       <p:nvGrpSpPr>
-        <p:cNvPr id="96" name="Shape 96"/>
+        <p:cNvPr id="1" name="Shape 96"/>
         <p:cNvGrpSpPr/>
         <p:nvPr/>
       </p:nvGrpSpPr>
@@ -8911,7 +9133,9 @@
       <p:sp>
         <p:nvSpPr>
           <p:cNvPr id="97" name="Google Shape;97;p19"/>
-          <p:cNvSpPr txBox="1"/>
+          <p:cNvSpPr txBox="1">
+            <a:spLocks noGrp="1"/>
+          </p:cNvSpPr>
           <p:nvPr>
             <p:ph type="title"/>
           </p:nvPr>
@@ -8926,12 +9150,12 @@
           </a:prstGeom>
         </p:spPr>
         <p:txBody>
-          <a:bodyPr anchorCtr="0" anchor="t" bIns="91425" lIns="91425" spcFirstLastPara="1" rIns="91425" wrap="square" tIns="91425">
+          <a:bodyPr spcFirstLastPara="1" wrap="square" lIns="91425" tIns="91425" rIns="91425" bIns="91425" anchor="t" anchorCtr="0">
             <a:normAutofit fontScale="90000"/>
           </a:bodyPr>
           <a:lstStyle/>
           <a:p>
-            <a:pPr indent="0" lvl="0" marL="0" marR="0" rtl="0" algn="l">
+            <a:pPr marL="0" marR="0" lvl="0" indent="0" algn="l" rtl="0">
               <a:lnSpc>
                 <a:spcPct val="100000"/>
               </a:lnSpc>
@@ -8944,19 +9168,21 @@
               <a:buNone/>
             </a:pPr>
             <a:r>
-              <a:rPr b="1" lang="en" sz="2820"/>
+              <a:rPr lang="en" sz="2820" b="1"/>
               <a:t>KNN Classifier Performance</a:t>
             </a:r>
-            <a:endParaRPr b="1" sz="2820"/>
+            <a:endParaRPr sz="2820" b="1"/>
           </a:p>
         </p:txBody>
       </p:sp>
       <p:sp>
         <p:nvSpPr>
           <p:cNvPr id="98" name="Google Shape;98;p19"/>
-          <p:cNvSpPr txBox="1"/>
+          <p:cNvSpPr txBox="1">
+            <a:spLocks noGrp="1"/>
+          </p:cNvSpPr>
           <p:nvPr>
-            <p:ph idx="1" type="body"/>
+            <p:ph type="body" idx="1"/>
           </p:nvPr>
         </p:nvSpPr>
         <p:spPr>
@@ -8969,12 +9195,12 @@
           </a:prstGeom>
         </p:spPr>
         <p:txBody>
-          <a:bodyPr anchorCtr="0" anchor="t" bIns="91425" lIns="91425" spcFirstLastPara="1" rIns="91425" wrap="square" tIns="91425">
+          <a:bodyPr spcFirstLastPara="1" wrap="square" lIns="91425" tIns="91425" rIns="91425" bIns="91425" anchor="t" anchorCtr="0">
             <a:normAutofit/>
           </a:bodyPr>
           <a:lstStyle/>
           <a:p>
-            <a:pPr indent="0" lvl="0" marL="0" rtl="0" algn="l">
+            <a:pPr marL="0" lvl="0" indent="0" algn="l" rtl="0">
               <a:spcBef>
                 <a:spcPts val="0"/>
               </a:spcBef>
@@ -8983,9 +9209,6 @@
               </a:spcAft>
               <a:buNone/>
             </a:pPr>
-            <a:r>
-              <a:t/>
-            </a:r>
             <a:endParaRPr/>
           </a:p>
         </p:txBody>
@@ -9059,30 +9282,30 @@
           </a:xfrm>
           <a:prstGeom prst="leftArrow">
             <a:avLst>
-              <a:gd fmla="val 50000" name="adj1"/>
-              <a:gd fmla="val 95385" name="adj2"/>
+              <a:gd name="adj1" fmla="val 50000"/>
+              <a:gd name="adj2" fmla="val 95385"/>
             </a:avLst>
           </a:prstGeom>
           <a:solidFill>
             <a:schemeClr val="lt1"/>
           </a:solidFill>
-          <a:ln cap="flat" cmpd="sng" w="19050">
+          <a:ln w="19050" cap="flat" cmpd="sng">
             <a:solidFill>
               <a:srgbClr val="FF0000"/>
             </a:solidFill>
             <a:prstDash val="solid"/>
             <a:round/>
-            <a:headEnd len="sm" w="sm" type="none"/>
-            <a:tailEnd len="sm" w="sm" type="none"/>
+            <a:headEnd type="none" w="sm" len="sm"/>
+            <a:tailEnd type="none" w="sm" len="sm"/>
           </a:ln>
         </p:spPr>
         <p:txBody>
-          <a:bodyPr anchorCtr="0" anchor="ctr" bIns="91425" lIns="91425" spcFirstLastPara="1" rIns="91425" wrap="square" tIns="91425">
+          <a:bodyPr spcFirstLastPara="1" wrap="square" lIns="91425" tIns="91425" rIns="91425" bIns="91425" anchor="ctr" anchorCtr="0">
             <a:noAutofit/>
           </a:bodyPr>
           <a:lstStyle/>
           <a:p>
-            <a:pPr indent="0" lvl="0" marL="0" rtl="0" algn="ctr">
+            <a:pPr marL="0" lvl="0" indent="0" algn="ctr" rtl="0">
               <a:spcBef>
                 <a:spcPts val="0"/>
               </a:spcBef>
@@ -9091,9 +9314,6 @@
               </a:spcAft>
               <a:buNone/>
             </a:pPr>
-            <a:r>
-              <a:t/>
-            </a:r>
             <a:endParaRPr/>
           </a:p>
         </p:txBody>
@@ -9113,23 +9333,23 @@
             <a:avLst/>
           </a:prstGeom>
           <a:noFill/>
-          <a:ln cap="flat" cmpd="sng" w="19050">
+          <a:ln w="19050" cap="flat" cmpd="sng">
             <a:solidFill>
               <a:srgbClr val="FF0000"/>
             </a:solidFill>
             <a:prstDash val="solid"/>
             <a:round/>
-            <a:headEnd len="sm" w="sm" type="none"/>
-            <a:tailEnd len="sm" w="sm" type="none"/>
+            <a:headEnd type="none" w="sm" len="sm"/>
+            <a:tailEnd type="none" w="sm" len="sm"/>
           </a:ln>
         </p:spPr>
         <p:txBody>
-          <a:bodyPr anchorCtr="0" anchor="ctr" bIns="91425" lIns="91425" spcFirstLastPara="1" rIns="91425" wrap="square" tIns="91425">
+          <a:bodyPr spcFirstLastPara="1" wrap="square" lIns="91425" tIns="91425" rIns="91425" bIns="91425" anchor="ctr" anchorCtr="0">
             <a:noAutofit/>
           </a:bodyPr>
           <a:lstStyle/>
           <a:p>
-            <a:pPr indent="0" lvl="0" marL="0" rtl="0" algn="ctr">
+            <a:pPr marL="0" lvl="0" indent="0" algn="ctr" rtl="0">
               <a:spcBef>
                 <a:spcPts val="0"/>
               </a:spcBef>
@@ -9138,9 +9358,6 @@
               </a:spcAft>
               <a:buNone/>
             </a:pPr>
-            <a:r>
-              <a:t/>
-            </a:r>
             <a:endParaRPr/>
           </a:p>
         </p:txBody>
@@ -9165,12 +9382,12 @@
           </a:ln>
         </p:spPr>
         <p:txBody>
-          <a:bodyPr anchorCtr="0" anchor="ctr" bIns="91425" lIns="91425" spcFirstLastPara="1" rIns="91425" wrap="square" tIns="91425">
+          <a:bodyPr spcFirstLastPara="1" wrap="square" lIns="91425" tIns="91425" rIns="91425" bIns="91425" anchor="ctr" anchorCtr="0">
             <a:noAutofit/>
           </a:bodyPr>
           <a:lstStyle/>
           <a:p>
-            <a:pPr indent="0" lvl="0" marL="0" rtl="0" algn="l">
+            <a:pPr marL="0" lvl="0" indent="0" algn="l" rtl="0">
               <a:spcBef>
                 <a:spcPts val="0"/>
               </a:spcBef>
@@ -9180,14 +9397,14 @@
               <a:buNone/>
             </a:pPr>
             <a:r>
-              <a:rPr b="1" lang="en" sz="1800">
+              <a:rPr lang="en" sz="1800" b="1">
                 <a:solidFill>
                   <a:schemeClr val="dk2"/>
                 </a:solidFill>
               </a:rPr>
               <a:t>Best K</a:t>
             </a:r>
-            <a:endParaRPr b="1" sz="1800">
+            <a:endParaRPr sz="1800" b="1">
               <a:solidFill>
                 <a:schemeClr val="dk2"/>
               </a:solidFill>
@@ -9204,11 +9421,11 @@
 </file>
 
 <file path=ppt/slides/slide8.xml><?xml version="1.0" encoding="utf-8"?>
-<p:sld xmlns:a="http://schemas.openxmlformats.org/drawingml/2006/main" xmlns:r="http://schemas.openxmlformats.org/officeDocument/2006/relationships" xmlns:mc="http://schemas.openxmlformats.org/markup-compatibility/2006" xmlns:mv="urn:schemas-microsoft-com:mac:vml" xmlns:p="http://schemas.openxmlformats.org/presentationml/2006/main" xmlns:c="http://schemas.openxmlformats.org/drawingml/2006/chart" xmlns:dgm="http://schemas.openxmlformats.org/drawingml/2006/diagram" xmlns:o="urn:schemas-microsoft-com:office:office" xmlns:v="urn:schemas-microsoft-com:vml" xmlns:pvml="urn:schemas-microsoft-com:office:powerpoint" xmlns:com="http://schemas.openxmlformats.org/drawingml/2006/compatibility" xmlns:p14="http://schemas.microsoft.com/office/powerpoint/2010/main" xmlns:p15="http://schemas.microsoft.com/office/powerpoint/2012/main" xmlns:ahyp="http://schemas.microsoft.com/office/drawing/2018/hyperlinkcolor">
+<p:sld xmlns:a="http://schemas.openxmlformats.org/drawingml/2006/main" xmlns:r="http://schemas.openxmlformats.org/officeDocument/2006/relationships" xmlns:p="http://schemas.openxmlformats.org/presentationml/2006/main">
   <p:cSld>
     <p:spTree>
       <p:nvGrpSpPr>
-        <p:cNvPr id="107" name="Shape 107"/>
+        <p:cNvPr id="1" name="Shape 107"/>
         <p:cNvGrpSpPr/>
         <p:nvPr/>
       </p:nvGrpSpPr>
@@ -9223,7 +9440,9 @@
       <p:sp>
         <p:nvSpPr>
           <p:cNvPr id="108" name="Google Shape;108;p20"/>
-          <p:cNvSpPr txBox="1"/>
+          <p:cNvSpPr txBox="1">
+            <a:spLocks noGrp="1"/>
+          </p:cNvSpPr>
           <p:nvPr>
             <p:ph type="title"/>
           </p:nvPr>
@@ -9238,12 +9457,12 @@
           </a:prstGeom>
         </p:spPr>
         <p:txBody>
-          <a:bodyPr anchorCtr="0" anchor="t" bIns="91425" lIns="91425" spcFirstLastPara="1" rIns="91425" wrap="square" tIns="91425">
+          <a:bodyPr spcFirstLastPara="1" wrap="square" lIns="91425" tIns="91425" rIns="91425" bIns="91425" anchor="t" anchorCtr="0">
             <a:normAutofit fontScale="90000"/>
           </a:bodyPr>
           <a:lstStyle/>
           <a:p>
-            <a:pPr indent="0" lvl="0" marL="0" marR="0" rtl="0" algn="l">
+            <a:pPr marL="0" marR="0" lvl="0" indent="0" algn="l" rtl="0">
               <a:lnSpc>
                 <a:spcPct val="100000"/>
               </a:lnSpc>
@@ -9256,19 +9475,21 @@
               <a:buNone/>
             </a:pPr>
             <a:r>
-              <a:rPr b="1" lang="en" sz="2820"/>
+              <a:rPr lang="en" sz="2820" b="1"/>
               <a:t>KNN Classifier Performance</a:t>
             </a:r>
-            <a:endParaRPr b="1" sz="2820"/>
+            <a:endParaRPr sz="2820" b="1"/>
           </a:p>
         </p:txBody>
       </p:sp>
       <p:sp>
         <p:nvSpPr>
           <p:cNvPr id="109" name="Google Shape;109;p20"/>
-          <p:cNvSpPr txBox="1"/>
+          <p:cNvSpPr txBox="1">
+            <a:spLocks noGrp="1"/>
+          </p:cNvSpPr>
           <p:nvPr>
-            <p:ph idx="1" type="body"/>
+            <p:ph type="body" idx="1"/>
           </p:nvPr>
         </p:nvSpPr>
         <p:spPr>
@@ -9281,12 +9502,12 @@
           </a:prstGeom>
         </p:spPr>
         <p:txBody>
-          <a:bodyPr anchorCtr="0" anchor="t" bIns="91425" lIns="91425" spcFirstLastPara="1" rIns="91425" wrap="square" tIns="91425">
+          <a:bodyPr spcFirstLastPara="1" wrap="square" lIns="91425" tIns="91425" rIns="91425" bIns="91425" anchor="t" anchorCtr="0">
             <a:noAutofit/>
           </a:bodyPr>
           <a:lstStyle/>
           <a:p>
-            <a:pPr indent="-347027" lvl="0" marL="457200" marR="0" rtl="0" algn="l">
+            <a:pPr marL="457200" marR="0" lvl="0" indent="-347027" algn="l" rtl="0">
               <a:lnSpc>
                 <a:spcPct val="95000"/>
               </a:lnSpc>
@@ -9300,7 +9521,7 @@
               <a:buChar char="●"/>
             </a:pPr>
             <a:r>
-              <a:rPr b="1" lang="en" sz="1865"/>
+              <a:rPr lang="en" sz="1865" b="1"/>
               <a:t>Accuracy:</a:t>
             </a:r>
             <a:r>
@@ -9310,7 +9531,7 @@
             <a:endParaRPr sz="1865"/>
           </a:p>
           <a:p>
-            <a:pPr indent="-347027" lvl="0" marL="457200" marR="0" rtl="0" algn="l">
+            <a:pPr marL="457200" marR="0" lvl="0" indent="-347027" algn="l" rtl="0">
               <a:lnSpc>
                 <a:spcPct val="95000"/>
               </a:lnSpc>
@@ -9324,7 +9545,7 @@
               <a:buChar char="●"/>
             </a:pPr>
             <a:r>
-              <a:rPr b="1" lang="en" sz="1865"/>
+              <a:rPr lang="en" sz="1865" b="1"/>
               <a:t>Precision:</a:t>
             </a:r>
             <a:r>
@@ -9334,7 +9555,7 @@
             <a:endParaRPr sz="1865"/>
           </a:p>
           <a:p>
-            <a:pPr indent="-347027" lvl="0" marL="457200" marR="0" rtl="0" algn="l">
+            <a:pPr marL="457200" marR="0" lvl="0" indent="-347027" algn="l" rtl="0">
               <a:lnSpc>
                 <a:spcPct val="95000"/>
               </a:lnSpc>
@@ -9348,7 +9569,7 @@
               <a:buChar char="●"/>
             </a:pPr>
             <a:r>
-              <a:rPr b="1" lang="en" sz="1865"/>
+              <a:rPr lang="en" sz="1865" b="1"/>
               <a:t>Recall:</a:t>
             </a:r>
             <a:r>
@@ -9358,7 +9579,7 @@
             <a:endParaRPr sz="1865"/>
           </a:p>
           <a:p>
-            <a:pPr indent="-347027" lvl="0" marL="457200" marR="0" rtl="0" algn="l">
+            <a:pPr marL="457200" marR="0" lvl="0" indent="-347027" algn="l" rtl="0">
               <a:lnSpc>
                 <a:spcPct val="95000"/>
               </a:lnSpc>
@@ -9372,7 +9593,7 @@
               <a:buChar char="●"/>
             </a:pPr>
             <a:r>
-              <a:rPr b="1" lang="en" sz="1865"/>
+              <a:rPr lang="en" sz="1865" b="1"/>
               <a:t>False Positive Rate (FP Rate):</a:t>
             </a:r>
             <a:r>
@@ -9382,7 +9603,7 @@
             <a:endParaRPr sz="1865"/>
           </a:p>
           <a:p>
-            <a:pPr indent="-347027" lvl="0" marL="457200" marR="0" rtl="0" algn="l">
+            <a:pPr marL="457200" marR="0" lvl="0" indent="-347027" algn="l" rtl="0">
               <a:lnSpc>
                 <a:spcPct val="95000"/>
               </a:lnSpc>
@@ -9396,7 +9617,7 @@
               <a:buChar char="●"/>
             </a:pPr>
             <a:r>
-              <a:rPr b="1" lang="en" sz="1865"/>
+              <a:rPr lang="en" sz="1865" b="1"/>
               <a:t>ROC AUC (Area Under Curve):</a:t>
             </a:r>
             <a:r>
@@ -9410,7 +9631,7 @@
             </a:endParaRPr>
           </a:p>
           <a:p>
-            <a:pPr indent="0" lvl="0" marL="0" rtl="0" algn="l">
+            <a:pPr marL="0" lvl="0" indent="0" algn="l" rtl="0">
               <a:lnSpc>
                 <a:spcPct val="95000"/>
               </a:lnSpc>
@@ -9423,9 +9644,6 @@
               <a:buSzPts val="1018"/>
               <a:buNone/>
             </a:pPr>
-            <a:r>
-              <a:t/>
-            </a:r>
             <a:endParaRPr sz="1865"/>
           </a:p>
         </p:txBody>
@@ -9467,11 +9685,11 @@
 </file>
 
 <file path=ppt/slides/slide9.xml><?xml version="1.0" encoding="utf-8"?>
-<p:sld xmlns:a="http://schemas.openxmlformats.org/drawingml/2006/main" xmlns:r="http://schemas.openxmlformats.org/officeDocument/2006/relationships" xmlns:mc="http://schemas.openxmlformats.org/markup-compatibility/2006" xmlns:mv="urn:schemas-microsoft-com:mac:vml" xmlns:p="http://schemas.openxmlformats.org/presentationml/2006/main" xmlns:c="http://schemas.openxmlformats.org/drawingml/2006/chart" xmlns:dgm="http://schemas.openxmlformats.org/drawingml/2006/diagram" xmlns:o="urn:schemas-microsoft-com:office:office" xmlns:v="urn:schemas-microsoft-com:vml" xmlns:pvml="urn:schemas-microsoft-com:office:powerpoint" xmlns:com="http://schemas.openxmlformats.org/drawingml/2006/compatibility" xmlns:p14="http://schemas.microsoft.com/office/powerpoint/2010/main" xmlns:p15="http://schemas.microsoft.com/office/powerpoint/2012/main" xmlns:ahyp="http://schemas.microsoft.com/office/drawing/2018/hyperlinkcolor">
+<p:sld xmlns:a="http://schemas.openxmlformats.org/drawingml/2006/main" xmlns:r="http://schemas.openxmlformats.org/officeDocument/2006/relationships" xmlns:p="http://schemas.openxmlformats.org/presentationml/2006/main">
   <p:cSld>
     <p:spTree>
       <p:nvGrpSpPr>
-        <p:cNvPr id="114" name="Shape 114"/>
+        <p:cNvPr id="1" name="Shape 114"/>
         <p:cNvGrpSpPr/>
         <p:nvPr/>
       </p:nvGrpSpPr>
@@ -9486,7 +9704,9 @@
       <p:sp>
         <p:nvSpPr>
           <p:cNvPr id="115" name="Google Shape;115;p21"/>
-          <p:cNvSpPr txBox="1"/>
+          <p:cNvSpPr txBox="1">
+            <a:spLocks noGrp="1"/>
+          </p:cNvSpPr>
           <p:nvPr>
             <p:ph type="title"/>
           </p:nvPr>
@@ -9501,12 +9721,12 @@
           </a:prstGeom>
         </p:spPr>
         <p:txBody>
-          <a:bodyPr anchorCtr="0" anchor="t" bIns="91425" lIns="91425" spcFirstLastPara="1" rIns="91425" wrap="square" tIns="91425">
+          <a:bodyPr spcFirstLastPara="1" wrap="square" lIns="91425" tIns="91425" rIns="91425" bIns="91425" anchor="t" anchorCtr="0">
             <a:normAutofit fontScale="90000"/>
           </a:bodyPr>
           <a:lstStyle/>
           <a:p>
-            <a:pPr indent="0" lvl="0" marL="0" marR="0" rtl="0" algn="l">
+            <a:pPr marL="0" marR="0" lvl="0" indent="0" algn="l" rtl="0">
               <a:lnSpc>
                 <a:spcPct val="100000"/>
               </a:lnSpc>
@@ -9519,23 +9739,21 @@
               <a:buNone/>
             </a:pPr>
             <a:r>
-              <a:rPr b="1" lang="en" sz="2820"/>
-              <a:t>Naive Bayes</a:t>
+              <a:rPr lang="en" sz="2820" b="1"/>
+              <a:t>Naive Bayes Classifier Performance</a:t>
             </a:r>
-            <a:r>
-              <a:rPr b="1" lang="en" sz="2820"/>
-              <a:t> Classifier Performance</a:t>
-            </a:r>
-            <a:endParaRPr b="1" sz="2820"/>
+            <a:endParaRPr sz="2820" b="1"/>
           </a:p>
         </p:txBody>
       </p:sp>
       <p:sp>
         <p:nvSpPr>
           <p:cNvPr id="116" name="Google Shape;116;p21"/>
-          <p:cNvSpPr txBox="1"/>
+          <p:cNvSpPr txBox="1">
+            <a:spLocks noGrp="1"/>
+          </p:cNvSpPr>
           <p:nvPr>
-            <p:ph idx="1" type="body"/>
+            <p:ph type="body" idx="1"/>
           </p:nvPr>
         </p:nvSpPr>
         <p:spPr>
@@ -9548,12 +9766,12 @@
           </a:prstGeom>
         </p:spPr>
         <p:txBody>
-          <a:bodyPr anchorCtr="0" anchor="t" bIns="91425" lIns="91425" spcFirstLastPara="1" rIns="91425" wrap="square" tIns="91425">
+          <a:bodyPr spcFirstLastPara="1" wrap="square" lIns="91425" tIns="91425" rIns="91425" bIns="91425" anchor="t" anchorCtr="0">
             <a:normAutofit/>
           </a:bodyPr>
           <a:lstStyle/>
           <a:p>
-            <a:pPr indent="0" lvl="0" marL="0" rtl="0" algn="l">
+            <a:pPr marL="0" lvl="0" indent="0" algn="l" rtl="0">
               <a:spcBef>
                 <a:spcPts val="0"/>
               </a:spcBef>
@@ -9562,9 +9780,6 @@
               </a:spcAft>
               <a:buNone/>
             </a:pPr>
-            <a:r>
-              <a:t/>
-            </a:r>
             <a:endParaRPr/>
           </a:p>
         </p:txBody>
@@ -9634,7 +9849,7 @@
 </file>
 
 <file path=ppt/theme/theme1.xml><?xml version="1.0" encoding="utf-8"?>
-<a:theme xmlns:a="http://schemas.openxmlformats.org/drawingml/2006/main" xmlns:r="http://schemas.openxmlformats.org/officeDocument/2006/relationships" name="Simple Light">
+<a:theme xmlns:a="http://schemas.openxmlformats.org/drawingml/2006/main" name="Simple Light">
   <a:themeElements>
     <a:clrScheme name="Simple Light">
       <a:dk1>
@@ -9909,11 +10124,13 @@
       </a:bgFillStyleLst>
     </a:fmtScheme>
   </a:themeElements>
+  <a:objectDefaults/>
+  <a:extraClrSchemeLst/>
 </a:theme>
 </file>
 
 <file path=ppt/theme/theme2.xml><?xml version="1.0" encoding="utf-8"?>
-<a:theme xmlns:a="http://schemas.openxmlformats.org/drawingml/2006/main" xmlns:r="http://schemas.openxmlformats.org/officeDocument/2006/relationships">
+<a:theme xmlns:a="http://schemas.openxmlformats.org/drawingml/2006/main">
   <a:themeElements>
     <a:clrScheme name="Default">
       <a:dk1>
@@ -10188,5 +10405,7 @@
       </a:bgFillStyleLst>
     </a:fmtScheme>
   </a:themeElements>
+  <a:objectDefaults/>
+  <a:extraClrSchemeLst/>
 </a:theme>
 </file>